--- a/Projektpräsentation/Projektpräsentation.pptx
+++ b/Projektpräsentation/Projektpräsentation.pptx
@@ -147,7 +147,7 @@
 </file>
 
 <file path=ppt/charts/chart1.xml><?xml version="1.0" encoding="utf-8"?>
-<c:chartSpace xmlns:c="http://schemas.openxmlformats.org/drawingml/2006/chart" xmlns:a="http://schemas.openxmlformats.org/drawingml/2006/main" xmlns:r="http://schemas.openxmlformats.org/officeDocument/2006/relationships" xmlns:c16r2="http://schemas.microsoft.com/office/drawing/2015/06/chart">
+<c:chartSpace xmlns:c="http://schemas.openxmlformats.org/drawingml/2006/chart" xmlns:a="http://schemas.openxmlformats.org/drawingml/2006/main" xmlns:r="http://schemas.openxmlformats.org/officeDocument/2006/relationships">
   <c:date1904 val="0"/>
   <c:lang val="de-DE"/>
   <c:roundedCorners val="0"/>
@@ -246,7 +246,7 @@
             </c:numRef>
           </c:val>
           <c:smooth val="0"/>
-          <c:extLst>
+          <c:extLst xmlns:c16r2="http://schemas.microsoft.com/office/drawing/2015/06/chart">
             <c:ext xmlns:c16="http://schemas.microsoft.com/office/drawing/2014/chart" uri="{C3380CC4-5D6E-409C-BE32-E72D297353CC}">
               <c16:uniqueId val="{00000000-A4D4-40B1-AA2F-79A4B8CD0B2E}"/>
             </c:ext>
@@ -332,7 +332,7 @@
             </c:numRef>
           </c:val>
           <c:smooth val="0"/>
-          <c:extLst>
+          <c:extLst xmlns:c16r2="http://schemas.microsoft.com/office/drawing/2015/06/chart">
             <c:ext xmlns:c16="http://schemas.microsoft.com/office/drawing/2014/chart" uri="{C3380CC4-5D6E-409C-BE32-E72D297353CC}">
               <c16:uniqueId val="{00000001-A4D4-40B1-AA2F-79A4B8CD0B2E}"/>
             </c:ext>
@@ -418,7 +418,7 @@
             </c:numRef>
           </c:val>
           <c:smooth val="0"/>
-          <c:extLst>
+          <c:extLst xmlns:c16r2="http://schemas.microsoft.com/office/drawing/2015/06/chart">
             <c:ext xmlns:c16="http://schemas.microsoft.com/office/drawing/2014/chart" uri="{C3380CC4-5D6E-409C-BE32-E72D297353CC}">
               <c16:uniqueId val="{00000002-A4D4-40B1-AA2F-79A4B8CD0B2E}"/>
             </c:ext>
@@ -434,11 +434,11 @@
         </c:dLbls>
         <c:marker val="1"/>
         <c:smooth val="0"/>
-        <c:axId val="2144989312"/>
-        <c:axId val="2144991984"/>
+        <c:axId val="294817272"/>
+        <c:axId val="247248568"/>
       </c:lineChart>
       <c:catAx>
-        <c:axId val="2144989312"/>
+        <c:axId val="294817272"/>
         <c:scaling>
           <c:orientation val="minMax"/>
         </c:scaling>
@@ -448,7 +448,7 @@
         <c:majorTickMark val="none"/>
         <c:minorTickMark val="none"/>
         <c:tickLblPos val="nextTo"/>
-        <c:crossAx val="2144991984"/>
+        <c:crossAx val="247248568"/>
         <c:crosses val="autoZero"/>
         <c:auto val="1"/>
         <c:lblAlgn val="ctr"/>
@@ -456,7 +456,7 @@
         <c:noMultiLvlLbl val="0"/>
       </c:catAx>
       <c:valAx>
-        <c:axId val="2144991984"/>
+        <c:axId val="247248568"/>
         <c:scaling>
           <c:orientation val="minMax"/>
         </c:scaling>
@@ -507,7 +507,7 @@
             <a:endParaRPr lang="de-DE"/>
           </a:p>
         </c:txPr>
-        <c:crossAx val="2144989312"/>
+        <c:crossAx val="294817272"/>
         <c:crosses val="autoZero"/>
         <c:crossBetween val="between"/>
       </c:valAx>
@@ -2771,6 +2771,13 @@
         </dgm:presLayoutVars>
       </dgm:prSet>
       <dgm:spPr/>
+      <dgm:t>
+        <a:bodyPr/>
+        <a:lstStyle/>
+        <a:p>
+          <a:endParaRPr lang="de-DE"/>
+        </a:p>
+      </dgm:t>
     </dgm:pt>
     <dgm:pt modelId="{DD9C0A7A-D230-44A7-8F4C-202A2878D3FE}" type="pres">
       <dgm:prSet presAssocID="{1A76B02D-AB58-4B51-BF83-C816523B2354}" presName="sibTrans" presStyleCnt="0"/>
@@ -2783,6 +2790,13 @@
         </dgm:presLayoutVars>
       </dgm:prSet>
       <dgm:spPr/>
+      <dgm:t>
+        <a:bodyPr/>
+        <a:lstStyle/>
+        <a:p>
+          <a:endParaRPr lang="de-DE"/>
+        </a:p>
+      </dgm:t>
     </dgm:pt>
     <dgm:pt modelId="{A335BD9C-4B9E-49AF-B9DB-7F781DD21A27}" type="pres">
       <dgm:prSet presAssocID="{FDAA39BB-A791-41B3-8316-58ADC020A03C}" presName="sibTrans" presStyleCnt="0"/>
@@ -2795,6 +2809,13 @@
         </dgm:presLayoutVars>
       </dgm:prSet>
       <dgm:spPr/>
+      <dgm:t>
+        <a:bodyPr/>
+        <a:lstStyle/>
+        <a:p>
+          <a:endParaRPr lang="de-DE"/>
+        </a:p>
+      </dgm:t>
     </dgm:pt>
   </dgm:ptLst>
   <dgm:cxnLst>
@@ -2853,6 +2874,10 @@
           <a:r>
             <a:rPr lang="de-DE" dirty="0" err="1"/>
             <a:t>Effort</a:t>
+          </a:r>
+          <a:r>
+            <a:rPr lang="de-DE" dirty="0"/>
+            <a:t/>
           </a:r>
           <a:br>
             <a:rPr lang="de-DE" dirty="0"/>
@@ -3000,6 +3025,13 @@
         </dgm:presLayoutVars>
       </dgm:prSet>
       <dgm:spPr/>
+      <dgm:t>
+        <a:bodyPr/>
+        <a:lstStyle/>
+        <a:p>
+          <a:endParaRPr lang="de-DE"/>
+        </a:p>
+      </dgm:t>
     </dgm:pt>
     <dgm:pt modelId="{DD9C0A7A-D230-44A7-8F4C-202A2878D3FE}" type="pres">
       <dgm:prSet presAssocID="{1A76B02D-AB58-4B51-BF83-C816523B2354}" presName="sibTrans" presStyleCnt="0"/>
@@ -3012,6 +3044,13 @@
         </dgm:presLayoutVars>
       </dgm:prSet>
       <dgm:spPr/>
+      <dgm:t>
+        <a:bodyPr/>
+        <a:lstStyle/>
+        <a:p>
+          <a:endParaRPr lang="de-DE"/>
+        </a:p>
+      </dgm:t>
     </dgm:pt>
     <dgm:pt modelId="{A335BD9C-4B9E-49AF-B9DB-7F781DD21A27}" type="pres">
       <dgm:prSet presAssocID="{FDAA39BB-A791-41B3-8316-58ADC020A03C}" presName="sibTrans" presStyleCnt="0"/>
@@ -3024,6 +3063,13 @@
         </dgm:presLayoutVars>
       </dgm:prSet>
       <dgm:spPr/>
+      <dgm:t>
+        <a:bodyPr/>
+        <a:lstStyle/>
+        <a:p>
+          <a:endParaRPr lang="de-DE"/>
+        </a:p>
+      </dgm:t>
     </dgm:pt>
   </dgm:ptLst>
   <dgm:cxnLst>
@@ -3145,7 +3191,7 @@
         </a:bodyPr>
         <a:lstStyle/>
         <a:p>
-          <a:pPr marL="0" lvl="0" indent="0" algn="ctr" defTabSz="711200">
+          <a:pPr lvl="0" algn="ctr" defTabSz="711200">
             <a:lnSpc>
               <a:spcPct val="90000"/>
             </a:lnSpc>
@@ -3155,7 +3201,6 @@
             <a:spcAft>
               <a:spcPct val="35000"/>
             </a:spcAft>
-            <a:buNone/>
           </a:pPr>
           <a:r>
             <a:rPr lang="de-DE" sz="1600" kern="1200" dirty="0"/>
@@ -3220,7 +3265,7 @@
         </a:bodyPr>
         <a:lstStyle/>
         <a:p>
-          <a:pPr marL="0" lvl="0" indent="0" algn="ctr" defTabSz="711200">
+          <a:pPr lvl="0" algn="ctr" defTabSz="711200">
             <a:lnSpc>
               <a:spcPct val="90000"/>
             </a:lnSpc>
@@ -3230,7 +3275,6 @@
             <a:spcAft>
               <a:spcPct val="35000"/>
             </a:spcAft>
-            <a:buNone/>
           </a:pPr>
           <a:r>
             <a:rPr lang="de-DE" sz="1600" kern="1200" dirty="0"/>
@@ -3299,7 +3343,7 @@
         </a:bodyPr>
         <a:lstStyle/>
         <a:p>
-          <a:pPr marL="0" lvl="0" indent="0" algn="ctr" defTabSz="711200">
+          <a:pPr lvl="0" algn="ctr" defTabSz="711200">
             <a:lnSpc>
               <a:spcPct val="90000"/>
             </a:lnSpc>
@@ -3309,7 +3353,6 @@
             <a:spcAft>
               <a:spcPct val="35000"/>
             </a:spcAft>
-            <a:buNone/>
           </a:pPr>
           <a:r>
             <a:rPr lang="de-DE" sz="1600" kern="1200" dirty="0"/>
@@ -3426,7 +3469,7 @@
         </a:bodyPr>
         <a:lstStyle/>
         <a:p>
-          <a:pPr marL="0" lvl="0" indent="0" algn="ctr" defTabSz="666750">
+          <a:pPr lvl="0" algn="ctr" defTabSz="666750">
             <a:lnSpc>
               <a:spcPct val="90000"/>
             </a:lnSpc>
@@ -3436,7 +3479,6 @@
             <a:spcAft>
               <a:spcPct val="35000"/>
             </a:spcAft>
-            <a:buNone/>
           </a:pPr>
           <a:r>
             <a:rPr lang="de-DE" sz="1500" kern="1200" dirty="0"/>
@@ -3445,6 +3487,10 @@
           <a:r>
             <a:rPr lang="de-DE" sz="1500" kern="1200" dirty="0" err="1"/>
             <a:t>Effort</a:t>
+          </a:r>
+          <a:r>
+            <a:rPr lang="de-DE" sz="1500" kern="1200" dirty="0"/>
+            <a:t/>
           </a:r>
           <a:br>
             <a:rPr lang="de-DE" sz="1500" kern="1200" dirty="0"/>
@@ -3505,7 +3551,7 @@
         </a:bodyPr>
         <a:lstStyle/>
         <a:p>
-          <a:pPr marL="0" lvl="0" indent="0" algn="ctr" defTabSz="666750">
+          <a:pPr lvl="0" algn="ctr" defTabSz="666750">
             <a:lnSpc>
               <a:spcPct val="90000"/>
             </a:lnSpc>
@@ -3515,7 +3561,6 @@
             <a:spcAft>
               <a:spcPct val="35000"/>
             </a:spcAft>
-            <a:buNone/>
           </a:pPr>
           <a:r>
             <a:rPr lang="de-DE" sz="1500" kern="1200" dirty="0"/>
@@ -3573,7 +3618,7 @@
         </a:bodyPr>
         <a:lstStyle/>
         <a:p>
-          <a:pPr marL="0" lvl="0" indent="0" algn="ctr" defTabSz="666750">
+          <a:pPr lvl="0" algn="ctr" defTabSz="666750">
             <a:lnSpc>
               <a:spcPct val="90000"/>
             </a:lnSpc>
@@ -3583,7 +3628,6 @@
             <a:spcAft>
               <a:spcPct val="35000"/>
             </a:spcAft>
-            <a:buNone/>
           </a:pPr>
           <a:r>
             <a:rPr lang="de-DE" sz="1500" kern="1200" dirty="0"/>
@@ -6058,7 +6102,7 @@
           <a:p>
             <a:fld id="{90F09366-0DA2-404A-A91F-D59506B6032C}" type="datetimeFigureOut">
               <a:rPr lang="en-US" smtClean="0"/>
-              <a:t>5/9/2016</a:t>
+              <a:t>5/10/2016</a:t>
             </a:fld>
             <a:endParaRPr lang="en-US"/>
           </a:p>
@@ -6438,7 +6482,7 @@
           <a:p>
             <a:fld id="{1E35A5A4-3185-44AB-AEEB-6B2FF51973C9}" type="datetimeFigureOut">
               <a:rPr lang="de-DE" smtClean="0"/>
-              <a:t>09.05.2016</a:t>
+              <a:t>10.05.2016</a:t>
             </a:fld>
             <a:endParaRPr lang="de-DE"/>
           </a:p>
@@ -6747,7 +6791,7 @@
           <a:p>
             <a:fld id="{1E35A5A4-3185-44AB-AEEB-6B2FF51973C9}" type="datetimeFigureOut">
               <a:rPr lang="de-DE" smtClean="0"/>
-              <a:t>09.05.2016</a:t>
+              <a:t>10.05.2016</a:t>
             </a:fld>
             <a:endParaRPr lang="de-DE"/>
           </a:p>
@@ -6915,7 +6959,7 @@
           <a:p>
             <a:fld id="{1E35A5A4-3185-44AB-AEEB-6B2FF51973C9}" type="datetimeFigureOut">
               <a:rPr lang="de-DE" smtClean="0"/>
-              <a:t>09.05.2016</a:t>
+              <a:t>10.05.2016</a:t>
             </a:fld>
             <a:endParaRPr lang="de-DE"/>
           </a:p>
@@ -7093,7 +7137,7 @@
           <a:p>
             <a:fld id="{1E35A5A4-3185-44AB-AEEB-6B2FF51973C9}" type="datetimeFigureOut">
               <a:rPr lang="de-DE" smtClean="0"/>
-              <a:t>09.05.2016</a:t>
+              <a:t>10.05.2016</a:t>
             </a:fld>
             <a:endParaRPr lang="de-DE"/>
           </a:p>
@@ -8594,7 +8638,7 @@
           <a:p>
             <a:fld id="{1E35A5A4-3185-44AB-AEEB-6B2FF51973C9}" type="datetimeFigureOut">
               <a:rPr lang="de-DE" smtClean="0"/>
-              <a:t>09.05.2016</a:t>
+              <a:t>10.05.2016</a:t>
             </a:fld>
             <a:endParaRPr lang="de-DE"/>
           </a:p>
@@ -8823,7 +8867,7 @@
           <a:p>
             <a:fld id="{1E35A5A4-3185-44AB-AEEB-6B2FF51973C9}" type="datetimeFigureOut">
               <a:rPr lang="de-DE" smtClean="0"/>
-              <a:t>09.05.2016</a:t>
+              <a:t>10.05.2016</a:t>
             </a:fld>
             <a:endParaRPr lang="de-DE"/>
           </a:p>
@@ -9187,7 +9231,7 @@
           <a:p>
             <a:fld id="{1E35A5A4-3185-44AB-AEEB-6B2FF51973C9}" type="datetimeFigureOut">
               <a:rPr lang="de-DE" smtClean="0"/>
-              <a:t>09.05.2016</a:t>
+              <a:t>10.05.2016</a:t>
             </a:fld>
             <a:endParaRPr lang="de-DE"/>
           </a:p>
@@ -9304,7 +9348,7 @@
           <a:p>
             <a:fld id="{1E35A5A4-3185-44AB-AEEB-6B2FF51973C9}" type="datetimeFigureOut">
               <a:rPr lang="de-DE" smtClean="0"/>
-              <a:t>09.05.2016</a:t>
+              <a:t>10.05.2016</a:t>
             </a:fld>
             <a:endParaRPr lang="de-DE"/>
           </a:p>
@@ -9399,7 +9443,7 @@
           <a:p>
             <a:fld id="{1E35A5A4-3185-44AB-AEEB-6B2FF51973C9}" type="datetimeFigureOut">
               <a:rPr lang="de-DE" smtClean="0"/>
-              <a:t>09.05.2016</a:t>
+              <a:t>10.05.2016</a:t>
             </a:fld>
             <a:endParaRPr lang="de-DE"/>
           </a:p>
@@ -9674,7 +9718,7 @@
           <a:p>
             <a:fld id="{1E35A5A4-3185-44AB-AEEB-6B2FF51973C9}" type="datetimeFigureOut">
               <a:rPr lang="de-DE" smtClean="0"/>
-              <a:t>09.05.2016</a:t>
+              <a:t>10.05.2016</a:t>
             </a:fld>
             <a:endParaRPr lang="de-DE"/>
           </a:p>
@@ -9885,7 +9929,7 @@
           <a:p>
             <a:fld id="{1E35A5A4-3185-44AB-AEEB-6B2FF51973C9}" type="datetimeFigureOut">
               <a:rPr lang="de-DE" smtClean="0"/>
-              <a:t>09.05.2016</a:t>
+              <a:t>10.05.2016</a:t>
             </a:fld>
             <a:endParaRPr lang="de-DE"/>
           </a:p>
@@ -10414,6 +10458,13 @@
   <p:clrMapOvr>
     <a:masterClrMapping/>
   </p:clrMapOvr>
+  <p:timing>
+    <p:tnLst>
+      <p:par>
+        <p:cTn id="1" dur="indefinite" restart="never" nodeType="tmRoot"/>
+      </p:par>
+    </p:tnLst>
+  </p:timing>
 </p:sld>
 </file>
 
@@ -14954,6 +15005,13 @@
   <p:clrMapOvr>
     <a:masterClrMapping/>
   </p:clrMapOvr>
+  <p:timing>
+    <p:tnLst>
+      <p:par>
+        <p:cTn id="1" dur="indefinite" restart="never" nodeType="tmRoot"/>
+      </p:par>
+    </p:tnLst>
+  </p:timing>
 </p:sld>
 </file>
 
@@ -15105,6 +15163,10 @@
           <a:bodyPr/>
           <a:lstStyle/>
           <a:p>
+            <a:r>
+              <a:rPr lang="de-DE" dirty="0" smtClean="0"/>
+              <a:t>1 / 1</a:t>
+            </a:r>
             <a:endParaRPr lang="de-DE" dirty="0"/>
           </a:p>
         </p:txBody>
@@ -15315,6 +15377,13 @@
   <p:clrMapOvr>
     <a:masterClrMapping/>
   </p:clrMapOvr>
+  <p:timing>
+    <p:tnLst>
+      <p:par>
+        <p:cTn id="1" dur="indefinite" restart="never" nodeType="tmRoot"/>
+      </p:par>
+    </p:tnLst>
+  </p:timing>
 </p:sld>
 </file>
 
@@ -15548,8 +15617,8 @@
         </p:nvSpPr>
         <p:spPr>
           <a:xfrm>
-            <a:off x="5905144" y="1810262"/>
-            <a:ext cx="5430512" cy="3139321"/>
+            <a:off x="5378824" y="1810262"/>
+            <a:ext cx="5956832" cy="3970318"/>
           </a:xfrm>
           <a:prstGeom prst="rect">
             <a:avLst/>
@@ -15567,21 +15636,21 @@
               <a:buChar char="•"/>
             </a:pPr>
             <a:r>
-              <a:rPr lang="de-DE" sz="2200" dirty="0">
+              <a:rPr lang="de-DE" sz="2800" dirty="0">
                 <a:latin typeface="Arial" panose="020B0604020202020204" pitchFamily="34" charset="0"/>
                 <a:cs typeface="Arial" panose="020B0604020202020204" pitchFamily="34" charset="0"/>
               </a:rPr>
               <a:t>Verlängerung des vorletzten Sprints (</a:t>
             </a:r>
             <a:r>
-              <a:rPr lang="de-DE" sz="2200" dirty="0" err="1">
+              <a:rPr lang="de-DE" sz="2800" dirty="0" err="1">
                 <a:latin typeface="Arial" panose="020B0604020202020204" pitchFamily="34" charset="0"/>
                 <a:cs typeface="Arial" panose="020B0604020202020204" pitchFamily="34" charset="0"/>
               </a:rPr>
               <a:t>Polishing</a:t>
             </a:r>
             <a:r>
-              <a:rPr lang="de-DE" sz="2200" dirty="0">
+              <a:rPr lang="de-DE" sz="2800" dirty="0">
                 <a:latin typeface="Arial" panose="020B0604020202020204" pitchFamily="34" charset="0"/>
                 <a:cs typeface="Arial" panose="020B0604020202020204" pitchFamily="34" charset="0"/>
               </a:rPr>
@@ -15593,7 +15662,7 @@
               <a:buFont typeface="Arial" panose="020B0604020202020204" pitchFamily="34" charset="0"/>
               <a:buChar char="•"/>
             </a:pPr>
-            <a:endParaRPr lang="de-DE" sz="2200" dirty="0">
+            <a:endParaRPr lang="de-DE" sz="2800" dirty="0">
               <a:latin typeface="Arial" panose="020B0604020202020204" pitchFamily="34" charset="0"/>
               <a:cs typeface="Arial" panose="020B0604020202020204" pitchFamily="34" charset="0"/>
             </a:endParaRPr>
@@ -15604,14 +15673,14 @@
               <a:buChar char="•"/>
             </a:pPr>
             <a:r>
-              <a:rPr lang="de-DE" sz="2200" dirty="0" err="1">
+              <a:rPr lang="de-DE" sz="2800" dirty="0" err="1">
                 <a:latin typeface="Arial" panose="020B0604020202020204" pitchFamily="34" charset="0"/>
                 <a:cs typeface="Arial" panose="020B0604020202020204" pitchFamily="34" charset="0"/>
               </a:rPr>
               <a:t>Scrumdesk</a:t>
             </a:r>
             <a:r>
-              <a:rPr lang="de-DE" sz="2200" dirty="0">
+              <a:rPr lang="de-DE" sz="2800" dirty="0">
                 <a:latin typeface="Arial" panose="020B0604020202020204" pitchFamily="34" charset="0"/>
                 <a:cs typeface="Arial" panose="020B0604020202020204" pitchFamily="34" charset="0"/>
               </a:rPr>
@@ -15623,7 +15692,7 @@
               <a:buFont typeface="Arial" panose="020B0604020202020204" pitchFamily="34" charset="0"/>
               <a:buChar char="•"/>
             </a:pPr>
-            <a:endParaRPr lang="de-DE" sz="2200" dirty="0">
+            <a:endParaRPr lang="de-DE" sz="2800" dirty="0">
               <a:latin typeface="Arial" panose="020B0604020202020204" pitchFamily="34" charset="0"/>
               <a:cs typeface="Arial" panose="020B0604020202020204" pitchFamily="34" charset="0"/>
             </a:endParaRPr>
@@ -15634,7 +15703,7 @@
               <a:buChar char="•"/>
             </a:pPr>
             <a:r>
-              <a:rPr lang="de-DE" sz="2200" dirty="0">
+              <a:rPr lang="de-DE" sz="2800" dirty="0">
                 <a:latin typeface="Arial" panose="020B0604020202020204" pitchFamily="34" charset="0"/>
                 <a:cs typeface="Arial" panose="020B0604020202020204" pitchFamily="34" charset="0"/>
               </a:rPr>
@@ -15647,13 +15716,13 @@
               <a:buChar char="•"/>
             </a:pPr>
             <a:r>
-              <a:rPr lang="de-DE" sz="2000" b="1" dirty="0" err="1">
+              <a:rPr lang="de-DE" sz="2800" b="1" dirty="0" err="1">
                 <a:latin typeface="Arial" panose="020B0604020202020204" pitchFamily="34" charset="0"/>
                 <a:cs typeface="Arial" panose="020B0604020202020204" pitchFamily="34" charset="0"/>
               </a:rPr>
               <a:t>Hibernate</a:t>
             </a:r>
-            <a:endParaRPr lang="de-DE" sz="2000" b="1" dirty="0">
+            <a:endParaRPr lang="de-DE" sz="2800" b="1" dirty="0">
               <a:latin typeface="Arial" panose="020B0604020202020204" pitchFamily="34" charset="0"/>
               <a:cs typeface="Arial" panose="020B0604020202020204" pitchFamily="34" charset="0"/>
             </a:endParaRPr>
@@ -15664,14 +15733,14 @@
               <a:buChar char="•"/>
             </a:pPr>
             <a:r>
-              <a:rPr lang="de-DE" sz="2000" dirty="0" err="1">
+              <a:rPr lang="de-DE" sz="2800" dirty="0" err="1">
                 <a:latin typeface="Arial" panose="020B0604020202020204" pitchFamily="34" charset="0"/>
                 <a:cs typeface="Arial" panose="020B0604020202020204" pitchFamily="34" charset="0"/>
               </a:rPr>
               <a:t>GitHub</a:t>
             </a:r>
             <a:r>
-              <a:rPr lang="de-DE" sz="2000" dirty="0">
+              <a:rPr lang="de-DE" sz="2800" dirty="0">
                 <a:latin typeface="Arial" panose="020B0604020202020204" pitchFamily="34" charset="0"/>
                 <a:cs typeface="Arial" panose="020B0604020202020204" pitchFamily="34" charset="0"/>
               </a:rPr>
@@ -15684,7 +15753,7 @@
               <a:buChar char="•"/>
             </a:pPr>
             <a:r>
-              <a:rPr lang="de-DE" sz="2000" dirty="0">
+              <a:rPr lang="de-DE" sz="2800" dirty="0">
                 <a:latin typeface="Arial" panose="020B0604020202020204" pitchFamily="34" charset="0"/>
                 <a:cs typeface="Arial" panose="020B0604020202020204" pitchFamily="34" charset="0"/>
               </a:rPr>
@@ -15703,6 +15772,13 @@
   <p:clrMapOvr>
     <a:masterClrMapping/>
   </p:clrMapOvr>
+  <p:timing>
+    <p:tnLst>
+      <p:par>
+        <p:cTn id="1" dur="indefinite" restart="never" nodeType="tmRoot"/>
+      </p:par>
+    </p:tnLst>
+  </p:timing>
 </p:sld>
 </file>
 
@@ -15943,8 +16019,8 @@
         </p:nvSpPr>
         <p:spPr>
           <a:xfrm>
-            <a:off x="5623133" y="1556025"/>
-            <a:ext cx="5712523" cy="4493538"/>
+            <a:off x="5486399" y="1556025"/>
+            <a:ext cx="5849257" cy="4154984"/>
           </a:xfrm>
           <a:prstGeom prst="rect">
             <a:avLst/>
@@ -15962,7 +16038,7 @@
               <a:buChar char="•"/>
             </a:pPr>
             <a:r>
-              <a:rPr lang="de-DE" sz="2200" dirty="0">
+              <a:rPr lang="de-DE" sz="2400" dirty="0">
                 <a:latin typeface="Arial" panose="020B0604020202020204" pitchFamily="34" charset="0"/>
                 <a:cs typeface="Arial" panose="020B0604020202020204" pitchFamily="34" charset="0"/>
               </a:rPr>
@@ -15974,7 +16050,7 @@
               <a:buFont typeface="Arial" panose="020B0604020202020204" pitchFamily="34" charset="0"/>
               <a:buChar char="•"/>
             </a:pPr>
-            <a:endParaRPr lang="de-DE" sz="2200" dirty="0">
+            <a:endParaRPr lang="de-DE" sz="2400" dirty="0">
               <a:latin typeface="Arial" panose="020B0604020202020204" pitchFamily="34" charset="0"/>
               <a:cs typeface="Arial" panose="020B0604020202020204" pitchFamily="34" charset="0"/>
             </a:endParaRPr>
@@ -15985,21 +16061,21 @@
               <a:buChar char="•"/>
             </a:pPr>
             <a:r>
-              <a:rPr lang="de-DE" sz="2200" dirty="0">
+              <a:rPr lang="de-DE" sz="2400" dirty="0">
                 <a:latin typeface="Arial" panose="020B0604020202020204" pitchFamily="34" charset="0"/>
                 <a:cs typeface="Arial" panose="020B0604020202020204" pitchFamily="34" charset="0"/>
               </a:rPr>
               <a:t>Durch </a:t>
             </a:r>
             <a:r>
-              <a:rPr lang="de-DE" sz="2200" dirty="0" err="1">
+              <a:rPr lang="de-DE" sz="2400" dirty="0" err="1">
                 <a:latin typeface="Arial" panose="020B0604020202020204" pitchFamily="34" charset="0"/>
                 <a:cs typeface="Arial" panose="020B0604020202020204" pitchFamily="34" charset="0"/>
               </a:rPr>
               <a:t>Hibernate</a:t>
             </a:r>
             <a:r>
-              <a:rPr lang="de-DE" sz="2200" dirty="0">
+              <a:rPr lang="de-DE" sz="2400" dirty="0">
                 <a:latin typeface="Arial" panose="020B0604020202020204" pitchFamily="34" charset="0"/>
                 <a:cs typeface="Arial" panose="020B0604020202020204" pitchFamily="34" charset="0"/>
               </a:rPr>
@@ -16012,33 +16088,30 @@
               <a:buChar char="•"/>
             </a:pPr>
             <a:r>
-              <a:rPr lang="de-DE" sz="2200" dirty="0">
+              <a:rPr lang="de-DE" sz="2400" dirty="0">
                 <a:latin typeface="Arial" panose="020B0604020202020204" pitchFamily="34" charset="0"/>
                 <a:cs typeface="Arial" panose="020B0604020202020204" pitchFamily="34" charset="0"/>
               </a:rPr>
               <a:t>Bsp.: </a:t>
             </a:r>
             <a:r>
-              <a:rPr lang="de-DE" sz="2200" dirty="0" err="1">
+              <a:rPr lang="de-DE" sz="2400" dirty="0" err="1" smtClean="0">
                 <a:latin typeface="Arial" panose="020B0604020202020204" pitchFamily="34" charset="0"/>
                 <a:cs typeface="Arial" panose="020B0604020202020204" pitchFamily="34" charset="0"/>
               </a:rPr>
               <a:t>ProjectUser</a:t>
             </a:r>
-            <a:r>
-              <a:rPr lang="de-DE" sz="2200" dirty="0">
-                <a:latin typeface="Arial" panose="020B0604020202020204" pitchFamily="34" charset="0"/>
-                <a:cs typeface="Arial" panose="020B0604020202020204" pitchFamily="34" charset="0"/>
-              </a:rPr>
-              <a:t>, neue Klasse zum auflösen einer Dreiecksbeziehung</a:t>
-            </a:r>
+            <a:endParaRPr lang="de-DE" sz="2400" dirty="0">
+              <a:latin typeface="Arial" panose="020B0604020202020204" pitchFamily="34" charset="0"/>
+              <a:cs typeface="Arial" panose="020B0604020202020204" pitchFamily="34" charset="0"/>
+            </a:endParaRPr>
           </a:p>
           <a:p>
             <a:pPr marL="800100" lvl="1" indent="-342900">
               <a:buFont typeface="Arial" panose="020B0604020202020204" pitchFamily="34" charset="0"/>
               <a:buChar char="•"/>
             </a:pPr>
-            <a:endParaRPr lang="de-DE" sz="2200" dirty="0">
+            <a:endParaRPr lang="de-DE" sz="2400" dirty="0">
               <a:latin typeface="Arial" panose="020B0604020202020204" pitchFamily="34" charset="0"/>
               <a:cs typeface="Arial" panose="020B0604020202020204" pitchFamily="34" charset="0"/>
             </a:endParaRPr>
@@ -16049,20 +16122,20 @@
               <a:buChar char="•"/>
             </a:pPr>
             <a:r>
-              <a:rPr lang="de-DE" sz="2200" dirty="0">
+              <a:rPr lang="de-DE" sz="2400" dirty="0">
                 <a:latin typeface="Arial" panose="020B0604020202020204" pitchFamily="34" charset="0"/>
                 <a:cs typeface="Arial" panose="020B0604020202020204" pitchFamily="34" charset="0"/>
               </a:rPr>
               <a:t>Einführung </a:t>
             </a:r>
             <a:r>
-              <a:rPr lang="de-DE" sz="2200" dirty="0" err="1">
+              <a:rPr lang="de-DE" sz="2400" dirty="0" err="1">
                 <a:latin typeface="Arial" panose="020B0604020202020204" pitchFamily="34" charset="0"/>
                 <a:cs typeface="Arial" panose="020B0604020202020204" pitchFamily="34" charset="0"/>
               </a:rPr>
               <a:t>MetaController</a:t>
             </a:r>
-            <a:endParaRPr lang="de-DE" sz="2200" dirty="0">
+            <a:endParaRPr lang="de-DE" sz="2400" dirty="0">
               <a:latin typeface="Arial" panose="020B0604020202020204" pitchFamily="34" charset="0"/>
               <a:cs typeface="Arial" panose="020B0604020202020204" pitchFamily="34" charset="0"/>
             </a:endParaRPr>
@@ -16073,7 +16146,7 @@
               <a:buChar char="•"/>
             </a:pPr>
             <a:r>
-              <a:rPr lang="de-DE" sz="2200" dirty="0">
+              <a:rPr lang="de-DE" sz="2400" dirty="0">
                 <a:latin typeface="Arial" panose="020B0604020202020204" pitchFamily="34" charset="0"/>
                 <a:cs typeface="Arial" panose="020B0604020202020204" pitchFamily="34" charset="0"/>
               </a:rPr>
@@ -16086,19 +16159,30 @@
               <a:buChar char="•"/>
             </a:pPr>
             <a:r>
-              <a:rPr lang="de-DE" sz="2200" dirty="0">
+              <a:rPr lang="de-DE" sz="2400" dirty="0" smtClean="0">
                 <a:latin typeface="Arial" panose="020B0604020202020204" pitchFamily="34" charset="0"/>
                 <a:cs typeface="Arial" panose="020B0604020202020204" pitchFamily="34" charset="0"/>
               </a:rPr>
-              <a:t>Bringt wichtige Funktionen für alle Controller mit (Rechte, Session)</a:t>
-            </a:r>
+              <a:t>Rechte-, </a:t>
+            </a:r>
+            <a:r>
+              <a:rPr lang="de-DE" sz="2400" dirty="0" err="1" smtClean="0">
+                <a:latin typeface="Arial" panose="020B0604020202020204" pitchFamily="34" charset="0"/>
+                <a:cs typeface="Arial" panose="020B0604020202020204" pitchFamily="34" charset="0"/>
+              </a:rPr>
+              <a:t>Sessionverwaltung</a:t>
+            </a:r>
+            <a:endParaRPr lang="de-DE" sz="2400" dirty="0">
+              <a:latin typeface="Arial" panose="020B0604020202020204" pitchFamily="34" charset="0"/>
+              <a:cs typeface="Arial" panose="020B0604020202020204" pitchFamily="34" charset="0"/>
+            </a:endParaRPr>
           </a:p>
           <a:p>
             <a:pPr marL="800100" lvl="1" indent="-342900">
               <a:buFont typeface="Arial" panose="020B0604020202020204" pitchFamily="34" charset="0"/>
               <a:buChar char="•"/>
             </a:pPr>
-            <a:endParaRPr lang="de-DE" sz="2200" dirty="0">
+            <a:endParaRPr lang="de-DE" sz="2400" dirty="0">
               <a:latin typeface="Arial" panose="020B0604020202020204" pitchFamily="34" charset="0"/>
               <a:cs typeface="Arial" panose="020B0604020202020204" pitchFamily="34" charset="0"/>
             </a:endParaRPr>
@@ -16109,7 +16193,7 @@
               <a:buChar char="•"/>
             </a:pPr>
             <a:r>
-              <a:rPr lang="de-DE" sz="2200" dirty="0">
+              <a:rPr lang="de-DE" sz="2400" dirty="0">
                 <a:latin typeface="Arial" panose="020B0604020202020204" pitchFamily="34" charset="0"/>
                 <a:cs typeface="Arial" panose="020B0604020202020204" pitchFamily="34" charset="0"/>
               </a:rPr>
@@ -16128,6 +16212,13 @@
   <p:clrMapOvr>
     <a:masterClrMapping/>
   </p:clrMapOvr>
+  <p:timing>
+    <p:tnLst>
+      <p:par>
+        <p:cTn id="1" dur="indefinite" restart="never" nodeType="tmRoot"/>
+      </p:par>
+    </p:tnLst>
+  </p:timing>
 </p:sld>
 </file>
 
@@ -16504,6 +16595,13 @@
   <p:clrMapOvr>
     <a:masterClrMapping/>
   </p:clrMapOvr>
+  <p:timing>
+    <p:tnLst>
+      <p:par>
+        <p:cTn id="1" dur="indefinite" restart="never" nodeType="tmRoot"/>
+      </p:par>
+    </p:tnLst>
+  </p:timing>
 </p:sld>
 </file>
 
@@ -16830,6 +16928,13 @@
   <p:clrMapOvr>
     <a:masterClrMapping/>
   </p:clrMapOvr>
+  <p:timing>
+    <p:tnLst>
+      <p:par>
+        <p:cTn id="1" dur="indefinite" restart="never" nodeType="tmRoot"/>
+      </p:par>
+    </p:tnLst>
+  </p:timing>
 </p:sld>
 </file>
 
@@ -17020,6 +17125,13 @@
   <p:clrMapOvr>
     <a:masterClrMapping/>
   </p:clrMapOvr>
+  <p:timing>
+    <p:tnLst>
+      <p:par>
+        <p:cTn id="1" dur="indefinite" restart="never" nodeType="tmRoot"/>
+      </p:par>
+    </p:tnLst>
+  </p:timing>
 </p:sld>
 </file>
 
@@ -17159,13 +17271,16 @@
         </p:nvSpPr>
         <p:spPr/>
         <p:txBody>
-          <a:bodyPr/>
+          <a:bodyPr>
+            <a:normAutofit/>
+          </a:bodyPr>
           <a:lstStyle/>
           <a:p>
             <a:r>
-              <a:rPr lang="de-DE" dirty="0"/>
-              <a:t>1/1</a:t>
-            </a:r>
+              <a:rPr lang="de-DE" dirty="0" smtClean="0"/>
+              <a:t>1 / 1</a:t>
+            </a:r>
+            <a:endParaRPr lang="de-DE" dirty="0"/>
           </a:p>
         </p:txBody>
       </p:sp>
@@ -17177,7 +17292,7 @@
         </p:nvSpPr>
         <p:spPr>
           <a:xfrm rot="19060526">
-            <a:off x="2564409" y="2538636"/>
+            <a:off x="2921593" y="2347270"/>
             <a:ext cx="1140581" cy="584974"/>
           </a:xfrm>
           <a:prstGeom prst="corner">
@@ -17223,8 +17338,8 @@
         </p:nvSpPr>
         <p:spPr>
           <a:xfrm>
-            <a:off x="971550" y="3429000"/>
-            <a:ext cx="3422475" cy="461665"/>
+            <a:off x="899885" y="3240000"/>
+            <a:ext cx="5184000" cy="2916000"/>
           </a:xfrm>
           <a:prstGeom prst="rect">
             <a:avLst/>
@@ -17232,7 +17347,7 @@
           <a:noFill/>
         </p:spPr>
         <p:txBody>
-          <a:bodyPr wrap="none" rtlCol="0">
+          <a:bodyPr wrap="square" rtlCol="0">
             <a:spAutoFit/>
           </a:bodyPr>
           <a:lstStyle/>
@@ -17242,22 +17357,95 @@
               <a:buChar char="•"/>
             </a:pPr>
             <a:r>
-              <a:rPr lang="de-DE" sz="2400" dirty="0"/>
-              <a:t>Insert </a:t>
-            </a:r>
-            <a:r>
-              <a:rPr lang="de-DE" sz="2400" dirty="0" err="1"/>
-              <a:t>Good</a:t>
-            </a:r>
-            <a:r>
-              <a:rPr lang="de-DE" sz="2400" dirty="0"/>
-              <a:t> Points </a:t>
-            </a:r>
-            <a:r>
-              <a:rPr lang="de-DE" sz="2400" dirty="0" err="1"/>
-              <a:t>here</a:t>
-            </a:r>
-            <a:endParaRPr lang="de-DE" sz="2400" dirty="0"/>
+              <a:rPr lang="de-DE" sz="2800" dirty="0" smtClean="0">
+                <a:latin typeface="Arial" panose="020B0604020202020204" pitchFamily="34" charset="0"/>
+                <a:cs typeface="Arial" panose="020B0604020202020204" pitchFamily="34" charset="0"/>
+              </a:rPr>
+              <a:t>Lernen von neuen Technologien</a:t>
+            </a:r>
+          </a:p>
+          <a:p>
+            <a:pPr marL="285750" indent="-285750">
+              <a:buFont typeface="Arial" panose="020B0604020202020204" pitchFamily="34" charset="0"/>
+              <a:buChar char="•"/>
+            </a:pPr>
+            <a:endParaRPr lang="de-DE" sz="2800" dirty="0" smtClean="0">
+              <a:latin typeface="Arial" panose="020B0604020202020204" pitchFamily="34" charset="0"/>
+              <a:cs typeface="Arial" panose="020B0604020202020204" pitchFamily="34" charset="0"/>
+            </a:endParaRPr>
+          </a:p>
+          <a:p>
+            <a:pPr marL="285750" indent="-285750">
+              <a:buFont typeface="Arial" panose="020B0604020202020204" pitchFamily="34" charset="0"/>
+              <a:buChar char="•"/>
+            </a:pPr>
+            <a:r>
+              <a:rPr lang="de-DE" sz="2800" dirty="0" smtClean="0">
+                <a:latin typeface="Arial" panose="020B0604020202020204" pitchFamily="34" charset="0"/>
+                <a:cs typeface="Arial" panose="020B0604020202020204" pitchFamily="34" charset="0"/>
+              </a:rPr>
+              <a:t>Generelle Planung mit Puffer</a:t>
+            </a:r>
+          </a:p>
+          <a:p>
+            <a:pPr marL="285750" indent="-285750">
+              <a:buFont typeface="Arial" panose="020B0604020202020204" pitchFamily="34" charset="0"/>
+              <a:buChar char="•"/>
+            </a:pPr>
+            <a:endParaRPr lang="de-DE" sz="2800" dirty="0">
+              <a:latin typeface="Arial" panose="020B0604020202020204" pitchFamily="34" charset="0"/>
+              <a:cs typeface="Arial" panose="020B0604020202020204" pitchFamily="34" charset="0"/>
+            </a:endParaRPr>
+          </a:p>
+          <a:p>
+            <a:pPr marL="285750" indent="-285750">
+              <a:buFont typeface="Arial" panose="020B0604020202020204" pitchFamily="34" charset="0"/>
+              <a:buChar char="•"/>
+            </a:pPr>
+            <a:r>
+              <a:rPr lang="de-DE" sz="2800" dirty="0" err="1" smtClean="0">
+                <a:latin typeface="Arial" panose="020B0604020202020204" pitchFamily="34" charset="0"/>
+                <a:cs typeface="Arial" panose="020B0604020202020204" pitchFamily="34" charset="0"/>
+              </a:rPr>
+              <a:t>Weekly</a:t>
+            </a:r>
+            <a:r>
+              <a:rPr lang="de-DE" sz="2800" dirty="0" smtClean="0">
+                <a:latin typeface="Arial" panose="020B0604020202020204" pitchFamily="34" charset="0"/>
+                <a:cs typeface="Arial" panose="020B0604020202020204" pitchFamily="34" charset="0"/>
+              </a:rPr>
+              <a:t> Meetings</a:t>
+            </a:r>
+          </a:p>
+          <a:p>
+            <a:pPr marL="285750" indent="-285750">
+              <a:buFont typeface="Arial" panose="020B0604020202020204" pitchFamily="34" charset="0"/>
+              <a:buChar char="•"/>
+            </a:pPr>
+            <a:endParaRPr lang="de-DE" sz="2800" dirty="0" smtClean="0">
+              <a:latin typeface="Arial" panose="020B0604020202020204" pitchFamily="34" charset="0"/>
+              <a:cs typeface="Arial" panose="020B0604020202020204" pitchFamily="34" charset="0"/>
+            </a:endParaRPr>
+          </a:p>
+          <a:p>
+            <a:pPr marL="285750" indent="-285750">
+              <a:buFont typeface="Arial" panose="020B0604020202020204" pitchFamily="34" charset="0"/>
+              <a:buChar char="•"/>
+            </a:pPr>
+            <a:endParaRPr lang="de-DE" sz="2800" dirty="0" smtClean="0">
+              <a:latin typeface="Arial" panose="020B0604020202020204" pitchFamily="34" charset="0"/>
+              <a:cs typeface="Arial" panose="020B0604020202020204" pitchFamily="34" charset="0"/>
+            </a:endParaRPr>
+          </a:p>
+          <a:p>
+            <a:pPr marL="285750" indent="-285750">
+              <a:buFont typeface="Arial" panose="020B0604020202020204" pitchFamily="34" charset="0"/>
+              <a:buChar char="•"/>
+            </a:pPr>
+            <a:endParaRPr lang="de-DE" sz="2800" dirty="0">
+              <a:latin typeface="Arial" panose="020B0604020202020204" pitchFamily="34" charset="0"/>
+              <a:cs typeface="Arial" panose="020B0604020202020204" pitchFamily="34" charset="0"/>
+            </a:endParaRPr>
           </a:p>
         </p:txBody>
       </p:sp>
@@ -17269,7 +17457,7 @@
         </p:nvSpPr>
         <p:spPr>
           <a:xfrm rot="2705402">
-            <a:off x="8210550" y="2209800"/>
+            <a:off x="7969050" y="1892044"/>
             <a:ext cx="1485900" cy="1495425"/>
           </a:xfrm>
           <a:prstGeom prst="mathPlus">
@@ -17317,8 +17505,8 @@
         </p:nvSpPr>
         <p:spPr>
           <a:xfrm>
-            <a:off x="6600825" y="3429000"/>
-            <a:ext cx="3218895" cy="1107996"/>
+            <a:off x="6120000" y="3240000"/>
+            <a:ext cx="5184000" cy="4431983"/>
           </a:xfrm>
           <a:prstGeom prst="rect">
             <a:avLst/>
@@ -17326,7 +17514,7 @@
           <a:noFill/>
         </p:spPr>
         <p:txBody>
-          <a:bodyPr wrap="none" rtlCol="0">
+          <a:bodyPr wrap="square" rtlCol="0">
             <a:spAutoFit/>
           </a:bodyPr>
           <a:lstStyle/>
@@ -17336,13 +17524,82 @@
               <a:buChar char="•"/>
             </a:pPr>
             <a:r>
-              <a:rPr lang="de-DE" sz="2400" dirty="0"/>
-              <a:t>Insert Bad Points </a:t>
-            </a:r>
-            <a:r>
-              <a:rPr lang="de-DE" sz="2400" dirty="0" err="1"/>
-              <a:t>here</a:t>
-            </a:r>
+              <a:rPr lang="de-DE" sz="2800" dirty="0" smtClean="0">
+                <a:latin typeface="Arial" panose="020B0604020202020204" pitchFamily="34" charset="0"/>
+                <a:cs typeface="Arial" panose="020B0604020202020204" pitchFamily="34" charset="0"/>
+              </a:rPr>
+              <a:t>Commit Kultur nicht eingehalten</a:t>
+            </a:r>
+          </a:p>
+          <a:p>
+            <a:pPr marL="285750" indent="-285750">
+              <a:buFont typeface="Arial" panose="020B0604020202020204" pitchFamily="34" charset="0"/>
+              <a:buChar char="•"/>
+            </a:pPr>
+            <a:endParaRPr lang="de-DE" sz="2800" dirty="0">
+              <a:latin typeface="Arial" panose="020B0604020202020204" pitchFamily="34" charset="0"/>
+              <a:cs typeface="Arial" panose="020B0604020202020204" pitchFamily="34" charset="0"/>
+            </a:endParaRPr>
+          </a:p>
+          <a:p>
+            <a:pPr marL="285750" indent="-285750">
+              <a:buFont typeface="Arial" panose="020B0604020202020204" pitchFamily="34" charset="0"/>
+              <a:buChar char="•"/>
+            </a:pPr>
+            <a:r>
+              <a:rPr lang="de-DE" sz="2800" dirty="0" smtClean="0">
+                <a:latin typeface="Arial" panose="020B0604020202020204" pitchFamily="34" charset="0"/>
+                <a:cs typeface="Arial" panose="020B0604020202020204" pitchFamily="34" charset="0"/>
+              </a:rPr>
+              <a:t>Kommunikation</a:t>
+            </a:r>
+          </a:p>
+          <a:p>
+            <a:pPr marL="285750" indent="-285750">
+              <a:buFont typeface="Arial" panose="020B0604020202020204" pitchFamily="34" charset="0"/>
+              <a:buChar char="•"/>
+            </a:pPr>
+            <a:endParaRPr lang="de-DE" sz="2800" dirty="0">
+              <a:latin typeface="Arial" panose="020B0604020202020204" pitchFamily="34" charset="0"/>
+              <a:cs typeface="Arial" panose="020B0604020202020204" pitchFamily="34" charset="0"/>
+            </a:endParaRPr>
+          </a:p>
+          <a:p>
+            <a:pPr marL="285750" indent="-285750">
+              <a:buFont typeface="Arial" panose="020B0604020202020204" pitchFamily="34" charset="0"/>
+              <a:buChar char="•"/>
+            </a:pPr>
+            <a:r>
+              <a:rPr lang="de-DE" sz="2800" dirty="0" err="1" smtClean="0">
+                <a:latin typeface="Arial" panose="020B0604020202020204" pitchFamily="34" charset="0"/>
+                <a:cs typeface="Arial" panose="020B0604020202020204" pitchFamily="34" charset="0"/>
+              </a:rPr>
+              <a:t>Hibernate</a:t>
+            </a:r>
+            <a:endParaRPr lang="de-DE" sz="2800" dirty="0" smtClean="0">
+              <a:latin typeface="Arial" panose="020B0604020202020204" pitchFamily="34" charset="0"/>
+              <a:cs typeface="Arial" panose="020B0604020202020204" pitchFamily="34" charset="0"/>
+            </a:endParaRPr>
+          </a:p>
+          <a:p>
+            <a:pPr marL="285750" indent="-285750">
+              <a:buFont typeface="Arial" panose="020B0604020202020204" pitchFamily="34" charset="0"/>
+              <a:buChar char="•"/>
+            </a:pPr>
+            <a:endParaRPr lang="de-DE" sz="2400" dirty="0" smtClean="0"/>
+          </a:p>
+          <a:p>
+            <a:pPr marL="285750" indent="-285750">
+              <a:buFont typeface="Arial" panose="020B0604020202020204" pitchFamily="34" charset="0"/>
+              <a:buChar char="•"/>
+            </a:pPr>
+            <a:endParaRPr lang="de-DE" sz="2400" dirty="0"/>
+          </a:p>
+          <a:p>
+            <a:pPr marL="285750" indent="-285750">
+              <a:buFont typeface="Arial" panose="020B0604020202020204" pitchFamily="34" charset="0"/>
+              <a:buChar char="•"/>
+            </a:pPr>
             <a:endParaRPr lang="de-DE" sz="2400" dirty="0"/>
           </a:p>
           <a:p>
@@ -17371,6 +17628,13 @@
   <p:clrMapOvr>
     <a:masterClrMapping/>
   </p:clrMapOvr>
+  <p:timing>
+    <p:tnLst>
+      <p:par>
+        <p:cTn id="1" dur="indefinite" restart="never" nodeType="tmRoot"/>
+      </p:par>
+    </p:tnLst>
+  </p:timing>
 </p:sld>
 </file>
 
@@ -17518,6 +17782,13 @@
   <p:clrMapOvr>
     <a:masterClrMapping/>
   </p:clrMapOvr>
+  <p:timing>
+    <p:tnLst>
+      <p:par>
+        <p:cTn id="1" dur="indefinite" restart="never" nodeType="tmRoot"/>
+      </p:par>
+    </p:tnLst>
+  </p:timing>
 </p:sld>
 </file>
 
@@ -17665,8 +17936,13 @@
           <a:p>
             <a:r>
               <a:rPr lang="de-DE" dirty="0"/>
-              <a:t>1 / 2</a:t>
-            </a:r>
+              <a:t>1 / </a:t>
+            </a:r>
+            <a:r>
+              <a:rPr lang="de-DE" dirty="0"/>
+              <a:t>2</a:t>
+            </a:r>
+            <a:endParaRPr lang="de-DE" dirty="0"/>
           </a:p>
         </p:txBody>
       </p:sp>
@@ -18145,6 +18421,13 @@
   <p:clrMapOvr>
     <a:masterClrMapping/>
   </p:clrMapOvr>
+  <p:timing>
+    <p:tnLst>
+      <p:par>
+        <p:cTn id="1" dur="indefinite" restart="never" nodeType="tmRoot"/>
+      </p:par>
+    </p:tnLst>
+  </p:timing>
 </p:sld>
 </file>
 
@@ -18269,9 +18552,10 @@
           <a:lstStyle/>
           <a:p>
             <a:r>
-              <a:rPr lang="de-DE" dirty="0"/>
-              <a:t>Antrag</a:t>
-            </a:r>
+              <a:rPr lang="de-DE" dirty="0" smtClean="0"/>
+              <a:t>Auftrag</a:t>
+            </a:r>
+            <a:endParaRPr lang="de-DE" dirty="0"/>
           </a:p>
         </p:txBody>
       </p:sp>
@@ -18292,7 +18576,15 @@
           <a:p>
             <a:r>
               <a:rPr lang="de-DE" dirty="0"/>
-              <a:t>2 / 2</a:t>
+              <a:t>2</a:t>
+            </a:r>
+            <a:r>
+              <a:rPr lang="de-DE" dirty="0" smtClean="0"/>
+              <a:t> </a:t>
+            </a:r>
+            <a:r>
+              <a:rPr lang="de-DE" dirty="0"/>
+              <a:t>/ 2</a:t>
             </a:r>
           </a:p>
         </p:txBody>
@@ -20002,8 +20294,13 @@
           <a:p>
             <a:r>
               <a:rPr lang="de-DE" dirty="0"/>
-              <a:t>1 / 3</a:t>
-            </a:r>
+              <a:t>1 / </a:t>
+            </a:r>
+            <a:r>
+              <a:rPr lang="de-DE" dirty="0" smtClean="0"/>
+              <a:t>1</a:t>
+            </a:r>
+            <a:endParaRPr lang="de-DE" dirty="0"/>
           </a:p>
         </p:txBody>
       </p:sp>
@@ -20928,9 +21225,10 @@
           <a:lstStyle/>
           <a:p>
             <a:r>
-              <a:rPr lang="de-DE" dirty="0"/>
-              <a:t>2 / 3</a:t>
-            </a:r>
+              <a:rPr lang="de-DE" dirty="0" smtClean="0"/>
+              <a:t>1 / 1</a:t>
+            </a:r>
+            <a:endParaRPr lang="de-DE" dirty="0"/>
           </a:p>
         </p:txBody>
       </p:sp>
@@ -24470,9 +24768,10 @@
           <a:lstStyle/>
           <a:p>
             <a:r>
-              <a:rPr lang="de-DE" dirty="0"/>
-              <a:t>3 / 3</a:t>
-            </a:r>
+              <a:rPr lang="de-DE" dirty="0" smtClean="0"/>
+              <a:t>1 / 1</a:t>
+            </a:r>
+            <a:endParaRPr lang="de-DE" dirty="0"/>
           </a:p>
         </p:txBody>
       </p:sp>

--- a/Projektpräsentation/Projektpräsentation.pptx
+++ b/Projektpräsentation/Projektpräsentation.pptx
@@ -5,7 +5,7 @@
     <p:sldMasterId id="2147483648" r:id="rId1"/>
   </p:sldMasterIdLst>
   <p:notesMasterIdLst>
-    <p:notesMasterId r:id="rId23"/>
+    <p:notesMasterId r:id="rId22"/>
   </p:notesMasterIdLst>
   <p:sldIdLst>
     <p:sldId id="256" r:id="rId2"/>
@@ -17,18 +17,17 @@
     <p:sldId id="269" r:id="rId8"/>
     <p:sldId id="272" r:id="rId9"/>
     <p:sldId id="273" r:id="rId10"/>
-    <p:sldId id="274" r:id="rId11"/>
-    <p:sldId id="275" r:id="rId12"/>
-    <p:sldId id="276" r:id="rId13"/>
-    <p:sldId id="284" r:id="rId14"/>
-    <p:sldId id="277" r:id="rId15"/>
-    <p:sldId id="278" r:id="rId16"/>
-    <p:sldId id="280" r:id="rId17"/>
-    <p:sldId id="281" r:id="rId18"/>
-    <p:sldId id="282" r:id="rId19"/>
-    <p:sldId id="283" r:id="rId20"/>
-    <p:sldId id="266" r:id="rId21"/>
-    <p:sldId id="279" r:id="rId22"/>
+    <p:sldId id="275" r:id="rId11"/>
+    <p:sldId id="276" r:id="rId12"/>
+    <p:sldId id="284" r:id="rId13"/>
+    <p:sldId id="277" r:id="rId14"/>
+    <p:sldId id="278" r:id="rId15"/>
+    <p:sldId id="280" r:id="rId16"/>
+    <p:sldId id="281" r:id="rId17"/>
+    <p:sldId id="282" r:id="rId18"/>
+    <p:sldId id="283" r:id="rId19"/>
+    <p:sldId id="266" r:id="rId20"/>
+    <p:sldId id="279" r:id="rId21"/>
   </p:sldIdLst>
   <p:sldSz cx="12192000" cy="6858000"/>
   <p:notesSz cx="6858000" cy="9144000"/>
@@ -147,7 +146,7 @@
 </file>
 
 <file path=ppt/charts/chart1.xml><?xml version="1.0" encoding="utf-8"?>
-<c:chartSpace xmlns:c="http://schemas.openxmlformats.org/drawingml/2006/chart" xmlns:a="http://schemas.openxmlformats.org/drawingml/2006/main" xmlns:r="http://schemas.openxmlformats.org/officeDocument/2006/relationships">
+<c:chartSpace xmlns:c="http://schemas.openxmlformats.org/drawingml/2006/chart" xmlns:a="http://schemas.openxmlformats.org/drawingml/2006/main" xmlns:r="http://schemas.openxmlformats.org/officeDocument/2006/relationships" xmlns:c16r2="http://schemas.microsoft.com/office/drawing/2015/06/chart">
   <c:date1904 val="0"/>
   <c:lang val="de-DE"/>
   <c:roundedCorners val="0"/>
@@ -246,7 +245,7 @@
             </c:numRef>
           </c:val>
           <c:smooth val="0"/>
-          <c:extLst xmlns:c16r2="http://schemas.microsoft.com/office/drawing/2015/06/chart">
+          <c:extLst>
             <c:ext xmlns:c16="http://schemas.microsoft.com/office/drawing/2014/chart" uri="{C3380CC4-5D6E-409C-BE32-E72D297353CC}">
               <c16:uniqueId val="{00000000-A4D4-40B1-AA2F-79A4B8CD0B2E}"/>
             </c:ext>
@@ -332,7 +331,7 @@
             </c:numRef>
           </c:val>
           <c:smooth val="0"/>
-          <c:extLst xmlns:c16r2="http://schemas.microsoft.com/office/drawing/2015/06/chart">
+          <c:extLst>
             <c:ext xmlns:c16="http://schemas.microsoft.com/office/drawing/2014/chart" uri="{C3380CC4-5D6E-409C-BE32-E72D297353CC}">
               <c16:uniqueId val="{00000001-A4D4-40B1-AA2F-79A4B8CD0B2E}"/>
             </c:ext>
@@ -418,7 +417,7 @@
             </c:numRef>
           </c:val>
           <c:smooth val="0"/>
-          <c:extLst xmlns:c16r2="http://schemas.microsoft.com/office/drawing/2015/06/chart">
+          <c:extLst>
             <c:ext xmlns:c16="http://schemas.microsoft.com/office/drawing/2014/chart" uri="{C3380CC4-5D6E-409C-BE32-E72D297353CC}">
               <c16:uniqueId val="{00000002-A4D4-40B1-AA2F-79A4B8CD0B2E}"/>
             </c:ext>
@@ -2771,13 +2770,6 @@
         </dgm:presLayoutVars>
       </dgm:prSet>
       <dgm:spPr/>
-      <dgm:t>
-        <a:bodyPr/>
-        <a:lstStyle/>
-        <a:p>
-          <a:endParaRPr lang="de-DE"/>
-        </a:p>
-      </dgm:t>
     </dgm:pt>
     <dgm:pt modelId="{DD9C0A7A-D230-44A7-8F4C-202A2878D3FE}" type="pres">
       <dgm:prSet presAssocID="{1A76B02D-AB58-4B51-BF83-C816523B2354}" presName="sibTrans" presStyleCnt="0"/>
@@ -2790,13 +2782,6 @@
         </dgm:presLayoutVars>
       </dgm:prSet>
       <dgm:spPr/>
-      <dgm:t>
-        <a:bodyPr/>
-        <a:lstStyle/>
-        <a:p>
-          <a:endParaRPr lang="de-DE"/>
-        </a:p>
-      </dgm:t>
     </dgm:pt>
     <dgm:pt modelId="{A335BD9C-4B9E-49AF-B9DB-7F781DD21A27}" type="pres">
       <dgm:prSet presAssocID="{FDAA39BB-A791-41B3-8316-58ADC020A03C}" presName="sibTrans" presStyleCnt="0"/>
@@ -2809,13 +2794,6 @@
         </dgm:presLayoutVars>
       </dgm:prSet>
       <dgm:spPr/>
-      <dgm:t>
-        <a:bodyPr/>
-        <a:lstStyle/>
-        <a:p>
-          <a:endParaRPr lang="de-DE"/>
-        </a:p>
-      </dgm:t>
     </dgm:pt>
   </dgm:ptLst>
   <dgm:cxnLst>
@@ -2874,10 +2852,6 @@
           <a:r>
             <a:rPr lang="de-DE" dirty="0" err="1"/>
             <a:t>Effort</a:t>
-          </a:r>
-          <a:r>
-            <a:rPr lang="de-DE" dirty="0"/>
-            <a:t/>
           </a:r>
           <a:br>
             <a:rPr lang="de-DE" dirty="0"/>
@@ -3025,13 +2999,6 @@
         </dgm:presLayoutVars>
       </dgm:prSet>
       <dgm:spPr/>
-      <dgm:t>
-        <a:bodyPr/>
-        <a:lstStyle/>
-        <a:p>
-          <a:endParaRPr lang="de-DE"/>
-        </a:p>
-      </dgm:t>
     </dgm:pt>
     <dgm:pt modelId="{DD9C0A7A-D230-44A7-8F4C-202A2878D3FE}" type="pres">
       <dgm:prSet presAssocID="{1A76B02D-AB58-4B51-BF83-C816523B2354}" presName="sibTrans" presStyleCnt="0"/>
@@ -3044,13 +3011,6 @@
         </dgm:presLayoutVars>
       </dgm:prSet>
       <dgm:spPr/>
-      <dgm:t>
-        <a:bodyPr/>
-        <a:lstStyle/>
-        <a:p>
-          <a:endParaRPr lang="de-DE"/>
-        </a:p>
-      </dgm:t>
     </dgm:pt>
     <dgm:pt modelId="{A335BD9C-4B9E-49AF-B9DB-7F781DD21A27}" type="pres">
       <dgm:prSet presAssocID="{FDAA39BB-A791-41B3-8316-58ADC020A03C}" presName="sibTrans" presStyleCnt="0"/>
@@ -3063,13 +3023,6 @@
         </dgm:presLayoutVars>
       </dgm:prSet>
       <dgm:spPr/>
-      <dgm:t>
-        <a:bodyPr/>
-        <a:lstStyle/>
-        <a:p>
-          <a:endParaRPr lang="de-DE"/>
-        </a:p>
-      </dgm:t>
     </dgm:pt>
   </dgm:ptLst>
   <dgm:cxnLst>
@@ -3191,7 +3144,7 @@
         </a:bodyPr>
         <a:lstStyle/>
         <a:p>
-          <a:pPr lvl="0" algn="ctr" defTabSz="711200">
+          <a:pPr marL="0" lvl="0" indent="0" algn="ctr" defTabSz="711200">
             <a:lnSpc>
               <a:spcPct val="90000"/>
             </a:lnSpc>
@@ -3201,6 +3154,7 @@
             <a:spcAft>
               <a:spcPct val="35000"/>
             </a:spcAft>
+            <a:buNone/>
           </a:pPr>
           <a:r>
             <a:rPr lang="de-DE" sz="1600" kern="1200" dirty="0"/>
@@ -3265,7 +3219,7 @@
         </a:bodyPr>
         <a:lstStyle/>
         <a:p>
-          <a:pPr lvl="0" algn="ctr" defTabSz="711200">
+          <a:pPr marL="0" lvl="0" indent="0" algn="ctr" defTabSz="711200">
             <a:lnSpc>
               <a:spcPct val="90000"/>
             </a:lnSpc>
@@ -3275,6 +3229,7 @@
             <a:spcAft>
               <a:spcPct val="35000"/>
             </a:spcAft>
+            <a:buNone/>
           </a:pPr>
           <a:r>
             <a:rPr lang="de-DE" sz="1600" kern="1200" dirty="0"/>
@@ -3343,7 +3298,7 @@
         </a:bodyPr>
         <a:lstStyle/>
         <a:p>
-          <a:pPr lvl="0" algn="ctr" defTabSz="711200">
+          <a:pPr marL="0" lvl="0" indent="0" algn="ctr" defTabSz="711200">
             <a:lnSpc>
               <a:spcPct val="90000"/>
             </a:lnSpc>
@@ -3353,6 +3308,7 @@
             <a:spcAft>
               <a:spcPct val="35000"/>
             </a:spcAft>
+            <a:buNone/>
           </a:pPr>
           <a:r>
             <a:rPr lang="de-DE" sz="1600" kern="1200" dirty="0"/>
@@ -3469,7 +3425,7 @@
         </a:bodyPr>
         <a:lstStyle/>
         <a:p>
-          <a:pPr lvl="0" algn="ctr" defTabSz="666750">
+          <a:pPr marL="0" lvl="0" indent="0" algn="ctr" defTabSz="666750">
             <a:lnSpc>
               <a:spcPct val="90000"/>
             </a:lnSpc>
@@ -3479,6 +3435,7 @@
             <a:spcAft>
               <a:spcPct val="35000"/>
             </a:spcAft>
+            <a:buNone/>
           </a:pPr>
           <a:r>
             <a:rPr lang="de-DE" sz="1500" kern="1200" dirty="0"/>
@@ -3487,10 +3444,6 @@
           <a:r>
             <a:rPr lang="de-DE" sz="1500" kern="1200" dirty="0" err="1"/>
             <a:t>Effort</a:t>
-          </a:r>
-          <a:r>
-            <a:rPr lang="de-DE" sz="1500" kern="1200" dirty="0"/>
-            <a:t/>
           </a:r>
           <a:br>
             <a:rPr lang="de-DE" sz="1500" kern="1200" dirty="0"/>
@@ -3551,7 +3504,7 @@
         </a:bodyPr>
         <a:lstStyle/>
         <a:p>
-          <a:pPr lvl="0" algn="ctr" defTabSz="666750">
+          <a:pPr marL="0" lvl="0" indent="0" algn="ctr" defTabSz="666750">
             <a:lnSpc>
               <a:spcPct val="90000"/>
             </a:lnSpc>
@@ -3561,6 +3514,7 @@
             <a:spcAft>
               <a:spcPct val="35000"/>
             </a:spcAft>
+            <a:buNone/>
           </a:pPr>
           <a:r>
             <a:rPr lang="de-DE" sz="1500" kern="1200" dirty="0"/>
@@ -3618,7 +3572,7 @@
         </a:bodyPr>
         <a:lstStyle/>
         <a:p>
-          <a:pPr lvl="0" algn="ctr" defTabSz="666750">
+          <a:pPr marL="0" lvl="0" indent="0" algn="ctr" defTabSz="666750">
             <a:lnSpc>
               <a:spcPct val="90000"/>
             </a:lnSpc>
@@ -3628,6 +3582,7 @@
             <a:spcAft>
               <a:spcPct val="35000"/>
             </a:spcAft>
+            <a:buNone/>
           </a:pPr>
           <a:r>
             <a:rPr lang="de-DE" sz="1500" kern="1200" dirty="0"/>
@@ -10458,13 +10413,6 @@
   <p:clrMapOvr>
     <a:masterClrMapping/>
   </p:clrMapOvr>
-  <p:timing>
-    <p:tnLst>
-      <p:par>
-        <p:cTn id="1" dur="indefinite" restart="never" nodeType="tmRoot"/>
-      </p:par>
-    </p:tnLst>
-  </p:timing>
 </p:sld>
 </file>
 
@@ -10616,430 +10564,7 @@
           <a:p>
             <a:r>
               <a:rPr lang="de-DE" dirty="0"/>
-              <a:t>1 / 3</a:t>
-            </a:r>
-          </a:p>
-        </p:txBody>
-      </p:sp>
-      <p:sp>
-        <p:nvSpPr>
-          <p:cNvPr id="69" name="Rechteck 68"/>
-          <p:cNvSpPr/>
-          <p:nvPr/>
-        </p:nvSpPr>
-        <p:spPr>
-          <a:xfrm>
-            <a:off x="4711726" y="3168847"/>
-            <a:ext cx="2768549" cy="524163"/>
-          </a:xfrm>
-          <a:prstGeom prst="rect">
-            <a:avLst/>
-          </a:prstGeom>
-          <a:solidFill>
-            <a:srgbClr val="7030A0"/>
-          </a:solidFill>
-          <a:ln>
-            <a:solidFill>
-              <a:schemeClr val="tx1"/>
-            </a:solidFill>
-          </a:ln>
-        </p:spPr>
-        <p:txBody>
-          <a:bodyPr vert="horz" lIns="91440" tIns="72000" rIns="91440" bIns="45720" rtlCol="0" anchor="ctr">
-            <a:normAutofit/>
-          </a:bodyPr>
-          <a:lstStyle/>
-          <a:p>
-            <a:pPr algn="ctr">
-              <a:lnSpc>
-                <a:spcPct val="90000"/>
-              </a:lnSpc>
-              <a:spcBef>
-                <a:spcPct val="0"/>
-              </a:spcBef>
-            </a:pPr>
-            <a:r>
-              <a:rPr lang="de-DE" sz="2400" dirty="0">
-                <a:solidFill>
-                  <a:schemeClr val="bg1"/>
-                </a:solidFill>
-                <a:latin typeface="Arial" panose="020B0604020202020204" pitchFamily="34" charset="0"/>
-                <a:ea typeface="+mj-ea"/>
-                <a:cs typeface="Arial" panose="020B0604020202020204" pitchFamily="34" charset="0"/>
-              </a:rPr>
-              <a:t>User</a:t>
-            </a:r>
-            <a:endParaRPr lang="de-DE" sz="3200" dirty="0">
-              <a:solidFill>
-                <a:schemeClr val="bg1"/>
-              </a:solidFill>
-              <a:latin typeface="Arial" panose="020B0604020202020204" pitchFamily="34" charset="0"/>
-              <a:ea typeface="+mj-ea"/>
-              <a:cs typeface="Arial" panose="020B0604020202020204" pitchFamily="34" charset="0"/>
-            </a:endParaRPr>
-          </a:p>
-        </p:txBody>
-      </p:sp>
-      <p:sp>
-        <p:nvSpPr>
-          <p:cNvPr id="70" name="Rechteck 69"/>
-          <p:cNvSpPr/>
-          <p:nvPr/>
-        </p:nvSpPr>
-        <p:spPr>
-          <a:xfrm>
-            <a:off x="4705773" y="4274166"/>
-            <a:ext cx="2768549" cy="524163"/>
-          </a:xfrm>
-          <a:prstGeom prst="rect">
-            <a:avLst/>
-          </a:prstGeom>
-          <a:solidFill>
-            <a:srgbClr val="7030A0"/>
-          </a:solidFill>
-          <a:ln>
-            <a:solidFill>
-              <a:schemeClr val="tx1"/>
-            </a:solidFill>
-          </a:ln>
-        </p:spPr>
-        <p:txBody>
-          <a:bodyPr vert="horz" lIns="91440" tIns="72000" rIns="91440" bIns="45720" rtlCol="0" anchor="ctr">
-            <a:normAutofit/>
-          </a:bodyPr>
-          <a:lstStyle/>
-          <a:p>
-            <a:pPr algn="ctr">
-              <a:lnSpc>
-                <a:spcPct val="90000"/>
-              </a:lnSpc>
-              <a:spcBef>
-                <a:spcPct val="0"/>
-              </a:spcBef>
-            </a:pPr>
-            <a:r>
-              <a:rPr lang="de-DE" sz="2400" dirty="0" err="1">
-                <a:solidFill>
-                  <a:schemeClr val="bg1"/>
-                </a:solidFill>
-                <a:latin typeface="Arial" panose="020B0604020202020204" pitchFamily="34" charset="0"/>
-                <a:ea typeface="+mj-ea"/>
-                <a:cs typeface="Arial" panose="020B0604020202020204" pitchFamily="34" charset="0"/>
-              </a:rPr>
-              <a:t>Notification</a:t>
-            </a:r>
-            <a:endParaRPr lang="de-DE" sz="3200" dirty="0">
-              <a:solidFill>
-                <a:schemeClr val="bg1"/>
-              </a:solidFill>
-              <a:latin typeface="Arial" panose="020B0604020202020204" pitchFamily="34" charset="0"/>
-              <a:ea typeface="+mj-ea"/>
-              <a:cs typeface="Arial" panose="020B0604020202020204" pitchFamily="34" charset="0"/>
-            </a:endParaRPr>
-          </a:p>
-        </p:txBody>
-      </p:sp>
-      <p:sp>
-        <p:nvSpPr>
-          <p:cNvPr id="71" name="Rechteck 70"/>
-          <p:cNvSpPr/>
-          <p:nvPr/>
-        </p:nvSpPr>
-        <p:spPr>
-          <a:xfrm>
-            <a:off x="4711726" y="2063528"/>
-            <a:ext cx="2768549" cy="524163"/>
-          </a:xfrm>
-          <a:prstGeom prst="rect">
-            <a:avLst/>
-          </a:prstGeom>
-          <a:solidFill>
-            <a:srgbClr val="7030A0"/>
-          </a:solidFill>
-          <a:ln>
-            <a:solidFill>
-              <a:schemeClr val="tx1"/>
-            </a:solidFill>
-          </a:ln>
-        </p:spPr>
-        <p:txBody>
-          <a:bodyPr vert="horz" lIns="91440" tIns="72000" rIns="91440" bIns="45720" rtlCol="0" anchor="ctr">
-            <a:normAutofit/>
-          </a:bodyPr>
-          <a:lstStyle/>
-          <a:p>
-            <a:pPr algn="ctr">
-              <a:lnSpc>
-                <a:spcPct val="90000"/>
-              </a:lnSpc>
-              <a:spcBef>
-                <a:spcPct val="0"/>
-              </a:spcBef>
-            </a:pPr>
-            <a:r>
-              <a:rPr lang="de-DE" sz="2400" dirty="0">
-                <a:solidFill>
-                  <a:schemeClr val="bg1"/>
-                </a:solidFill>
-                <a:latin typeface="Arial" panose="020B0604020202020204" pitchFamily="34" charset="0"/>
-                <a:ea typeface="+mj-ea"/>
-                <a:cs typeface="Arial" panose="020B0604020202020204" pitchFamily="34" charset="0"/>
-              </a:rPr>
-              <a:t>Message</a:t>
-            </a:r>
-            <a:endParaRPr lang="de-DE" sz="3200" dirty="0">
-              <a:solidFill>
-                <a:schemeClr val="bg1"/>
-              </a:solidFill>
-              <a:latin typeface="Arial" panose="020B0604020202020204" pitchFamily="34" charset="0"/>
-              <a:ea typeface="+mj-ea"/>
-              <a:cs typeface="Arial" panose="020B0604020202020204" pitchFamily="34" charset="0"/>
-            </a:endParaRPr>
-          </a:p>
-        </p:txBody>
-      </p:sp>
-      <p:cxnSp>
-        <p:nvCxnSpPr>
-          <p:cNvPr id="73" name="Gerade Verbindung mit Pfeil 72"/>
-          <p:cNvCxnSpPr>
-            <a:stCxn id="70" idx="0"/>
-            <a:endCxn id="69" idx="2"/>
-          </p:cNvCxnSpPr>
-          <p:nvPr/>
-        </p:nvCxnSpPr>
-        <p:spPr>
-          <a:xfrm flipV="1">
-            <a:off x="6090048" y="3693010"/>
-            <a:ext cx="5953" cy="581156"/>
-          </a:xfrm>
-          <a:prstGeom prst="straightConnector1">
-            <a:avLst/>
-          </a:prstGeom>
-          <a:ln w="38100">
-            <a:solidFill>
-              <a:schemeClr val="tx1"/>
-            </a:solidFill>
-            <a:headEnd type="none" w="med" len="med"/>
-            <a:tailEnd type="arrow" w="med" len="med"/>
-          </a:ln>
-        </p:spPr>
-        <p:style>
-          <a:lnRef idx="1">
-            <a:schemeClr val="accent1"/>
-          </a:lnRef>
-          <a:fillRef idx="0">
-            <a:schemeClr val="accent1"/>
-          </a:fillRef>
-          <a:effectRef idx="0">
-            <a:schemeClr val="accent1"/>
-          </a:effectRef>
-          <a:fontRef idx="minor">
-            <a:schemeClr val="tx1"/>
-          </a:fontRef>
-        </p:style>
-      </p:cxnSp>
-      <p:cxnSp>
-        <p:nvCxnSpPr>
-          <p:cNvPr id="76" name="Gerade Verbindung mit Pfeil 75"/>
-          <p:cNvCxnSpPr>
-            <a:stCxn id="71" idx="2"/>
-            <a:endCxn id="69" idx="0"/>
-          </p:cNvCxnSpPr>
-          <p:nvPr/>
-        </p:nvCxnSpPr>
-        <p:spPr>
-          <a:xfrm>
-            <a:off x="6096001" y="2587691"/>
-            <a:ext cx="0" cy="581156"/>
-          </a:xfrm>
-          <a:prstGeom prst="straightConnector1">
-            <a:avLst/>
-          </a:prstGeom>
-          <a:ln w="38100">
-            <a:solidFill>
-              <a:schemeClr val="tx1"/>
-            </a:solidFill>
-            <a:headEnd type="none" w="med" len="med"/>
-            <a:tailEnd type="arrow" w="med" len="med"/>
-          </a:ln>
-        </p:spPr>
-        <p:style>
-          <a:lnRef idx="1">
-            <a:schemeClr val="accent1"/>
-          </a:lnRef>
-          <a:fillRef idx="0">
-            <a:schemeClr val="accent1"/>
-          </a:fillRef>
-          <a:effectRef idx="0">
-            <a:schemeClr val="accent1"/>
-          </a:effectRef>
-          <a:fontRef idx="minor">
-            <a:schemeClr val="tx1"/>
-          </a:fontRef>
-        </p:style>
-      </p:cxnSp>
-    </p:spTree>
-    <p:extLst>
-      <p:ext uri="{BB962C8B-B14F-4D97-AF65-F5344CB8AC3E}">
-        <p14:creationId xmlns:p14="http://schemas.microsoft.com/office/powerpoint/2010/main" val="2748640517"/>
-      </p:ext>
-    </p:extLst>
-  </p:cSld>
-  <p:clrMapOvr>
-    <a:masterClrMapping/>
-  </p:clrMapOvr>
-</p:sld>
-</file>
-
-<file path=ppt/slides/slide11.xml><?xml version="1.0" encoding="utf-8"?>
-<p:sld xmlns:a="http://schemas.openxmlformats.org/drawingml/2006/main" xmlns:r="http://schemas.openxmlformats.org/officeDocument/2006/relationships" xmlns:p="http://schemas.openxmlformats.org/presentationml/2006/main">
-  <p:cSld>
-    <p:spTree>
-      <p:nvGrpSpPr>
-        <p:cNvPr id="1" name=""/>
-        <p:cNvGrpSpPr/>
-        <p:nvPr/>
-      </p:nvGrpSpPr>
-      <p:grpSpPr>
-        <a:xfrm>
-          <a:off x="0" y="0"/>
-          <a:ext cx="0" cy="0"/>
-          <a:chOff x="0" y="0"/>
-          <a:chExt cx="0" cy="0"/>
-        </a:xfrm>
-      </p:grpSpPr>
-      <p:sp>
-        <p:nvSpPr>
-          <p:cNvPr id="7" name="Titel 6"/>
-          <p:cNvSpPr>
-            <a:spLocks noGrp="1"/>
-          </p:cNvSpPr>
-          <p:nvPr>
-            <p:ph type="title"/>
-          </p:nvPr>
-        </p:nvSpPr>
-        <p:spPr/>
-        <p:txBody>
-          <a:bodyPr/>
-          <a:lstStyle/>
-          <a:p>
-            <a:r>
-              <a:rPr lang="de-DE" dirty="0"/>
-              <a:t>Soll-Konzept</a:t>
-            </a:r>
-          </a:p>
-        </p:txBody>
-      </p:sp>
-      <p:sp>
-        <p:nvSpPr>
-          <p:cNvPr id="9" name="Inhaltsplatzhalter 8"/>
-          <p:cNvSpPr>
-            <a:spLocks noGrp="1"/>
-          </p:cNvSpPr>
-          <p:nvPr>
-            <p:ph sz="quarter" idx="12"/>
-          </p:nvPr>
-        </p:nvSpPr>
-        <p:spPr/>
-        <p:txBody>
-          <a:bodyPr/>
-          <a:lstStyle/>
-          <a:p>
-            <a:r>
-              <a:rPr lang="de-DE" dirty="0"/>
-              <a:t>Ist-Analyse</a:t>
-            </a:r>
-          </a:p>
-        </p:txBody>
-      </p:sp>
-      <p:sp>
-        <p:nvSpPr>
-          <p:cNvPr id="10" name="Inhaltsplatzhalter 9"/>
-          <p:cNvSpPr>
-            <a:spLocks noGrp="1"/>
-          </p:cNvSpPr>
-          <p:nvPr>
-            <p:ph sz="quarter" idx="13"/>
-          </p:nvPr>
-        </p:nvSpPr>
-        <p:spPr/>
-        <p:txBody>
-          <a:bodyPr>
-            <a:normAutofit/>
-          </a:bodyPr>
-          <a:lstStyle/>
-          <a:p>
-            <a:r>
-              <a:rPr lang="de-DE" dirty="0"/>
-              <a:t>Soll-Konzept</a:t>
-            </a:r>
-          </a:p>
-        </p:txBody>
-      </p:sp>
-      <p:sp>
-        <p:nvSpPr>
-          <p:cNvPr id="11" name="Inhaltsplatzhalter 10"/>
-          <p:cNvSpPr>
-            <a:spLocks noGrp="1"/>
-          </p:cNvSpPr>
-          <p:nvPr>
-            <p:ph sz="quarter" idx="14"/>
-          </p:nvPr>
-        </p:nvSpPr>
-        <p:spPr/>
-        <p:txBody>
-          <a:bodyPr>
-            <a:normAutofit/>
-          </a:bodyPr>
-          <a:lstStyle/>
-          <a:p>
-            <a:r>
-              <a:rPr lang="de-DE" dirty="0"/>
-              <a:t>Durchführung</a:t>
-            </a:r>
-          </a:p>
-        </p:txBody>
-      </p:sp>
-      <p:sp>
-        <p:nvSpPr>
-          <p:cNvPr id="12" name="Textplatzhalter 11"/>
-          <p:cNvSpPr>
-            <a:spLocks noGrp="1"/>
-          </p:cNvSpPr>
-          <p:nvPr>
-            <p:ph type="body" sz="quarter" idx="15"/>
-          </p:nvPr>
-        </p:nvSpPr>
-        <p:spPr/>
-        <p:txBody>
-          <a:bodyPr/>
-          <a:lstStyle/>
-          <a:p>
-            <a:r>
-              <a:rPr lang="de-DE" dirty="0"/>
-              <a:t>Datenmodell</a:t>
-            </a:r>
-          </a:p>
-        </p:txBody>
-      </p:sp>
-      <p:sp>
-        <p:nvSpPr>
-          <p:cNvPr id="13" name="Textplatzhalter 12"/>
-          <p:cNvSpPr>
-            <a:spLocks noGrp="1"/>
-          </p:cNvSpPr>
-          <p:nvPr>
-            <p:ph type="body" sz="quarter" idx="16"/>
-          </p:nvPr>
-        </p:nvSpPr>
-        <p:spPr/>
-        <p:txBody>
-          <a:bodyPr/>
-          <a:lstStyle/>
-          <a:p>
-            <a:r>
-              <a:rPr lang="de-DE" dirty="0"/>
-              <a:t>2 / 3</a:t>
+              <a:t>1 / 2</a:t>
             </a:r>
           </a:p>
         </p:txBody>
@@ -11454,7 +10979,7 @@
 </p:sld>
 </file>
 
-<file path=ppt/slides/slide12.xml><?xml version="1.0" encoding="utf-8"?>
+<file path=ppt/slides/slide11.xml><?xml version="1.0" encoding="utf-8"?>
 <p:sld xmlns:a="http://schemas.openxmlformats.org/drawingml/2006/main" xmlns:r="http://schemas.openxmlformats.org/officeDocument/2006/relationships" xmlns:p="http://schemas.openxmlformats.org/presentationml/2006/main">
   <p:cSld>
     <p:spTree>
@@ -11602,7 +11127,7 @@
           <a:p>
             <a:r>
               <a:rPr lang="de-DE" dirty="0"/>
-              <a:t>3 / 3</a:t>
+              <a:t>2 / 2</a:t>
             </a:r>
           </a:p>
         </p:txBody>
@@ -13552,7 +13077,7 @@
 </p:sld>
 </file>
 
-<file path=ppt/slides/slide13.xml><?xml version="1.0" encoding="utf-8"?>
+<file path=ppt/slides/slide12.xml><?xml version="1.0" encoding="utf-8"?>
 <p:sld xmlns:a="http://schemas.openxmlformats.org/drawingml/2006/main" xmlns:r="http://schemas.openxmlformats.org/officeDocument/2006/relationships" xmlns:p="http://schemas.openxmlformats.org/presentationml/2006/main">
   <p:cSld>
     <p:spTree>
@@ -13700,7 +13225,7 @@
           <a:p>
             <a:r>
               <a:rPr lang="de-DE" dirty="0"/>
-              <a:t>3 / 3</a:t>
+              <a:t>2 / 2</a:t>
             </a:r>
           </a:p>
         </p:txBody>
@@ -14642,7 +14167,7 @@
 </p:sld>
 </file>
 
-<file path=ppt/slides/slide14.xml><?xml version="1.0" encoding="utf-8"?>
+<file path=ppt/slides/slide13.xml><?xml version="1.0" encoding="utf-8"?>
 <p:sld xmlns:a="http://schemas.openxmlformats.org/drawingml/2006/main" xmlns:r="http://schemas.openxmlformats.org/officeDocument/2006/relationships" xmlns:p="http://schemas.openxmlformats.org/presentationml/2006/main">
   <p:cSld>
     <p:spTree>
@@ -15005,17 +14530,10 @@
   <p:clrMapOvr>
     <a:masterClrMapping/>
   </p:clrMapOvr>
-  <p:timing>
-    <p:tnLst>
-      <p:par>
-        <p:cTn id="1" dur="indefinite" restart="never" nodeType="tmRoot"/>
-      </p:par>
-    </p:tnLst>
-  </p:timing>
 </p:sld>
 </file>
 
-<file path=ppt/slides/slide15.xml><?xml version="1.0" encoding="utf-8"?>
+<file path=ppt/slides/slide14.xml><?xml version="1.0" encoding="utf-8"?>
 <p:sld xmlns:a="http://schemas.openxmlformats.org/drawingml/2006/main" xmlns:r="http://schemas.openxmlformats.org/officeDocument/2006/relationships" xmlns:p="http://schemas.openxmlformats.org/presentationml/2006/main">
   <p:cSld>
     <p:spTree>
@@ -15164,10 +14682,9 @@
           <a:lstStyle/>
           <a:p>
             <a:r>
-              <a:rPr lang="de-DE" dirty="0" smtClean="0"/>
+              <a:rPr lang="de-DE" dirty="0"/>
               <a:t>1 / 1</a:t>
             </a:r>
-            <a:endParaRPr lang="de-DE" dirty="0"/>
           </a:p>
         </p:txBody>
       </p:sp>
@@ -15377,17 +14894,10 @@
   <p:clrMapOvr>
     <a:masterClrMapping/>
   </p:clrMapOvr>
-  <p:timing>
-    <p:tnLst>
-      <p:par>
-        <p:cTn id="1" dur="indefinite" restart="never" nodeType="tmRoot"/>
-      </p:par>
-    </p:tnLst>
-  </p:timing>
 </p:sld>
 </file>
 
-<file path=ppt/slides/slide16.xml><?xml version="1.0" encoding="utf-8"?>
+<file path=ppt/slides/slide15.xml><?xml version="1.0" encoding="utf-8"?>
 <p:sld xmlns:a="http://schemas.openxmlformats.org/drawingml/2006/main" xmlns:r="http://schemas.openxmlformats.org/officeDocument/2006/relationships" xmlns:p="http://schemas.openxmlformats.org/presentationml/2006/main">
   <p:cSld>
     <p:spTree>
@@ -15772,17 +15282,10 @@
   <p:clrMapOvr>
     <a:masterClrMapping/>
   </p:clrMapOvr>
-  <p:timing>
-    <p:tnLst>
-      <p:par>
-        <p:cTn id="1" dur="indefinite" restart="never" nodeType="tmRoot"/>
-      </p:par>
-    </p:tnLst>
-  </p:timing>
 </p:sld>
 </file>
 
-<file path=ppt/slides/slide17.xml><?xml version="1.0" encoding="utf-8"?>
+<file path=ppt/slides/slide16.xml><?xml version="1.0" encoding="utf-8"?>
 <p:sld xmlns:a="http://schemas.openxmlformats.org/drawingml/2006/main" xmlns:r="http://schemas.openxmlformats.org/officeDocument/2006/relationships" xmlns:p="http://schemas.openxmlformats.org/presentationml/2006/main">
   <p:cSld>
     <p:spTree>
@@ -16095,7 +15598,7 @@
               <a:t>Bsp.: </a:t>
             </a:r>
             <a:r>
-              <a:rPr lang="de-DE" sz="2400" dirty="0" err="1" smtClean="0">
+              <a:rPr lang="de-DE" sz="2400" dirty="0" err="1">
                 <a:latin typeface="Arial" panose="020B0604020202020204" pitchFamily="34" charset="0"/>
                 <a:cs typeface="Arial" panose="020B0604020202020204" pitchFamily="34" charset="0"/>
               </a:rPr>
@@ -16159,14 +15662,14 @@
               <a:buChar char="•"/>
             </a:pPr>
             <a:r>
-              <a:rPr lang="de-DE" sz="2400" dirty="0" smtClean="0">
+              <a:rPr lang="de-DE" sz="2400" dirty="0">
                 <a:latin typeface="Arial" panose="020B0604020202020204" pitchFamily="34" charset="0"/>
                 <a:cs typeface="Arial" panose="020B0604020202020204" pitchFamily="34" charset="0"/>
               </a:rPr>
               <a:t>Rechte-, </a:t>
             </a:r>
             <a:r>
-              <a:rPr lang="de-DE" sz="2400" dirty="0" err="1" smtClean="0">
+              <a:rPr lang="de-DE" sz="2400" dirty="0" err="1">
                 <a:latin typeface="Arial" panose="020B0604020202020204" pitchFamily="34" charset="0"/>
                 <a:cs typeface="Arial" panose="020B0604020202020204" pitchFamily="34" charset="0"/>
               </a:rPr>
@@ -16212,17 +15715,10 @@
   <p:clrMapOvr>
     <a:masterClrMapping/>
   </p:clrMapOvr>
-  <p:timing>
-    <p:tnLst>
-      <p:par>
-        <p:cTn id="1" dur="indefinite" restart="never" nodeType="tmRoot"/>
-      </p:par>
-    </p:tnLst>
-  </p:timing>
 </p:sld>
 </file>
 
-<file path=ppt/slides/slide18.xml><?xml version="1.0" encoding="utf-8"?>
+<file path=ppt/slides/slide17.xml><?xml version="1.0" encoding="utf-8"?>
 <p:sld xmlns:a="http://schemas.openxmlformats.org/drawingml/2006/main" xmlns:r="http://schemas.openxmlformats.org/officeDocument/2006/relationships" xmlns:p="http://schemas.openxmlformats.org/presentationml/2006/main">
   <p:cSld>
     <p:spTree>
@@ -16595,17 +16091,10 @@
   <p:clrMapOvr>
     <a:masterClrMapping/>
   </p:clrMapOvr>
-  <p:timing>
-    <p:tnLst>
-      <p:par>
-        <p:cTn id="1" dur="indefinite" restart="never" nodeType="tmRoot"/>
-      </p:par>
-    </p:tnLst>
-  </p:timing>
 </p:sld>
 </file>
 
-<file path=ppt/slides/slide19.xml><?xml version="1.0" encoding="utf-8"?>
+<file path=ppt/slides/slide18.xml><?xml version="1.0" encoding="utf-8"?>
 <p:sld xmlns:a="http://schemas.openxmlformats.org/drawingml/2006/main" xmlns:r="http://schemas.openxmlformats.org/officeDocument/2006/relationships" xmlns:p="http://schemas.openxmlformats.org/presentationml/2006/main">
   <p:cSld>
     <p:spTree>
@@ -16928,214 +16417,10 @@
   <p:clrMapOvr>
     <a:masterClrMapping/>
   </p:clrMapOvr>
-  <p:timing>
-    <p:tnLst>
-      <p:par>
-        <p:cTn id="1" dur="indefinite" restart="never" nodeType="tmRoot"/>
-      </p:par>
-    </p:tnLst>
-  </p:timing>
 </p:sld>
 </file>
 
-<file path=ppt/slides/slide2.xml><?xml version="1.0" encoding="utf-8"?>
-<p:sld xmlns:a="http://schemas.openxmlformats.org/drawingml/2006/main" xmlns:r="http://schemas.openxmlformats.org/officeDocument/2006/relationships" xmlns:p="http://schemas.openxmlformats.org/presentationml/2006/main">
-  <p:cSld>
-    <p:spTree>
-      <p:nvGrpSpPr>
-        <p:cNvPr id="1" name=""/>
-        <p:cNvGrpSpPr/>
-        <p:nvPr/>
-      </p:nvGrpSpPr>
-      <p:grpSpPr>
-        <a:xfrm>
-          <a:off x="0" y="0"/>
-          <a:ext cx="0" cy="0"/>
-          <a:chOff x="0" y="0"/>
-          <a:chExt cx="0" cy="0"/>
-        </a:xfrm>
-      </p:grpSpPr>
-      <p:sp>
-        <p:nvSpPr>
-          <p:cNvPr id="9" name="Titel 8"/>
-          <p:cNvSpPr>
-            <a:spLocks noGrp="1"/>
-          </p:cNvSpPr>
-          <p:nvPr>
-            <p:ph type="title"/>
-          </p:nvPr>
-        </p:nvSpPr>
-        <p:spPr/>
-        <p:txBody>
-          <a:bodyPr/>
-          <a:lstStyle/>
-          <a:p>
-            <a:r>
-              <a:rPr lang="de-DE" dirty="0"/>
-              <a:t>Gliederung</a:t>
-            </a:r>
-          </a:p>
-        </p:txBody>
-      </p:sp>
-      <p:sp>
-        <p:nvSpPr>
-          <p:cNvPr id="10" name="Inhaltsplatzhalter 9"/>
-          <p:cNvSpPr>
-            <a:spLocks noGrp="1"/>
-          </p:cNvSpPr>
-          <p:nvPr>
-            <p:ph idx="1"/>
-          </p:nvPr>
-        </p:nvSpPr>
-        <p:spPr/>
-        <p:txBody>
-          <a:bodyPr>
-            <a:normAutofit fontScale="92500" lnSpcReduction="20000"/>
-          </a:bodyPr>
-          <a:lstStyle/>
-          <a:p>
-            <a:r>
-              <a:rPr lang="de-DE" dirty="0"/>
-              <a:t>Projektauftrag</a:t>
-            </a:r>
-          </a:p>
-          <a:p>
-            <a:endParaRPr lang="de-DE" dirty="0"/>
-          </a:p>
-          <a:p>
-            <a:r>
-              <a:rPr lang="de-DE" dirty="0"/>
-              <a:t>Ist-Analyse</a:t>
-            </a:r>
-          </a:p>
-          <a:p>
-            <a:endParaRPr lang="de-DE" dirty="0"/>
-          </a:p>
-          <a:p>
-            <a:r>
-              <a:rPr lang="de-DE" dirty="0"/>
-              <a:t>Soll-Konzept</a:t>
-            </a:r>
-          </a:p>
-          <a:p>
-            <a:endParaRPr lang="de-DE" dirty="0"/>
-          </a:p>
-          <a:p>
-            <a:r>
-              <a:rPr lang="de-DE" dirty="0"/>
-              <a:t>Durchführung</a:t>
-            </a:r>
-          </a:p>
-          <a:p>
-            <a:endParaRPr lang="de-DE" dirty="0"/>
-          </a:p>
-          <a:p>
-            <a:r>
-              <a:rPr lang="de-DE" dirty="0"/>
-              <a:t>Fazit</a:t>
-            </a:r>
-          </a:p>
-          <a:p>
-            <a:endParaRPr lang="de-DE" dirty="0"/>
-          </a:p>
-          <a:p>
-            <a:r>
-              <a:rPr lang="de-DE" dirty="0"/>
-              <a:t>Produktvorstellung „Scrumiverse“</a:t>
-            </a:r>
-          </a:p>
-          <a:p>
-            <a:pPr marL="0" indent="0">
-              <a:buNone/>
-            </a:pPr>
-            <a:endParaRPr lang="de-DE" dirty="0"/>
-          </a:p>
-        </p:txBody>
-      </p:sp>
-      <p:sp>
-        <p:nvSpPr>
-          <p:cNvPr id="12" name="Inhaltsplatzhalter 11"/>
-          <p:cNvSpPr>
-            <a:spLocks noGrp="1"/>
-          </p:cNvSpPr>
-          <p:nvPr>
-            <p:ph sz="quarter" idx="12"/>
-          </p:nvPr>
-        </p:nvSpPr>
-        <p:spPr/>
-        <p:txBody>
-          <a:bodyPr/>
-          <a:lstStyle/>
-          <a:p>
-            <a:endParaRPr lang="de-DE" dirty="0"/>
-          </a:p>
-        </p:txBody>
-      </p:sp>
-      <p:sp>
-        <p:nvSpPr>
-          <p:cNvPr id="13" name="Inhaltsplatzhalter 12"/>
-          <p:cNvSpPr>
-            <a:spLocks noGrp="1"/>
-          </p:cNvSpPr>
-          <p:nvPr>
-            <p:ph sz="quarter" idx="13"/>
-          </p:nvPr>
-        </p:nvSpPr>
-        <p:spPr/>
-        <p:txBody>
-          <a:bodyPr/>
-          <a:lstStyle/>
-          <a:p>
-            <a:r>
-              <a:rPr lang="de-DE" dirty="0"/>
-              <a:t>Gliederung</a:t>
-            </a:r>
-          </a:p>
-        </p:txBody>
-      </p:sp>
-      <p:sp>
-        <p:nvSpPr>
-          <p:cNvPr id="2" name="Inhaltsplatzhalter 1"/>
-          <p:cNvSpPr>
-            <a:spLocks noGrp="1"/>
-          </p:cNvSpPr>
-          <p:nvPr>
-            <p:ph sz="quarter" idx="14"/>
-          </p:nvPr>
-        </p:nvSpPr>
-        <p:spPr/>
-        <p:txBody>
-          <a:bodyPr/>
-          <a:lstStyle/>
-          <a:p>
-            <a:r>
-              <a:rPr lang="de-DE" dirty="0"/>
-              <a:t>Projektauftrag</a:t>
-            </a:r>
-          </a:p>
-        </p:txBody>
-      </p:sp>
-    </p:spTree>
-    <p:extLst>
-      <p:ext uri="{BB962C8B-B14F-4D97-AF65-F5344CB8AC3E}">
-        <p14:creationId xmlns:p14="http://schemas.microsoft.com/office/powerpoint/2010/main" val="2376792185"/>
-      </p:ext>
-    </p:extLst>
-  </p:cSld>
-  <p:clrMapOvr>
-    <a:masterClrMapping/>
-  </p:clrMapOvr>
-  <p:timing>
-    <p:tnLst>
-      <p:par>
-        <p:cTn id="1" dur="indefinite" restart="never" nodeType="tmRoot"/>
-      </p:par>
-    </p:tnLst>
-  </p:timing>
-</p:sld>
-</file>
-
-<file path=ppt/slides/slide20.xml><?xml version="1.0" encoding="utf-8"?>
+<file path=ppt/slides/slide19.xml><?xml version="1.0" encoding="utf-8"?>
 <p:sld xmlns:a="http://schemas.openxmlformats.org/drawingml/2006/main" xmlns:r="http://schemas.openxmlformats.org/officeDocument/2006/relationships" xmlns:p="http://schemas.openxmlformats.org/presentationml/2006/main">
   <p:cSld>
     <p:spTree>
@@ -17277,10 +16562,9 @@
           <a:lstStyle/>
           <a:p>
             <a:r>
-              <a:rPr lang="de-DE" dirty="0" smtClean="0"/>
+              <a:rPr lang="de-DE" dirty="0"/>
               <a:t>1 / 1</a:t>
             </a:r>
-            <a:endParaRPr lang="de-DE" dirty="0"/>
           </a:p>
         </p:txBody>
       </p:sp>
@@ -17357,34 +16641,11 @@
               <a:buChar char="•"/>
             </a:pPr>
             <a:r>
-              <a:rPr lang="de-DE" sz="2800" dirty="0" smtClean="0">
+              <a:rPr lang="de-DE" sz="2800" dirty="0">
                 <a:latin typeface="Arial" panose="020B0604020202020204" pitchFamily="34" charset="0"/>
                 <a:cs typeface="Arial" panose="020B0604020202020204" pitchFamily="34" charset="0"/>
               </a:rPr>
               <a:t>Lernen von neuen Technologien</a:t>
-            </a:r>
-          </a:p>
-          <a:p>
-            <a:pPr marL="285750" indent="-285750">
-              <a:buFont typeface="Arial" panose="020B0604020202020204" pitchFamily="34" charset="0"/>
-              <a:buChar char="•"/>
-            </a:pPr>
-            <a:endParaRPr lang="de-DE" sz="2800" dirty="0" smtClean="0">
-              <a:latin typeface="Arial" panose="020B0604020202020204" pitchFamily="34" charset="0"/>
-              <a:cs typeface="Arial" panose="020B0604020202020204" pitchFamily="34" charset="0"/>
-            </a:endParaRPr>
-          </a:p>
-          <a:p>
-            <a:pPr marL="285750" indent="-285750">
-              <a:buFont typeface="Arial" panose="020B0604020202020204" pitchFamily="34" charset="0"/>
-              <a:buChar char="•"/>
-            </a:pPr>
-            <a:r>
-              <a:rPr lang="de-DE" sz="2800" dirty="0" smtClean="0">
-                <a:latin typeface="Arial" panose="020B0604020202020204" pitchFamily="34" charset="0"/>
-                <a:cs typeface="Arial" panose="020B0604020202020204" pitchFamily="34" charset="0"/>
-              </a:rPr>
-              <a:t>Generelle Planung mit Puffer</a:t>
             </a:r>
           </a:p>
           <a:p>
@@ -17403,14 +16664,37 @@
               <a:buChar char="•"/>
             </a:pPr>
             <a:r>
-              <a:rPr lang="de-DE" sz="2800" dirty="0" err="1" smtClean="0">
+              <a:rPr lang="de-DE" sz="2800" dirty="0">
+                <a:latin typeface="Arial" panose="020B0604020202020204" pitchFamily="34" charset="0"/>
+                <a:cs typeface="Arial" panose="020B0604020202020204" pitchFamily="34" charset="0"/>
+              </a:rPr>
+              <a:t>Generelle Planung mit Puffer</a:t>
+            </a:r>
+          </a:p>
+          <a:p>
+            <a:pPr marL="285750" indent="-285750">
+              <a:buFont typeface="Arial" panose="020B0604020202020204" pitchFamily="34" charset="0"/>
+              <a:buChar char="•"/>
+            </a:pPr>
+            <a:endParaRPr lang="de-DE" sz="2800" dirty="0">
+              <a:latin typeface="Arial" panose="020B0604020202020204" pitchFamily="34" charset="0"/>
+              <a:cs typeface="Arial" panose="020B0604020202020204" pitchFamily="34" charset="0"/>
+            </a:endParaRPr>
+          </a:p>
+          <a:p>
+            <a:pPr marL="285750" indent="-285750">
+              <a:buFont typeface="Arial" panose="020B0604020202020204" pitchFamily="34" charset="0"/>
+              <a:buChar char="•"/>
+            </a:pPr>
+            <a:r>
+              <a:rPr lang="de-DE" sz="2800" dirty="0" err="1">
                 <a:latin typeface="Arial" panose="020B0604020202020204" pitchFamily="34" charset="0"/>
                 <a:cs typeface="Arial" panose="020B0604020202020204" pitchFamily="34" charset="0"/>
               </a:rPr>
               <a:t>Weekly</a:t>
             </a:r>
             <a:r>
-              <a:rPr lang="de-DE" sz="2800" dirty="0" smtClean="0">
+              <a:rPr lang="de-DE" sz="2800" dirty="0">
                 <a:latin typeface="Arial" panose="020B0604020202020204" pitchFamily="34" charset="0"/>
                 <a:cs typeface="Arial" panose="020B0604020202020204" pitchFamily="34" charset="0"/>
               </a:rPr>
@@ -17422,7 +16706,7 @@
               <a:buFont typeface="Arial" panose="020B0604020202020204" pitchFamily="34" charset="0"/>
               <a:buChar char="•"/>
             </a:pPr>
-            <a:endParaRPr lang="de-DE" sz="2800" dirty="0" smtClean="0">
+            <a:endParaRPr lang="de-DE" sz="2800" dirty="0">
               <a:latin typeface="Arial" panose="020B0604020202020204" pitchFamily="34" charset="0"/>
               <a:cs typeface="Arial" panose="020B0604020202020204" pitchFamily="34" charset="0"/>
             </a:endParaRPr>
@@ -17432,7 +16716,7 @@
               <a:buFont typeface="Arial" panose="020B0604020202020204" pitchFamily="34" charset="0"/>
               <a:buChar char="•"/>
             </a:pPr>
-            <a:endParaRPr lang="de-DE" sz="2800" dirty="0" smtClean="0">
+            <a:endParaRPr lang="de-DE" sz="2800" dirty="0">
               <a:latin typeface="Arial" panose="020B0604020202020204" pitchFamily="34" charset="0"/>
               <a:cs typeface="Arial" panose="020B0604020202020204" pitchFamily="34" charset="0"/>
             </a:endParaRPr>
@@ -17524,7 +16808,7 @@
               <a:buChar char="•"/>
             </a:pPr>
             <a:r>
-              <a:rPr lang="de-DE" sz="2800" dirty="0" smtClean="0">
+              <a:rPr lang="de-DE" sz="2800" dirty="0">
                 <a:latin typeface="Arial" panose="020B0604020202020204" pitchFamily="34" charset="0"/>
                 <a:cs typeface="Arial" panose="020B0604020202020204" pitchFamily="34" charset="0"/>
               </a:rPr>
@@ -17547,7 +16831,7 @@
               <a:buChar char="•"/>
             </a:pPr>
             <a:r>
-              <a:rPr lang="de-DE" sz="2800" dirty="0" smtClean="0">
+              <a:rPr lang="de-DE" sz="2800" dirty="0">
                 <a:latin typeface="Arial" panose="020B0604020202020204" pitchFamily="34" charset="0"/>
                 <a:cs typeface="Arial" panose="020B0604020202020204" pitchFamily="34" charset="0"/>
               </a:rPr>
@@ -17570,13 +16854,13 @@
               <a:buChar char="•"/>
             </a:pPr>
             <a:r>
-              <a:rPr lang="de-DE" sz="2800" dirty="0" err="1" smtClean="0">
+              <a:rPr lang="de-DE" sz="2800" dirty="0" err="1">
                 <a:latin typeface="Arial" panose="020B0604020202020204" pitchFamily="34" charset="0"/>
                 <a:cs typeface="Arial" panose="020B0604020202020204" pitchFamily="34" charset="0"/>
               </a:rPr>
               <a:t>Hibernate</a:t>
             </a:r>
-            <a:endParaRPr lang="de-DE" sz="2800" dirty="0" smtClean="0">
+            <a:endParaRPr lang="de-DE" sz="2800" dirty="0">
               <a:latin typeface="Arial" panose="020B0604020202020204" pitchFamily="34" charset="0"/>
               <a:cs typeface="Arial" panose="020B0604020202020204" pitchFamily="34" charset="0"/>
             </a:endParaRPr>
@@ -17586,7 +16870,7 @@
               <a:buFont typeface="Arial" panose="020B0604020202020204" pitchFamily="34" charset="0"/>
               <a:buChar char="•"/>
             </a:pPr>
-            <a:endParaRPr lang="de-DE" sz="2400" dirty="0" smtClean="0"/>
+            <a:endParaRPr lang="de-DE" sz="2400" dirty="0"/>
           </a:p>
           <a:p>
             <a:pPr marL="285750" indent="-285750">
@@ -17628,17 +16912,200 @@
   <p:clrMapOvr>
     <a:masterClrMapping/>
   </p:clrMapOvr>
-  <p:timing>
-    <p:tnLst>
-      <p:par>
-        <p:cTn id="1" dur="indefinite" restart="never" nodeType="tmRoot"/>
-      </p:par>
-    </p:tnLst>
-  </p:timing>
 </p:sld>
 </file>
 
-<file path=ppt/slides/slide21.xml><?xml version="1.0" encoding="utf-8"?>
+<file path=ppt/slides/slide2.xml><?xml version="1.0" encoding="utf-8"?>
+<p:sld xmlns:a="http://schemas.openxmlformats.org/drawingml/2006/main" xmlns:r="http://schemas.openxmlformats.org/officeDocument/2006/relationships" xmlns:p="http://schemas.openxmlformats.org/presentationml/2006/main">
+  <p:cSld>
+    <p:spTree>
+      <p:nvGrpSpPr>
+        <p:cNvPr id="1" name=""/>
+        <p:cNvGrpSpPr/>
+        <p:nvPr/>
+      </p:nvGrpSpPr>
+      <p:grpSpPr>
+        <a:xfrm>
+          <a:off x="0" y="0"/>
+          <a:ext cx="0" cy="0"/>
+          <a:chOff x="0" y="0"/>
+          <a:chExt cx="0" cy="0"/>
+        </a:xfrm>
+      </p:grpSpPr>
+      <p:sp>
+        <p:nvSpPr>
+          <p:cNvPr id="9" name="Titel 8"/>
+          <p:cNvSpPr>
+            <a:spLocks noGrp="1"/>
+          </p:cNvSpPr>
+          <p:nvPr>
+            <p:ph type="title"/>
+          </p:nvPr>
+        </p:nvSpPr>
+        <p:spPr/>
+        <p:txBody>
+          <a:bodyPr/>
+          <a:lstStyle/>
+          <a:p>
+            <a:r>
+              <a:rPr lang="de-DE" dirty="0"/>
+              <a:t>Gliederung</a:t>
+            </a:r>
+          </a:p>
+        </p:txBody>
+      </p:sp>
+      <p:sp>
+        <p:nvSpPr>
+          <p:cNvPr id="10" name="Inhaltsplatzhalter 9"/>
+          <p:cNvSpPr>
+            <a:spLocks noGrp="1"/>
+          </p:cNvSpPr>
+          <p:nvPr>
+            <p:ph idx="1"/>
+          </p:nvPr>
+        </p:nvSpPr>
+        <p:spPr/>
+        <p:txBody>
+          <a:bodyPr>
+            <a:normAutofit fontScale="92500" lnSpcReduction="20000"/>
+          </a:bodyPr>
+          <a:lstStyle/>
+          <a:p>
+            <a:r>
+              <a:rPr lang="de-DE" dirty="0"/>
+              <a:t>Projektauftrag</a:t>
+            </a:r>
+          </a:p>
+          <a:p>
+            <a:endParaRPr lang="de-DE" dirty="0"/>
+          </a:p>
+          <a:p>
+            <a:r>
+              <a:rPr lang="de-DE" dirty="0"/>
+              <a:t>Ist-Analyse</a:t>
+            </a:r>
+          </a:p>
+          <a:p>
+            <a:endParaRPr lang="de-DE" dirty="0"/>
+          </a:p>
+          <a:p>
+            <a:r>
+              <a:rPr lang="de-DE" dirty="0"/>
+              <a:t>Soll-Konzept</a:t>
+            </a:r>
+          </a:p>
+          <a:p>
+            <a:endParaRPr lang="de-DE" dirty="0"/>
+          </a:p>
+          <a:p>
+            <a:r>
+              <a:rPr lang="de-DE" dirty="0"/>
+              <a:t>Durchführung</a:t>
+            </a:r>
+          </a:p>
+          <a:p>
+            <a:endParaRPr lang="de-DE" dirty="0"/>
+          </a:p>
+          <a:p>
+            <a:r>
+              <a:rPr lang="de-DE" dirty="0"/>
+              <a:t>Fazit</a:t>
+            </a:r>
+          </a:p>
+          <a:p>
+            <a:endParaRPr lang="de-DE" dirty="0"/>
+          </a:p>
+          <a:p>
+            <a:r>
+              <a:rPr lang="de-DE" dirty="0"/>
+              <a:t>Produktvorstellung „Scrumiverse“</a:t>
+            </a:r>
+          </a:p>
+          <a:p>
+            <a:pPr marL="0" indent="0">
+              <a:buNone/>
+            </a:pPr>
+            <a:endParaRPr lang="de-DE" dirty="0"/>
+          </a:p>
+        </p:txBody>
+      </p:sp>
+      <p:sp>
+        <p:nvSpPr>
+          <p:cNvPr id="12" name="Inhaltsplatzhalter 11"/>
+          <p:cNvSpPr>
+            <a:spLocks noGrp="1"/>
+          </p:cNvSpPr>
+          <p:nvPr>
+            <p:ph sz="quarter" idx="12"/>
+          </p:nvPr>
+        </p:nvSpPr>
+        <p:spPr/>
+        <p:txBody>
+          <a:bodyPr/>
+          <a:lstStyle/>
+          <a:p>
+            <a:endParaRPr lang="de-DE" dirty="0"/>
+          </a:p>
+        </p:txBody>
+      </p:sp>
+      <p:sp>
+        <p:nvSpPr>
+          <p:cNvPr id="13" name="Inhaltsplatzhalter 12"/>
+          <p:cNvSpPr>
+            <a:spLocks noGrp="1"/>
+          </p:cNvSpPr>
+          <p:nvPr>
+            <p:ph sz="quarter" idx="13"/>
+          </p:nvPr>
+        </p:nvSpPr>
+        <p:spPr/>
+        <p:txBody>
+          <a:bodyPr/>
+          <a:lstStyle/>
+          <a:p>
+            <a:r>
+              <a:rPr lang="de-DE" dirty="0"/>
+              <a:t>Gliederung</a:t>
+            </a:r>
+          </a:p>
+        </p:txBody>
+      </p:sp>
+      <p:sp>
+        <p:nvSpPr>
+          <p:cNvPr id="2" name="Inhaltsplatzhalter 1"/>
+          <p:cNvSpPr>
+            <a:spLocks noGrp="1"/>
+          </p:cNvSpPr>
+          <p:nvPr>
+            <p:ph sz="quarter" idx="14"/>
+          </p:nvPr>
+        </p:nvSpPr>
+        <p:spPr/>
+        <p:txBody>
+          <a:bodyPr/>
+          <a:lstStyle/>
+          <a:p>
+            <a:r>
+              <a:rPr lang="de-DE" dirty="0"/>
+              <a:t>Projektauftrag</a:t>
+            </a:r>
+          </a:p>
+        </p:txBody>
+      </p:sp>
+    </p:spTree>
+    <p:extLst>
+      <p:ext uri="{BB962C8B-B14F-4D97-AF65-F5344CB8AC3E}">
+        <p14:creationId xmlns:p14="http://schemas.microsoft.com/office/powerpoint/2010/main" val="2376792185"/>
+      </p:ext>
+    </p:extLst>
+  </p:cSld>
+  <p:clrMapOvr>
+    <a:masterClrMapping/>
+  </p:clrMapOvr>
+</p:sld>
+</file>
+
+<file path=ppt/slides/slide20.xml><?xml version="1.0" encoding="utf-8"?>
 <p:sld xmlns:a="http://schemas.openxmlformats.org/drawingml/2006/main" xmlns:r="http://schemas.openxmlformats.org/officeDocument/2006/relationships" xmlns:p="http://schemas.openxmlformats.org/presentationml/2006/main">
   <p:cSld>
     <p:spTree>
@@ -17782,13 +17249,6 @@
   <p:clrMapOvr>
     <a:masterClrMapping/>
   </p:clrMapOvr>
-  <p:timing>
-    <p:tnLst>
-      <p:par>
-        <p:cTn id="1" dur="indefinite" restart="never" nodeType="tmRoot"/>
-      </p:par>
-    </p:tnLst>
-  </p:timing>
 </p:sld>
 </file>
 
@@ -17936,13 +17396,8 @@
           <a:p>
             <a:r>
               <a:rPr lang="de-DE" dirty="0"/>
-              <a:t>1 / </a:t>
-            </a:r>
-            <a:r>
-              <a:rPr lang="de-DE" dirty="0"/>
-              <a:t>2</a:t>
-            </a:r>
-            <a:endParaRPr lang="de-DE" dirty="0"/>
+              <a:t>1 / 2</a:t>
+            </a:r>
           </a:p>
         </p:txBody>
       </p:sp>
@@ -18421,13 +17876,6 @@
   <p:clrMapOvr>
     <a:masterClrMapping/>
   </p:clrMapOvr>
-  <p:timing>
-    <p:tnLst>
-      <p:par>
-        <p:cTn id="1" dur="indefinite" restart="never" nodeType="tmRoot"/>
-      </p:par>
-    </p:tnLst>
-  </p:timing>
 </p:sld>
 </file>
 
@@ -18552,10 +18000,9 @@
           <a:lstStyle/>
           <a:p>
             <a:r>
-              <a:rPr lang="de-DE" dirty="0" smtClean="0"/>
+              <a:rPr lang="de-DE" dirty="0"/>
               <a:t>Auftrag</a:t>
             </a:r>
-            <a:endParaRPr lang="de-DE" dirty="0"/>
           </a:p>
         </p:txBody>
       </p:sp>
@@ -18576,15 +18023,7 @@
           <a:p>
             <a:r>
               <a:rPr lang="de-DE" dirty="0"/>
-              <a:t>2</a:t>
-            </a:r>
-            <a:r>
-              <a:rPr lang="de-DE" dirty="0" smtClean="0"/>
-              <a:t> </a:t>
-            </a:r>
-            <a:r>
-              <a:rPr lang="de-DE" dirty="0"/>
-              <a:t>/ 2</a:t>
+              <a:t>2 / 2</a:t>
             </a:r>
           </a:p>
         </p:txBody>
@@ -20294,13 +19733,8 @@
           <a:p>
             <a:r>
               <a:rPr lang="de-DE" dirty="0"/>
-              <a:t>1 / </a:t>
-            </a:r>
-            <a:r>
-              <a:rPr lang="de-DE" dirty="0" smtClean="0"/>
-              <a:t>1</a:t>
-            </a:r>
-            <a:endParaRPr lang="de-DE" dirty="0"/>
+              <a:t>1 / 1</a:t>
+            </a:r>
           </a:p>
         </p:txBody>
       </p:sp>
@@ -21225,10 +20659,9 @@
           <a:lstStyle/>
           <a:p>
             <a:r>
-              <a:rPr lang="de-DE" dirty="0" smtClean="0"/>
+              <a:rPr lang="de-DE" dirty="0"/>
               <a:t>1 / 1</a:t>
             </a:r>
-            <a:endParaRPr lang="de-DE" dirty="0"/>
           </a:p>
         </p:txBody>
       </p:sp>
@@ -24768,10 +24201,9 @@
           <a:lstStyle/>
           <a:p>
             <a:r>
-              <a:rPr lang="de-DE" dirty="0" smtClean="0"/>
+              <a:rPr lang="de-DE" dirty="0"/>
               <a:t>1 / 1</a:t>
             </a:r>
-            <a:endParaRPr lang="de-DE" dirty="0"/>
           </a:p>
         </p:txBody>
       </p:sp>

--- a/Projektpräsentation/Projektpräsentation.pptx
+++ b/Projektpräsentation/Projektpräsentation.pptx
@@ -5,7 +5,7 @@
     <p:sldMasterId id="2147483648" r:id="rId1"/>
   </p:sldMasterIdLst>
   <p:notesMasterIdLst>
-    <p:notesMasterId r:id="rId22"/>
+    <p:notesMasterId r:id="rId21"/>
   </p:notesMasterIdLst>
   <p:sldIdLst>
     <p:sldId id="256" r:id="rId2"/>
@@ -19,15 +19,14 @@
     <p:sldId id="273" r:id="rId10"/>
     <p:sldId id="275" r:id="rId11"/>
     <p:sldId id="276" r:id="rId12"/>
-    <p:sldId id="284" r:id="rId13"/>
-    <p:sldId id="277" r:id="rId14"/>
-    <p:sldId id="278" r:id="rId15"/>
-    <p:sldId id="280" r:id="rId16"/>
-    <p:sldId id="281" r:id="rId17"/>
-    <p:sldId id="282" r:id="rId18"/>
-    <p:sldId id="283" r:id="rId19"/>
-    <p:sldId id="266" r:id="rId20"/>
-    <p:sldId id="279" r:id="rId21"/>
+    <p:sldId id="277" r:id="rId13"/>
+    <p:sldId id="278" r:id="rId14"/>
+    <p:sldId id="280" r:id="rId15"/>
+    <p:sldId id="281" r:id="rId16"/>
+    <p:sldId id="282" r:id="rId17"/>
+    <p:sldId id="283" r:id="rId18"/>
+    <p:sldId id="266" r:id="rId19"/>
+    <p:sldId id="279" r:id="rId20"/>
   </p:sldIdLst>
   <p:sldSz cx="12192000" cy="6858000"/>
   <p:notesSz cx="6858000" cy="9144000"/>
@@ -129,12 +128,12 @@
   <p:extLst>
     <p:ext uri="{EFAFB233-063F-42B5-8137-9DF3F51BA10A}">
       <p15:sldGuideLst xmlns:p15="http://schemas.microsoft.com/office/powerpoint/2012/main">
-        <p15:guide id="1" orient="horz" pos="2160">
+        <p15:guide id="1" orient="horz" pos="2160" userDrawn="1">
           <p15:clr>
             <a:srgbClr val="A4A3A4"/>
           </p15:clr>
         </p15:guide>
-        <p15:guide id="2" pos="3840">
+        <p15:guide id="2" pos="3840" userDrawn="1">
           <p15:clr>
             <a:srgbClr val="A4A3A4"/>
           </p15:clr>
@@ -2816,7 +2815,7 @@
   <dgm:whole/>
   <dgm:extLst>
     <a:ext uri="http://schemas.microsoft.com/office/drawing/2008/diagram">
-      <dsp:dataModelExt xmlns:dsp="http://schemas.microsoft.com/office/drawing/2008/diagram" relId="rId7" minVer="http://schemas.openxmlformats.org/drawingml/2006/diagram"/>
+      <dsp:dataModelExt xmlns:dsp="http://schemas.microsoft.com/office/drawing/2008/diagram" relId="rId6" minVer="http://schemas.openxmlformats.org/drawingml/2006/diagram"/>
     </a:ext>
   </dgm:extLst>
 </dgm:dataModel>
@@ -3045,7 +3044,7 @@
   <dgm:whole/>
   <dgm:extLst>
     <a:ext uri="http://schemas.microsoft.com/office/drawing/2008/diagram">
-      <dsp:dataModelExt xmlns:dsp="http://schemas.microsoft.com/office/drawing/2008/diagram" relId="rId12" minVer="http://schemas.openxmlformats.org/drawingml/2006/diagram"/>
+      <dsp:dataModelExt xmlns:dsp="http://schemas.microsoft.com/office/drawing/2008/diagram" relId="rId11" minVer="http://schemas.openxmlformats.org/drawingml/2006/diagram"/>
     </a:ext>
   </dgm:extLst>
 </dgm:dataModel>
@@ -3066,8 +3065,8 @@
       </dsp:nvSpPr>
       <dsp:spPr>
         <a:xfrm>
-          <a:off x="354091" y="0"/>
-          <a:ext cx="4013040" cy="2023533"/>
+          <a:off x="384707" y="0"/>
+          <a:ext cx="4360023" cy="2250095"/>
         </a:xfrm>
         <a:prstGeom prst="rightArrow">
           <a:avLst/>
@@ -3106,8 +3105,8 @@
       </dsp:nvSpPr>
       <dsp:spPr>
         <a:xfrm>
-          <a:off x="144" y="607059"/>
-          <a:ext cx="1494343" cy="809413"/>
+          <a:off x="2692" y="675028"/>
+          <a:ext cx="1615848" cy="900038"/>
         </a:xfrm>
         <a:prstGeom prst="roundRect">
           <a:avLst/>
@@ -3139,12 +3138,12 @@
         </a:fontRef>
       </dsp:style>
       <dsp:txBody>
-        <a:bodyPr spcFirstLastPara="0" vert="horz" wrap="square" lIns="60960" tIns="60960" rIns="60960" bIns="60960" numCol="1" spcCol="1270" anchor="ctr" anchorCtr="0">
+        <a:bodyPr spcFirstLastPara="0" vert="horz" wrap="square" lIns="64770" tIns="64770" rIns="64770" bIns="64770" numCol="1" spcCol="1270" anchor="ctr" anchorCtr="0">
           <a:noAutofit/>
         </a:bodyPr>
         <a:lstStyle/>
         <a:p>
-          <a:pPr marL="0" lvl="0" indent="0" algn="ctr" defTabSz="711200">
+          <a:pPr marL="0" lvl="0" indent="0" algn="ctr" defTabSz="755650">
             <a:lnSpc>
               <a:spcPct val="90000"/>
             </a:lnSpc>
@@ -3157,21 +3156,21 @@
             <a:buNone/>
           </a:pPr>
           <a:r>
-            <a:rPr lang="de-DE" sz="1600" kern="1200" dirty="0"/>
+            <a:rPr lang="de-DE" sz="1700" kern="1200" dirty="0"/>
             <a:t>US</a:t>
           </a:r>
           <a:br>
-            <a:rPr lang="de-DE" sz="1600" kern="1200" dirty="0"/>
+            <a:rPr lang="de-DE" sz="1700" kern="1200" dirty="0"/>
           </a:br>
           <a:r>
-            <a:rPr lang="de-DE" sz="1600" kern="1200" dirty="0"/>
+            <a:rPr lang="de-DE" sz="1700" kern="1200" dirty="0"/>
             <a:t>erstellt</a:t>
           </a:r>
         </a:p>
       </dsp:txBody>
       <dsp:txXfrm>
-        <a:off x="39656" y="646571"/>
-        <a:ext cx="1415319" cy="730389"/>
+        <a:off x="46628" y="718964"/>
+        <a:ext cx="1527976" cy="812166"/>
       </dsp:txXfrm>
     </dsp:sp>
     <dsp:sp modelId="{9E22A8F1-3039-49CC-AA17-DD186515803C}">
@@ -3181,8 +3180,8 @@
       </dsp:nvSpPr>
       <dsp:spPr>
         <a:xfrm>
-          <a:off x="1613440" y="607059"/>
-          <a:ext cx="1494343" cy="809413"/>
+          <a:off x="1756795" y="675028"/>
+          <a:ext cx="1615848" cy="900038"/>
         </a:xfrm>
         <a:prstGeom prst="roundRect">
           <a:avLst/>
@@ -3214,12 +3213,12 @@
         </a:fontRef>
       </dsp:style>
       <dsp:txBody>
-        <a:bodyPr spcFirstLastPara="0" vert="horz" wrap="square" lIns="60960" tIns="60960" rIns="60960" bIns="60960" numCol="1" spcCol="1270" anchor="ctr" anchorCtr="0">
+        <a:bodyPr spcFirstLastPara="0" vert="horz" wrap="square" lIns="64770" tIns="64770" rIns="64770" bIns="64770" numCol="1" spcCol="1270" anchor="ctr" anchorCtr="0">
           <a:noAutofit/>
         </a:bodyPr>
         <a:lstStyle/>
         <a:p>
-          <a:pPr marL="0" lvl="0" indent="0" algn="ctr" defTabSz="711200">
+          <a:pPr marL="0" lvl="0" indent="0" algn="ctr" defTabSz="755650">
             <a:lnSpc>
               <a:spcPct val="90000"/>
             </a:lnSpc>
@@ -3232,25 +3231,25 @@
             <a:buNone/>
           </a:pPr>
           <a:r>
-            <a:rPr lang="de-DE" sz="1600" kern="1200" dirty="0"/>
+            <a:rPr lang="de-DE" sz="1700" kern="1200" dirty="0"/>
             <a:t>US in</a:t>
           </a:r>
           <a:br>
-            <a:rPr lang="de-DE" sz="1600" kern="1200" dirty="0"/>
+            <a:rPr lang="de-DE" sz="1700" kern="1200" dirty="0"/>
           </a:br>
           <a:r>
-            <a:rPr lang="de-DE" sz="1600" kern="1200" dirty="0" err="1"/>
+            <a:rPr lang="de-DE" sz="1700" kern="1200" dirty="0" err="1"/>
             <a:t>Epics</a:t>
           </a:r>
           <a:r>
-            <a:rPr lang="de-DE" sz="1600" kern="1200" dirty="0"/>
+            <a:rPr lang="de-DE" sz="1700" kern="1200" dirty="0"/>
             <a:t> aufgeteilt</a:t>
           </a:r>
         </a:p>
       </dsp:txBody>
       <dsp:txXfrm>
-        <a:off x="1652952" y="646571"/>
-        <a:ext cx="1415319" cy="730389"/>
+        <a:off x="1800731" y="718964"/>
+        <a:ext cx="1527976" cy="812166"/>
       </dsp:txXfrm>
     </dsp:sp>
     <dsp:sp modelId="{545B435F-E782-4D0E-AA74-29E426377518}">
@@ -3260,8 +3259,8 @@
       </dsp:nvSpPr>
       <dsp:spPr>
         <a:xfrm>
-          <a:off x="3226736" y="607059"/>
-          <a:ext cx="1494343" cy="809413"/>
+          <a:off x="3510898" y="675028"/>
+          <a:ext cx="1615848" cy="900038"/>
         </a:xfrm>
         <a:prstGeom prst="roundRect">
           <a:avLst/>
@@ -3293,12 +3292,12 @@
         </a:fontRef>
       </dsp:style>
       <dsp:txBody>
-        <a:bodyPr spcFirstLastPara="0" vert="horz" wrap="square" lIns="60960" tIns="60960" rIns="60960" bIns="60960" numCol="1" spcCol="1270" anchor="ctr" anchorCtr="0">
+        <a:bodyPr spcFirstLastPara="0" vert="horz" wrap="square" lIns="64770" tIns="64770" rIns="64770" bIns="64770" numCol="1" spcCol="1270" anchor="ctr" anchorCtr="0">
           <a:noAutofit/>
         </a:bodyPr>
         <a:lstStyle/>
         <a:p>
-          <a:pPr marL="0" lvl="0" indent="0" algn="ctr" defTabSz="711200">
+          <a:pPr marL="0" lvl="0" indent="0" algn="ctr" defTabSz="755650">
             <a:lnSpc>
               <a:spcPct val="90000"/>
             </a:lnSpc>
@@ -3311,21 +3310,21 @@
             <a:buNone/>
           </a:pPr>
           <a:r>
-            <a:rPr lang="de-DE" sz="1600" kern="1200" dirty="0"/>
+            <a:rPr lang="de-DE" sz="1700" kern="1200" dirty="0"/>
             <a:t>Sprints</a:t>
           </a:r>
           <a:br>
-            <a:rPr lang="de-DE" sz="1600" kern="1200" dirty="0"/>
+            <a:rPr lang="de-DE" sz="1700" kern="1200" dirty="0"/>
           </a:br>
           <a:r>
-            <a:rPr lang="de-DE" sz="1600" kern="1200" dirty="0"/>
+            <a:rPr lang="de-DE" sz="1700" kern="1200" dirty="0"/>
             <a:t>erstellt</a:t>
           </a:r>
         </a:p>
       </dsp:txBody>
       <dsp:txXfrm>
-        <a:off x="3266248" y="646571"/>
-        <a:ext cx="1415319" cy="730389"/>
+        <a:off x="3554834" y="718964"/>
+        <a:ext cx="1527976" cy="812166"/>
       </dsp:txXfrm>
     </dsp:sp>
   </dsp:spTree>
@@ -3347,8 +3346,8 @@
       </dsp:nvSpPr>
       <dsp:spPr>
         <a:xfrm>
-          <a:off x="354091" y="0"/>
-          <a:ext cx="4013040" cy="2023533"/>
+          <a:off x="387769" y="0"/>
+          <a:ext cx="4394721" cy="2250095"/>
         </a:xfrm>
         <a:prstGeom prst="rightArrow">
           <a:avLst/>
@@ -3387,8 +3386,8 @@
       </dsp:nvSpPr>
       <dsp:spPr>
         <a:xfrm>
-          <a:off x="5071" y="607059"/>
-          <a:ext cx="1519643" cy="809413"/>
+          <a:off x="5553" y="675028"/>
+          <a:ext cx="1664177" cy="900038"/>
         </a:xfrm>
         <a:prstGeom prst="roundRect">
           <a:avLst/>
@@ -3420,12 +3419,12 @@
         </a:fontRef>
       </dsp:style>
       <dsp:txBody>
-        <a:bodyPr spcFirstLastPara="0" vert="horz" wrap="square" lIns="57150" tIns="57150" rIns="57150" bIns="57150" numCol="1" spcCol="1270" anchor="ctr" anchorCtr="0">
+        <a:bodyPr spcFirstLastPara="0" vert="horz" wrap="square" lIns="64770" tIns="64770" rIns="64770" bIns="64770" numCol="1" spcCol="1270" anchor="ctr" anchorCtr="0">
           <a:noAutofit/>
         </a:bodyPr>
         <a:lstStyle/>
         <a:p>
-          <a:pPr marL="0" lvl="0" indent="0" algn="ctr" defTabSz="666750">
+          <a:pPr marL="0" lvl="0" indent="0" algn="ctr" defTabSz="755650">
             <a:lnSpc>
               <a:spcPct val="90000"/>
             </a:lnSpc>
@@ -3438,25 +3437,25 @@
             <a:buNone/>
           </a:pPr>
           <a:r>
-            <a:rPr lang="de-DE" sz="1500" kern="1200" dirty="0"/>
+            <a:rPr lang="de-DE" sz="1700" kern="1200" dirty="0"/>
             <a:t>Value u. </a:t>
           </a:r>
           <a:r>
-            <a:rPr lang="de-DE" sz="1500" kern="1200" dirty="0" err="1"/>
+            <a:rPr lang="de-DE" sz="1700" kern="1200" dirty="0" err="1"/>
             <a:t>Effort</a:t>
           </a:r>
           <a:br>
-            <a:rPr lang="de-DE" sz="1500" kern="1200" dirty="0"/>
+            <a:rPr lang="de-DE" sz="1700" kern="1200" dirty="0"/>
           </a:br>
           <a:r>
-            <a:rPr lang="de-DE" sz="1500" kern="1200" dirty="0"/>
+            <a:rPr lang="de-DE" sz="1700" kern="1200" dirty="0"/>
             <a:t>für US geschätzt</a:t>
           </a:r>
         </a:p>
       </dsp:txBody>
       <dsp:txXfrm>
-        <a:off x="44583" y="646571"/>
-        <a:ext cx="1440619" cy="730389"/>
+        <a:off x="49489" y="718964"/>
+        <a:ext cx="1576305" cy="812166"/>
       </dsp:txXfrm>
     </dsp:sp>
     <dsp:sp modelId="{9E22A8F1-3039-49CC-AA17-DD186515803C}">
@@ -3466,8 +3465,8 @@
       </dsp:nvSpPr>
       <dsp:spPr>
         <a:xfrm>
-          <a:off x="1600790" y="607059"/>
-          <a:ext cx="1519643" cy="809413"/>
+          <a:off x="1753041" y="675028"/>
+          <a:ext cx="1664177" cy="900038"/>
         </a:xfrm>
         <a:prstGeom prst="roundRect">
           <a:avLst/>
@@ -3499,12 +3498,12 @@
         </a:fontRef>
       </dsp:style>
       <dsp:txBody>
-        <a:bodyPr spcFirstLastPara="0" vert="horz" wrap="square" lIns="57150" tIns="57150" rIns="57150" bIns="57150" numCol="1" spcCol="1270" anchor="ctr" anchorCtr="0">
+        <a:bodyPr spcFirstLastPara="0" vert="horz" wrap="square" lIns="64770" tIns="64770" rIns="64770" bIns="64770" numCol="1" spcCol="1270" anchor="ctr" anchorCtr="0">
           <a:noAutofit/>
         </a:bodyPr>
         <a:lstStyle/>
         <a:p>
-          <a:pPr marL="0" lvl="0" indent="0" algn="ctr" defTabSz="666750">
+          <a:pPr marL="0" lvl="0" indent="0" algn="ctr" defTabSz="755650">
             <a:lnSpc>
               <a:spcPct val="90000"/>
             </a:lnSpc>
@@ -3517,14 +3516,14 @@
             <a:buNone/>
           </a:pPr>
           <a:r>
-            <a:rPr lang="de-DE" sz="1500" kern="1200" dirty="0"/>
+            <a:rPr lang="de-DE" sz="1700" kern="1200" dirty="0"/>
             <a:t>US in Sprints eingeteilt</a:t>
           </a:r>
         </a:p>
       </dsp:txBody>
       <dsp:txXfrm>
-        <a:off x="1640302" y="646571"/>
-        <a:ext cx="1440619" cy="730389"/>
+        <a:off x="1796977" y="718964"/>
+        <a:ext cx="1576305" cy="812166"/>
       </dsp:txXfrm>
     </dsp:sp>
     <dsp:sp modelId="{545B435F-E782-4D0E-AA74-29E426377518}">
@@ -3534,8 +3533,8 @@
       </dsp:nvSpPr>
       <dsp:spPr>
         <a:xfrm>
-          <a:off x="3196508" y="607059"/>
-          <a:ext cx="1519643" cy="809413"/>
+          <a:off x="3500528" y="675028"/>
+          <a:ext cx="1664177" cy="900038"/>
         </a:xfrm>
         <a:prstGeom prst="roundRect">
           <a:avLst/>
@@ -3567,12 +3566,12 @@
         </a:fontRef>
       </dsp:style>
       <dsp:txBody>
-        <a:bodyPr spcFirstLastPara="0" vert="horz" wrap="square" lIns="57150" tIns="57150" rIns="57150" bIns="57150" numCol="1" spcCol="1270" anchor="ctr" anchorCtr="0">
+        <a:bodyPr spcFirstLastPara="0" vert="horz" wrap="square" lIns="64770" tIns="64770" rIns="64770" bIns="64770" numCol="1" spcCol="1270" anchor="ctr" anchorCtr="0">
           <a:noAutofit/>
         </a:bodyPr>
         <a:lstStyle/>
         <a:p>
-          <a:pPr marL="0" lvl="0" indent="0" algn="ctr" defTabSz="666750">
+          <a:pPr marL="0" lvl="0" indent="0" algn="ctr" defTabSz="755650">
             <a:lnSpc>
               <a:spcPct val="90000"/>
             </a:lnSpc>
@@ -3585,14 +3584,14 @@
             <a:buNone/>
           </a:pPr>
           <a:r>
-            <a:rPr lang="de-DE" sz="1500" kern="1200" dirty="0"/>
+            <a:rPr lang="de-DE" sz="1700" kern="1200" dirty="0"/>
             <a:t>Tasks in US erstellt</a:t>
           </a:r>
         </a:p>
       </dsp:txBody>
       <dsp:txXfrm>
-        <a:off x="3236020" y="646571"/>
-        <a:ext cx="1440619" cy="730389"/>
+        <a:off x="3544464" y="718964"/>
+        <a:ext cx="1576305" cy="812166"/>
       </dsp:txXfrm>
     </dsp:sp>
   </dsp:spTree>
@@ -11450,183 +11449,6 @@
       </p:sp>
       <p:sp>
         <p:nvSpPr>
-          <p:cNvPr id="18" name="Rechteck 17"/>
-          <p:cNvSpPr/>
-          <p:nvPr/>
-        </p:nvSpPr>
-        <p:spPr>
-          <a:xfrm>
-            <a:off x="6096590" y="1556350"/>
-            <a:ext cx="1714268" cy="1099867"/>
-          </a:xfrm>
-          <a:prstGeom prst="rect">
-            <a:avLst/>
-          </a:prstGeom>
-          <a:solidFill>
-            <a:srgbClr val="7030A0"/>
-          </a:solidFill>
-          <a:ln>
-            <a:solidFill>
-              <a:schemeClr val="tx1"/>
-            </a:solidFill>
-          </a:ln>
-        </p:spPr>
-        <p:txBody>
-          <a:bodyPr vert="horz" lIns="91440" tIns="72000" rIns="91440" bIns="45720" rtlCol="0" anchor="ctr">
-            <a:normAutofit/>
-          </a:bodyPr>
-          <a:lstStyle/>
-          <a:p>
-            <a:pPr algn="ctr">
-              <a:lnSpc>
-                <a:spcPct val="90000"/>
-              </a:lnSpc>
-              <a:spcBef>
-                <a:spcPct val="0"/>
-              </a:spcBef>
-            </a:pPr>
-            <a:r>
-              <a:rPr lang="de-DE" sz="2400" dirty="0">
-                <a:solidFill>
-                  <a:schemeClr val="bg1"/>
-                </a:solidFill>
-                <a:latin typeface="Arial" panose="020B0604020202020204" pitchFamily="34" charset="0"/>
-                <a:ea typeface="+mj-ea"/>
-                <a:cs typeface="Arial" panose="020B0604020202020204" pitchFamily="34" charset="0"/>
-              </a:rPr>
-              <a:t>Sprint</a:t>
-            </a:r>
-            <a:endParaRPr lang="de-DE" sz="3200" dirty="0">
-              <a:solidFill>
-                <a:schemeClr val="bg1"/>
-              </a:solidFill>
-              <a:latin typeface="Arial" panose="020B0604020202020204" pitchFamily="34" charset="0"/>
-              <a:ea typeface="+mj-ea"/>
-              <a:cs typeface="Arial" panose="020B0604020202020204" pitchFamily="34" charset="0"/>
-            </a:endParaRPr>
-          </a:p>
-        </p:txBody>
-      </p:sp>
-      <p:sp>
-        <p:nvSpPr>
-          <p:cNvPr id="19" name="Rechteck 18"/>
-          <p:cNvSpPr/>
-          <p:nvPr/>
-        </p:nvSpPr>
-        <p:spPr>
-          <a:xfrm>
-            <a:off x="6090049" y="3016665"/>
-            <a:ext cx="1720808" cy="1102408"/>
-          </a:xfrm>
-          <a:prstGeom prst="rect">
-            <a:avLst/>
-          </a:prstGeom>
-          <a:solidFill>
-            <a:srgbClr val="7030A0"/>
-          </a:solidFill>
-          <a:ln>
-            <a:solidFill>
-              <a:schemeClr val="tx1"/>
-            </a:solidFill>
-          </a:ln>
-        </p:spPr>
-        <p:txBody>
-          <a:bodyPr vert="horz" lIns="91440" tIns="72000" rIns="91440" bIns="45720" rtlCol="0" anchor="ctr">
-            <a:normAutofit/>
-          </a:bodyPr>
-          <a:lstStyle/>
-          <a:p>
-            <a:pPr algn="ctr">
-              <a:lnSpc>
-                <a:spcPct val="90000"/>
-              </a:lnSpc>
-              <a:spcBef>
-                <a:spcPct val="0"/>
-              </a:spcBef>
-            </a:pPr>
-            <a:r>
-              <a:rPr lang="de-DE" sz="2400" dirty="0" err="1">
-                <a:solidFill>
-                  <a:schemeClr val="bg1"/>
-                </a:solidFill>
-                <a:latin typeface="Arial" panose="020B0604020202020204" pitchFamily="34" charset="0"/>
-                <a:ea typeface="+mj-ea"/>
-                <a:cs typeface="Arial" panose="020B0604020202020204" pitchFamily="34" charset="0"/>
-              </a:rPr>
-              <a:t>UserStory</a:t>
-            </a:r>
-            <a:endParaRPr lang="de-DE" sz="3200" dirty="0">
-              <a:solidFill>
-                <a:schemeClr val="bg1"/>
-              </a:solidFill>
-              <a:latin typeface="Arial" panose="020B0604020202020204" pitchFamily="34" charset="0"/>
-              <a:ea typeface="+mj-ea"/>
-              <a:cs typeface="Arial" panose="020B0604020202020204" pitchFamily="34" charset="0"/>
-            </a:endParaRPr>
-          </a:p>
-        </p:txBody>
-      </p:sp>
-      <p:sp>
-        <p:nvSpPr>
-          <p:cNvPr id="20" name="Rechteck 19"/>
-          <p:cNvSpPr/>
-          <p:nvPr/>
-        </p:nvSpPr>
-        <p:spPr>
-          <a:xfrm>
-            <a:off x="6096590" y="4505943"/>
-            <a:ext cx="1714268" cy="1202613"/>
-          </a:xfrm>
-          <a:prstGeom prst="rect">
-            <a:avLst/>
-          </a:prstGeom>
-          <a:solidFill>
-            <a:srgbClr val="7030A0"/>
-          </a:solidFill>
-          <a:ln>
-            <a:solidFill>
-              <a:schemeClr val="tx1"/>
-            </a:solidFill>
-          </a:ln>
-        </p:spPr>
-        <p:txBody>
-          <a:bodyPr vert="horz" lIns="91440" tIns="72000" rIns="91440" bIns="45720" rtlCol="0" anchor="ctr">
-            <a:normAutofit/>
-          </a:bodyPr>
-          <a:lstStyle/>
-          <a:p>
-            <a:pPr algn="ctr">
-              <a:lnSpc>
-                <a:spcPct val="90000"/>
-              </a:lnSpc>
-              <a:spcBef>
-                <a:spcPct val="0"/>
-              </a:spcBef>
-            </a:pPr>
-            <a:r>
-              <a:rPr lang="de-DE" sz="2400" dirty="0">
-                <a:solidFill>
-                  <a:schemeClr val="bg1"/>
-                </a:solidFill>
-                <a:latin typeface="Arial" panose="020B0604020202020204" pitchFamily="34" charset="0"/>
-                <a:ea typeface="+mj-ea"/>
-                <a:cs typeface="Arial" panose="020B0604020202020204" pitchFamily="34" charset="0"/>
-              </a:rPr>
-              <a:t>Task</a:t>
-            </a:r>
-            <a:endParaRPr lang="de-DE" sz="3200" dirty="0">
-              <a:solidFill>
-                <a:schemeClr val="bg1"/>
-              </a:solidFill>
-              <a:latin typeface="Arial" panose="020B0604020202020204" pitchFamily="34" charset="0"/>
-              <a:ea typeface="+mj-ea"/>
-              <a:cs typeface="Arial" panose="020B0604020202020204" pitchFamily="34" charset="0"/>
-            </a:endParaRPr>
-          </a:p>
-        </p:txBody>
-      </p:sp>
-      <p:sp>
-        <p:nvSpPr>
           <p:cNvPr id="21" name="Rechteck 20"/>
           <p:cNvSpPr/>
           <p:nvPr/>
@@ -11918,130 +11740,6 @@
       </p:cxnSp>
       <p:cxnSp>
         <p:nvCxnSpPr>
-          <p:cNvPr id="51" name="Gerader Verbinder 50"/>
-          <p:cNvCxnSpPr>
-            <a:stCxn id="18" idx="2"/>
-            <a:endCxn id="19" idx="0"/>
-          </p:cNvCxnSpPr>
-          <p:nvPr/>
-        </p:nvCxnSpPr>
-        <p:spPr>
-          <a:xfrm flipH="1">
-            <a:off x="6950453" y="2656217"/>
-            <a:ext cx="3271" cy="360448"/>
-          </a:xfrm>
-          <a:prstGeom prst="line">
-            <a:avLst/>
-          </a:prstGeom>
-          <a:ln w="38100">
-            <a:solidFill>
-              <a:schemeClr val="tx1"/>
-            </a:solidFill>
-          </a:ln>
-        </p:spPr>
-        <p:style>
-          <a:lnRef idx="1">
-            <a:schemeClr val="accent1"/>
-          </a:lnRef>
-          <a:fillRef idx="0">
-            <a:schemeClr val="accent1"/>
-          </a:fillRef>
-          <a:effectRef idx="0">
-            <a:schemeClr val="accent1"/>
-          </a:effectRef>
-          <a:fontRef idx="minor">
-            <a:schemeClr val="tx1"/>
-          </a:fontRef>
-        </p:style>
-      </p:cxnSp>
-      <p:cxnSp>
-        <p:nvCxnSpPr>
-          <p:cNvPr id="54" name="Gerader Verbinder 53"/>
-          <p:cNvCxnSpPr>
-            <a:stCxn id="19" idx="2"/>
-            <a:endCxn id="20" idx="0"/>
-          </p:cNvCxnSpPr>
-          <p:nvPr/>
-        </p:nvCxnSpPr>
-        <p:spPr>
-          <a:xfrm>
-            <a:off x="6950453" y="4119073"/>
-            <a:ext cx="3271" cy="386870"/>
-          </a:xfrm>
-          <a:prstGeom prst="line">
-            <a:avLst/>
-          </a:prstGeom>
-          <a:ln w="38100">
-            <a:solidFill>
-              <a:schemeClr val="tx1"/>
-            </a:solidFill>
-          </a:ln>
-        </p:spPr>
-        <p:style>
-          <a:lnRef idx="1">
-            <a:schemeClr val="accent1"/>
-          </a:lnRef>
-          <a:fillRef idx="0">
-            <a:schemeClr val="accent1"/>
-          </a:fillRef>
-          <a:effectRef idx="0">
-            <a:schemeClr val="accent1"/>
-          </a:effectRef>
-          <a:fontRef idx="minor">
-            <a:schemeClr val="tx1"/>
-          </a:fontRef>
-        </p:style>
-      </p:cxnSp>
-      <p:sp>
-        <p:nvSpPr>
-          <p:cNvPr id="57" name="Raute 56"/>
-          <p:cNvSpPr/>
-          <p:nvPr/>
-        </p:nvSpPr>
-        <p:spPr>
-          <a:xfrm>
-            <a:off x="6879567" y="4272083"/>
-            <a:ext cx="142294" cy="215984"/>
-          </a:xfrm>
-          <a:prstGeom prst="diamond">
-            <a:avLst/>
-          </a:prstGeom>
-          <a:solidFill>
-            <a:schemeClr val="bg1"/>
-          </a:solidFill>
-          <a:ln w="38100">
-            <a:solidFill>
-              <a:schemeClr val="tx1"/>
-            </a:solidFill>
-          </a:ln>
-        </p:spPr>
-        <p:style>
-          <a:lnRef idx="2">
-            <a:schemeClr val="accent1">
-              <a:shade val="50000"/>
-            </a:schemeClr>
-          </a:lnRef>
-          <a:fillRef idx="1">
-            <a:schemeClr val="accent1"/>
-          </a:fillRef>
-          <a:effectRef idx="0">
-            <a:schemeClr val="accent1"/>
-          </a:effectRef>
-          <a:fontRef idx="minor">
-            <a:schemeClr val="lt1"/>
-          </a:fontRef>
-        </p:style>
-        <p:txBody>
-          <a:bodyPr rtlCol="0" anchor="ctr"/>
-          <a:lstStyle/>
-          <a:p>
-            <a:pPr algn="ctr"/>
-            <a:endParaRPr lang="de-DE"/>
-          </a:p>
-        </p:txBody>
-      </p:sp>
-      <p:cxnSp>
-        <p:nvCxnSpPr>
           <p:cNvPr id="60" name="Gerade Verbindung mit Pfeil 59"/>
           <p:cNvCxnSpPr>
             <a:endCxn id="21" idx="3"/>
@@ -12116,614 +11814,6 @@
           </a:fontRef>
         </p:style>
       </p:cxnSp>
-      <p:sp>
-        <p:nvSpPr>
-          <p:cNvPr id="68" name="Rechteck 67"/>
-          <p:cNvSpPr/>
-          <p:nvPr/>
-        </p:nvSpPr>
-        <p:spPr>
-          <a:xfrm>
-            <a:off x="8267225" y="3016665"/>
-            <a:ext cx="1579782" cy="1102408"/>
-          </a:xfrm>
-          <a:prstGeom prst="rect">
-            <a:avLst/>
-          </a:prstGeom>
-          <a:solidFill>
-            <a:srgbClr val="7030A0"/>
-          </a:solidFill>
-          <a:ln>
-            <a:solidFill>
-              <a:schemeClr val="tx1"/>
-            </a:solidFill>
-          </a:ln>
-        </p:spPr>
-        <p:txBody>
-          <a:bodyPr vert="horz" lIns="91440" tIns="72000" rIns="91440" bIns="45720" rtlCol="0" anchor="ctr">
-            <a:normAutofit/>
-          </a:bodyPr>
-          <a:lstStyle/>
-          <a:p>
-            <a:pPr algn="ctr">
-              <a:lnSpc>
-                <a:spcPct val="90000"/>
-              </a:lnSpc>
-              <a:spcBef>
-                <a:spcPct val="0"/>
-              </a:spcBef>
-            </a:pPr>
-            <a:r>
-              <a:rPr lang="de-DE" sz="1600" dirty="0">
-                <a:solidFill>
-                  <a:schemeClr val="bg1"/>
-                </a:solidFill>
-                <a:latin typeface="Arial" panose="020B0604020202020204" pitchFamily="34" charset="0"/>
-                <a:cs typeface="Arial" panose="020B0604020202020204" pitchFamily="34" charset="0"/>
-              </a:rPr>
-              <a:t>&lt;&lt;</a:t>
-            </a:r>
-            <a:r>
-              <a:rPr lang="de-DE" sz="1600" dirty="0" err="1">
-                <a:solidFill>
-                  <a:schemeClr val="bg1"/>
-                </a:solidFill>
-                <a:latin typeface="Arial" panose="020B0604020202020204" pitchFamily="34" charset="0"/>
-                <a:cs typeface="Arial" panose="020B0604020202020204" pitchFamily="34" charset="0"/>
-              </a:rPr>
-              <a:t>abstract</a:t>
-            </a:r>
-            <a:r>
-              <a:rPr lang="de-DE" sz="1600" dirty="0">
-                <a:solidFill>
-                  <a:schemeClr val="bg1"/>
-                </a:solidFill>
-                <a:latin typeface="Arial" panose="020B0604020202020204" pitchFamily="34" charset="0"/>
-                <a:cs typeface="Arial" panose="020B0604020202020204" pitchFamily="34" charset="0"/>
-              </a:rPr>
-              <a:t>&gt;&gt;</a:t>
-            </a:r>
-            <a:endParaRPr lang="de-DE" sz="1600" dirty="0">
-              <a:solidFill>
-                <a:schemeClr val="bg1"/>
-              </a:solidFill>
-              <a:latin typeface="Arial" panose="020B0604020202020204" pitchFamily="34" charset="0"/>
-              <a:ea typeface="+mj-ea"/>
-              <a:cs typeface="Arial" panose="020B0604020202020204" pitchFamily="34" charset="0"/>
-            </a:endParaRPr>
-          </a:p>
-          <a:p>
-            <a:pPr algn="ctr">
-              <a:lnSpc>
-                <a:spcPct val="90000"/>
-              </a:lnSpc>
-              <a:spcBef>
-                <a:spcPct val="0"/>
-              </a:spcBef>
-            </a:pPr>
-            <a:r>
-              <a:rPr lang="de-DE" dirty="0" err="1">
-                <a:solidFill>
-                  <a:schemeClr val="bg1"/>
-                </a:solidFill>
-                <a:latin typeface="Arial" panose="020B0604020202020204" pitchFamily="34" charset="0"/>
-                <a:ea typeface="+mj-ea"/>
-                <a:cs typeface="Arial" panose="020B0604020202020204" pitchFamily="34" charset="0"/>
-              </a:rPr>
-              <a:t>PlanElement</a:t>
-            </a:r>
-            <a:endParaRPr lang="de-DE" sz="3200" dirty="0">
-              <a:solidFill>
-                <a:schemeClr val="bg1"/>
-              </a:solidFill>
-              <a:latin typeface="Arial" panose="020B0604020202020204" pitchFamily="34" charset="0"/>
-              <a:ea typeface="+mj-ea"/>
-              <a:cs typeface="Arial" panose="020B0604020202020204" pitchFamily="34" charset="0"/>
-            </a:endParaRPr>
-          </a:p>
-        </p:txBody>
-      </p:sp>
-      <p:cxnSp>
-        <p:nvCxnSpPr>
-          <p:cNvPr id="74" name="Gerade Verbindung mit Pfeil 73"/>
-          <p:cNvCxnSpPr/>
-          <p:nvPr/>
-        </p:nvCxnSpPr>
-        <p:spPr>
-          <a:xfrm>
-            <a:off x="7813391" y="3426864"/>
-            <a:ext cx="456367" cy="0"/>
-          </a:xfrm>
-          <a:prstGeom prst="straightConnector1">
-            <a:avLst/>
-          </a:prstGeom>
-          <a:ln w="38100">
-            <a:solidFill>
-              <a:schemeClr val="tx1"/>
-            </a:solidFill>
-            <a:headEnd type="none" w="med" len="med"/>
-            <a:tailEnd type="triangle" w="med" len="med"/>
-          </a:ln>
-        </p:spPr>
-        <p:style>
-          <a:lnRef idx="1">
-            <a:schemeClr val="accent1"/>
-          </a:lnRef>
-          <a:fillRef idx="0">
-            <a:schemeClr val="accent1"/>
-          </a:fillRef>
-          <a:effectRef idx="0">
-            <a:schemeClr val="accent1"/>
-          </a:effectRef>
-          <a:fontRef idx="minor">
-            <a:schemeClr val="tx1"/>
-          </a:fontRef>
-        </p:style>
-      </p:cxnSp>
-      <p:sp>
-        <p:nvSpPr>
-          <p:cNvPr id="97" name="Rechteck 96"/>
-          <p:cNvSpPr/>
-          <p:nvPr/>
-        </p:nvSpPr>
-        <p:spPr>
-          <a:xfrm>
-            <a:off x="8262118" y="5007458"/>
-            <a:ext cx="1584890" cy="702624"/>
-          </a:xfrm>
-          <a:prstGeom prst="rect">
-            <a:avLst/>
-          </a:prstGeom>
-          <a:solidFill>
-            <a:srgbClr val="7030A0"/>
-          </a:solidFill>
-          <a:ln>
-            <a:solidFill>
-              <a:schemeClr val="tx1"/>
-            </a:solidFill>
-          </a:ln>
-        </p:spPr>
-        <p:txBody>
-          <a:bodyPr vert="horz" lIns="91440" tIns="72000" rIns="91440" bIns="45720" rtlCol="0" anchor="ctr">
-            <a:normAutofit fontScale="92500"/>
-          </a:bodyPr>
-          <a:lstStyle/>
-          <a:p>
-            <a:pPr algn="ctr">
-              <a:lnSpc>
-                <a:spcPct val="90000"/>
-              </a:lnSpc>
-              <a:spcBef>
-                <a:spcPct val="0"/>
-              </a:spcBef>
-            </a:pPr>
-            <a:r>
-              <a:rPr lang="de-DE" sz="1500" dirty="0">
-                <a:solidFill>
-                  <a:schemeClr val="bg1"/>
-                </a:solidFill>
-                <a:latin typeface="Arial" panose="020B0604020202020204" pitchFamily="34" charset="0"/>
-                <a:ea typeface="+mj-ea"/>
-                <a:cs typeface="Arial" panose="020B0604020202020204" pitchFamily="34" charset="0"/>
-              </a:rPr>
-              <a:t>&lt;&lt;</a:t>
-            </a:r>
-            <a:r>
-              <a:rPr lang="de-DE" sz="1500" dirty="0" err="1">
-                <a:solidFill>
-                  <a:schemeClr val="bg1"/>
-                </a:solidFill>
-                <a:latin typeface="Arial" panose="020B0604020202020204" pitchFamily="34" charset="0"/>
-                <a:ea typeface="+mj-ea"/>
-                <a:cs typeface="Arial" panose="020B0604020202020204" pitchFamily="34" charset="0"/>
-              </a:rPr>
-              <a:t>enumeration</a:t>
-            </a:r>
-            <a:r>
-              <a:rPr lang="de-DE" sz="1500" dirty="0">
-                <a:solidFill>
-                  <a:schemeClr val="bg1"/>
-                </a:solidFill>
-                <a:latin typeface="Arial" panose="020B0604020202020204" pitchFamily="34" charset="0"/>
-                <a:ea typeface="+mj-ea"/>
-                <a:cs typeface="Arial" panose="020B0604020202020204" pitchFamily="34" charset="0"/>
-              </a:rPr>
-              <a:t>&gt;&gt;</a:t>
-            </a:r>
-          </a:p>
-          <a:p>
-            <a:pPr algn="ctr">
-              <a:lnSpc>
-                <a:spcPct val="90000"/>
-              </a:lnSpc>
-              <a:spcBef>
-                <a:spcPct val="0"/>
-              </a:spcBef>
-            </a:pPr>
-            <a:r>
-              <a:rPr lang="de-DE" sz="2400" dirty="0" err="1">
-                <a:solidFill>
-                  <a:schemeClr val="bg1"/>
-                </a:solidFill>
-                <a:latin typeface="Arial" panose="020B0604020202020204" pitchFamily="34" charset="0"/>
-                <a:ea typeface="+mj-ea"/>
-                <a:cs typeface="Arial" panose="020B0604020202020204" pitchFamily="34" charset="0"/>
-              </a:rPr>
-              <a:t>PlanState</a:t>
-            </a:r>
-            <a:endParaRPr lang="de-DE" sz="3200" dirty="0">
-              <a:solidFill>
-                <a:schemeClr val="bg1"/>
-              </a:solidFill>
-              <a:latin typeface="Arial" panose="020B0604020202020204" pitchFamily="34" charset="0"/>
-              <a:ea typeface="+mj-ea"/>
-              <a:cs typeface="Arial" panose="020B0604020202020204" pitchFamily="34" charset="0"/>
-            </a:endParaRPr>
-          </a:p>
-        </p:txBody>
-      </p:sp>
-      <p:cxnSp>
-        <p:nvCxnSpPr>
-          <p:cNvPr id="109" name="Gerade Verbindung mit Pfeil 108"/>
-          <p:cNvCxnSpPr>
-            <a:stCxn id="68" idx="2"/>
-            <a:endCxn id="97" idx="0"/>
-          </p:cNvCxnSpPr>
-          <p:nvPr/>
-        </p:nvCxnSpPr>
-        <p:spPr>
-          <a:xfrm flipH="1">
-            <a:off x="9054563" y="4119073"/>
-            <a:ext cx="2553" cy="888385"/>
-          </a:xfrm>
-          <a:prstGeom prst="straightConnector1">
-            <a:avLst/>
-          </a:prstGeom>
-          <a:ln w="38100">
-            <a:solidFill>
-              <a:schemeClr val="tx1"/>
-            </a:solidFill>
-            <a:headEnd type="none" w="med" len="med"/>
-            <a:tailEnd type="arrow" w="med" len="med"/>
-          </a:ln>
-        </p:spPr>
-        <p:style>
-          <a:lnRef idx="1">
-            <a:schemeClr val="accent1"/>
-          </a:lnRef>
-          <a:fillRef idx="0">
-            <a:schemeClr val="accent1"/>
-          </a:fillRef>
-          <a:effectRef idx="0">
-            <a:schemeClr val="accent1"/>
-          </a:effectRef>
-          <a:fontRef idx="minor">
-            <a:schemeClr val="tx1"/>
-          </a:fontRef>
-        </p:style>
-      </p:cxnSp>
-      <p:sp>
-        <p:nvSpPr>
-          <p:cNvPr id="112" name="Rechteck 111"/>
-          <p:cNvSpPr/>
-          <p:nvPr/>
-        </p:nvSpPr>
-        <p:spPr>
-          <a:xfrm>
-            <a:off x="10096752" y="1552333"/>
-            <a:ext cx="1238524" cy="702624"/>
-          </a:xfrm>
-          <a:prstGeom prst="rect">
-            <a:avLst/>
-          </a:prstGeom>
-          <a:solidFill>
-            <a:srgbClr val="7030A0"/>
-          </a:solidFill>
-          <a:ln>
-            <a:solidFill>
-              <a:schemeClr val="tx1"/>
-            </a:solidFill>
-          </a:ln>
-        </p:spPr>
-        <p:txBody>
-          <a:bodyPr vert="horz" lIns="91440" tIns="72000" rIns="91440" bIns="45720" rtlCol="0" anchor="ctr">
-            <a:normAutofit/>
-          </a:bodyPr>
-          <a:lstStyle/>
-          <a:p>
-            <a:pPr algn="ctr">
-              <a:lnSpc>
-                <a:spcPct val="90000"/>
-              </a:lnSpc>
-              <a:spcBef>
-                <a:spcPct val="0"/>
-              </a:spcBef>
-            </a:pPr>
-            <a:r>
-              <a:rPr lang="de-DE" sz="1000" dirty="0">
-                <a:solidFill>
-                  <a:schemeClr val="bg1"/>
-                </a:solidFill>
-                <a:latin typeface="Arial" panose="020B0604020202020204" pitchFamily="34" charset="0"/>
-                <a:ea typeface="+mj-ea"/>
-                <a:cs typeface="Arial" panose="020B0604020202020204" pitchFamily="34" charset="0"/>
-              </a:rPr>
-              <a:t>&lt;&lt;</a:t>
-            </a:r>
-            <a:r>
-              <a:rPr lang="de-DE" sz="1000" dirty="0" err="1">
-                <a:solidFill>
-                  <a:schemeClr val="bg1"/>
-                </a:solidFill>
-                <a:latin typeface="Arial" panose="020B0604020202020204" pitchFamily="34" charset="0"/>
-                <a:ea typeface="+mj-ea"/>
-                <a:cs typeface="Arial" panose="020B0604020202020204" pitchFamily="34" charset="0"/>
-              </a:rPr>
-              <a:t>enumeration</a:t>
-            </a:r>
-            <a:r>
-              <a:rPr lang="de-DE" sz="1000" dirty="0">
-                <a:solidFill>
-                  <a:schemeClr val="bg1"/>
-                </a:solidFill>
-                <a:latin typeface="Arial" panose="020B0604020202020204" pitchFamily="34" charset="0"/>
-                <a:ea typeface="+mj-ea"/>
-                <a:cs typeface="Arial" panose="020B0604020202020204" pitchFamily="34" charset="0"/>
-              </a:rPr>
-              <a:t>&gt;&gt;</a:t>
-            </a:r>
-          </a:p>
-          <a:p>
-            <a:pPr algn="ctr">
-              <a:lnSpc>
-                <a:spcPct val="90000"/>
-              </a:lnSpc>
-              <a:spcBef>
-                <a:spcPct val="0"/>
-              </a:spcBef>
-            </a:pPr>
-            <a:r>
-              <a:rPr lang="de-DE" sz="1200" dirty="0" err="1">
-                <a:solidFill>
-                  <a:schemeClr val="bg1"/>
-                </a:solidFill>
-                <a:latin typeface="Arial" panose="020B0604020202020204" pitchFamily="34" charset="0"/>
-                <a:ea typeface="+mj-ea"/>
-                <a:cs typeface="Arial" panose="020B0604020202020204" pitchFamily="34" charset="0"/>
-              </a:rPr>
-              <a:t>ChangeEvent</a:t>
-            </a:r>
-            <a:endParaRPr lang="de-DE" sz="2000" dirty="0">
-              <a:solidFill>
-                <a:schemeClr val="bg1"/>
-              </a:solidFill>
-              <a:latin typeface="Arial" panose="020B0604020202020204" pitchFamily="34" charset="0"/>
-              <a:ea typeface="+mj-ea"/>
-              <a:cs typeface="Arial" panose="020B0604020202020204" pitchFamily="34" charset="0"/>
-            </a:endParaRPr>
-          </a:p>
-        </p:txBody>
-      </p:sp>
-      <p:cxnSp>
-        <p:nvCxnSpPr>
-          <p:cNvPr id="113" name="Gerade Verbindung mit Pfeil 76"/>
-          <p:cNvCxnSpPr>
-            <a:stCxn id="20" idx="3"/>
-            <a:endCxn id="68" idx="1"/>
-          </p:cNvCxnSpPr>
-          <p:nvPr/>
-        </p:nvCxnSpPr>
-        <p:spPr>
-          <a:xfrm flipV="1">
-            <a:off x="7810858" y="3567869"/>
-            <a:ext cx="456367" cy="1539381"/>
-          </a:xfrm>
-          <a:prstGeom prst="bentConnector3">
-            <a:avLst>
-              <a:gd name="adj1" fmla="val 50000"/>
-            </a:avLst>
-          </a:prstGeom>
-          <a:ln w="38100">
-            <a:solidFill>
-              <a:schemeClr val="tx1"/>
-            </a:solidFill>
-            <a:headEnd type="none" w="med" len="med"/>
-            <a:tailEnd type="triangle" w="med" len="med"/>
-          </a:ln>
-        </p:spPr>
-        <p:style>
-          <a:lnRef idx="1">
-            <a:schemeClr val="accent1"/>
-          </a:lnRef>
-          <a:fillRef idx="0">
-            <a:schemeClr val="accent1"/>
-          </a:fillRef>
-          <a:effectRef idx="0">
-            <a:schemeClr val="accent1"/>
-          </a:effectRef>
-          <a:fontRef idx="minor">
-            <a:schemeClr val="tx1"/>
-          </a:fontRef>
-        </p:style>
-      </p:cxnSp>
-      <p:cxnSp>
-        <p:nvCxnSpPr>
-          <p:cNvPr id="116" name="Gerade Verbindung mit Pfeil 76"/>
-          <p:cNvCxnSpPr/>
-          <p:nvPr/>
-        </p:nvCxnSpPr>
-        <p:spPr>
-          <a:xfrm>
-            <a:off x="7817399" y="1746479"/>
-            <a:ext cx="456366" cy="1539381"/>
-          </a:xfrm>
-          <a:prstGeom prst="bentConnector3">
-            <a:avLst>
-              <a:gd name="adj1" fmla="val 50000"/>
-            </a:avLst>
-          </a:prstGeom>
-          <a:ln w="38100">
-            <a:solidFill>
-              <a:schemeClr val="tx1"/>
-            </a:solidFill>
-            <a:headEnd type="none" w="med" len="med"/>
-            <a:tailEnd type="triangle" w="med" len="med"/>
-          </a:ln>
-        </p:spPr>
-        <p:style>
-          <a:lnRef idx="1">
-            <a:schemeClr val="accent1"/>
-          </a:lnRef>
-          <a:fillRef idx="0">
-            <a:schemeClr val="accent1"/>
-          </a:fillRef>
-          <a:effectRef idx="0">
-            <a:schemeClr val="accent1"/>
-          </a:effectRef>
-          <a:fontRef idx="minor">
-            <a:schemeClr val="tx1"/>
-          </a:fontRef>
-        </p:style>
-      </p:cxnSp>
-      <p:sp>
-        <p:nvSpPr>
-          <p:cNvPr id="117" name="Rechteck 116"/>
-          <p:cNvSpPr/>
-          <p:nvPr/>
-        </p:nvSpPr>
-        <p:spPr>
-          <a:xfrm>
-            <a:off x="10096752" y="3024575"/>
-            <a:ext cx="1238524" cy="1094498"/>
-          </a:xfrm>
-          <a:prstGeom prst="rect">
-            <a:avLst/>
-          </a:prstGeom>
-          <a:solidFill>
-            <a:srgbClr val="7030A0"/>
-          </a:solidFill>
-          <a:ln>
-            <a:solidFill>
-              <a:schemeClr val="tx1"/>
-            </a:solidFill>
-          </a:ln>
-        </p:spPr>
-        <p:txBody>
-          <a:bodyPr vert="horz" lIns="91440" tIns="72000" rIns="91440" bIns="45720" rtlCol="0" anchor="ctr">
-            <a:normAutofit/>
-          </a:bodyPr>
-          <a:lstStyle/>
-          <a:p>
-            <a:pPr algn="ctr">
-              <a:lnSpc>
-                <a:spcPct val="90000"/>
-              </a:lnSpc>
-              <a:spcBef>
-                <a:spcPct val="0"/>
-              </a:spcBef>
-            </a:pPr>
-            <a:r>
-              <a:rPr lang="de-DE" sz="1400" dirty="0" err="1">
-                <a:solidFill>
-                  <a:schemeClr val="bg1"/>
-                </a:solidFill>
-                <a:latin typeface="Arial" panose="020B0604020202020204" pitchFamily="34" charset="0"/>
-                <a:ea typeface="+mj-ea"/>
-                <a:cs typeface="Arial" panose="020B0604020202020204" pitchFamily="34" charset="0"/>
-              </a:rPr>
-              <a:t>HistoryEntry</a:t>
-            </a:r>
-            <a:endParaRPr lang="de-DE" sz="2800" dirty="0">
-              <a:solidFill>
-                <a:schemeClr val="bg1"/>
-              </a:solidFill>
-              <a:latin typeface="Arial" panose="020B0604020202020204" pitchFamily="34" charset="0"/>
-              <a:ea typeface="+mj-ea"/>
-              <a:cs typeface="Arial" panose="020B0604020202020204" pitchFamily="34" charset="0"/>
-            </a:endParaRPr>
-          </a:p>
-        </p:txBody>
-      </p:sp>
-      <p:cxnSp>
-        <p:nvCxnSpPr>
-          <p:cNvPr id="121" name="Gerade Verbindung mit Pfeil 120"/>
-          <p:cNvCxnSpPr>
-            <a:stCxn id="68" idx="3"/>
-            <a:endCxn id="117" idx="1"/>
-          </p:cNvCxnSpPr>
-          <p:nvPr/>
-        </p:nvCxnSpPr>
-        <p:spPr>
-          <a:xfrm>
-            <a:off x="9847007" y="3567869"/>
-            <a:ext cx="249745" cy="3955"/>
-          </a:xfrm>
-          <a:prstGeom prst="straightConnector1">
-            <a:avLst/>
-          </a:prstGeom>
-          <a:ln w="38100">
-            <a:solidFill>
-              <a:schemeClr val="tx1"/>
-            </a:solidFill>
-            <a:headEnd type="none" w="med" len="med"/>
-            <a:tailEnd type="arrow" w="med" len="med"/>
-          </a:ln>
-        </p:spPr>
-        <p:style>
-          <a:lnRef idx="1">
-            <a:schemeClr val="accent1"/>
-          </a:lnRef>
-          <a:fillRef idx="0">
-            <a:schemeClr val="accent1"/>
-          </a:fillRef>
-          <a:effectRef idx="0">
-            <a:schemeClr val="accent1"/>
-          </a:effectRef>
-          <a:fontRef idx="minor">
-            <a:schemeClr val="tx1"/>
-          </a:fontRef>
-        </p:style>
-      </p:cxnSp>
-      <p:cxnSp>
-        <p:nvCxnSpPr>
-          <p:cNvPr id="125" name="Gerade Verbindung mit Pfeil 124"/>
-          <p:cNvCxnSpPr>
-            <a:stCxn id="117" idx="0"/>
-            <a:endCxn id="112" idx="2"/>
-          </p:cNvCxnSpPr>
-          <p:nvPr/>
-        </p:nvCxnSpPr>
-        <p:spPr>
-          <a:xfrm flipV="1">
-            <a:off x="10716014" y="2254957"/>
-            <a:ext cx="0" cy="769618"/>
-          </a:xfrm>
-          <a:prstGeom prst="straightConnector1">
-            <a:avLst/>
-          </a:prstGeom>
-          <a:ln w="38100">
-            <a:solidFill>
-              <a:schemeClr val="tx1"/>
-            </a:solidFill>
-            <a:headEnd type="none" w="med" len="med"/>
-            <a:tailEnd type="arrow" w="med" len="med"/>
-          </a:ln>
-        </p:spPr>
-        <p:style>
-          <a:lnRef idx="1">
-            <a:schemeClr val="accent1"/>
-          </a:lnRef>
-          <a:fillRef idx="0">
-            <a:schemeClr val="accent1"/>
-          </a:fillRef>
-          <a:effectRef idx="0">
-            <a:schemeClr val="accent1"/>
-          </a:effectRef>
-          <a:fontRef idx="minor">
-            <a:schemeClr val="tx1"/>
-          </a:fontRef>
-        </p:style>
-      </p:cxnSp>
       <p:cxnSp>
         <p:nvCxnSpPr>
           <p:cNvPr id="139" name="Gerade Verbindung mit Pfeil 138"/>
@@ -12770,8 +11860,8 @@
         </p:nvSpPr>
         <p:spPr>
           <a:xfrm>
-            <a:off x="759854" y="1493426"/>
-            <a:ext cx="5330194" cy="4604059"/>
+            <a:off x="742949" y="1521268"/>
+            <a:ext cx="11210925" cy="4604059"/>
           </a:xfrm>
           <a:prstGeom prst="rect">
             <a:avLst/>
@@ -12812,22 +11902,20 @@
       </p:sp>
       <p:sp>
         <p:nvSpPr>
-          <p:cNvPr id="40" name="Rechteck 39"/>
+          <p:cNvPr id="43" name="Rechteck 42"/>
           <p:cNvSpPr/>
           <p:nvPr/>
         </p:nvSpPr>
         <p:spPr>
           <a:xfrm>
-            <a:off x="6090048" y="5816964"/>
-            <a:ext cx="5245228" cy="195806"/>
+            <a:off x="742950" y="1517779"/>
+            <a:ext cx="11210925" cy="4604059"/>
           </a:xfrm>
           <a:prstGeom prst="rect">
             <a:avLst/>
           </a:prstGeom>
           <a:solidFill>
-            <a:schemeClr val="bg1">
-              <a:alpha val="64000"/>
-            </a:schemeClr>
+            <a:schemeClr val="bg1"/>
           </a:solidFill>
           <a:ln>
             <a:noFill/>
@@ -12858,392 +11946,97 @@
           </a:p>
         </p:txBody>
       </p:sp>
-      <p:sp>
-        <p:nvSpPr>
-          <p:cNvPr id="41" name="Rechteck 40"/>
-          <p:cNvSpPr/>
-          <p:nvPr/>
-        </p:nvSpPr>
-        <p:spPr>
-          <a:xfrm>
-            <a:off x="10634345" y="4131951"/>
-            <a:ext cx="925929" cy="1685013"/>
-          </a:xfrm>
-          <a:prstGeom prst="rect">
-            <a:avLst/>
-          </a:prstGeom>
-          <a:solidFill>
-            <a:schemeClr val="bg1">
-              <a:alpha val="64000"/>
-            </a:schemeClr>
-          </a:solidFill>
-          <a:ln>
-            <a:noFill/>
-          </a:ln>
-        </p:spPr>
-        <p:style>
-          <a:lnRef idx="2">
-            <a:schemeClr val="accent1">
-              <a:shade val="50000"/>
-            </a:schemeClr>
-          </a:lnRef>
-          <a:fillRef idx="1">
-            <a:schemeClr val="accent1"/>
-          </a:fillRef>
-          <a:effectRef idx="0">
-            <a:schemeClr val="accent1"/>
-          </a:effectRef>
-          <a:fontRef idx="minor">
-            <a:schemeClr val="lt1"/>
-          </a:fontRef>
-        </p:style>
-        <p:txBody>
-          <a:bodyPr rtlCol="0" anchor="ctr"/>
-          <a:lstStyle/>
-          <a:p>
-            <a:pPr algn="ctr"/>
-            <a:endParaRPr lang="de-DE"/>
-          </a:p>
-        </p:txBody>
-      </p:sp>
-    </p:spTree>
-    <p:extLst>
-      <p:ext uri="{BB962C8B-B14F-4D97-AF65-F5344CB8AC3E}">
-        <p14:creationId xmlns:p14="http://schemas.microsoft.com/office/powerpoint/2010/main" val="1803963652"/>
-      </p:ext>
-    </p:extLst>
-  </p:cSld>
-  <p:clrMapOvr>
-    <a:masterClrMapping/>
-  </p:clrMapOvr>
-  <p:timing>
-    <p:tnLst>
-      <p:par>
-        <p:cTn id="1" dur="indefinite" restart="never" nodeType="tmRoot">
-          <p:childTnLst>
-            <p:seq concurrent="1" nextAc="seek">
-              <p:cTn id="2" dur="indefinite" nodeType="mainSeq">
-                <p:childTnLst>
-                  <p:par>
-                    <p:cTn id="3" fill="hold">
-                      <p:stCondLst>
-                        <p:cond delay="indefinite"/>
-                      </p:stCondLst>
-                      <p:childTnLst>
-                        <p:par>
-                          <p:cTn id="4" fill="hold">
-                            <p:stCondLst>
-                              <p:cond delay="0"/>
-                            </p:stCondLst>
-                            <p:childTnLst>
-                              <p:par>
-                                <p:cTn id="5" presetID="10" presetClass="entr" presetSubtype="0" fill="hold" grpId="0" nodeType="clickEffect">
-                                  <p:stCondLst>
-                                    <p:cond delay="0"/>
-                                  </p:stCondLst>
-                                  <p:childTnLst>
-                                    <p:set>
-                                      <p:cBhvr>
-                                        <p:cTn id="6" dur="1" fill="hold">
-                                          <p:stCondLst>
-                                            <p:cond delay="0"/>
-                                          </p:stCondLst>
-                                        </p:cTn>
-                                        <p:tgtEl>
-                                          <p:spTgt spid="2"/>
-                                        </p:tgtEl>
-                                        <p:attrNameLst>
-                                          <p:attrName>style.visibility</p:attrName>
-                                        </p:attrNameLst>
-                                      </p:cBhvr>
-                                      <p:to>
-                                        <p:strVal val="visible"/>
-                                      </p:to>
-                                    </p:set>
-                                    <p:animEffect transition="in" filter="fade">
-                                      <p:cBhvr>
-                                        <p:cTn id="7" dur="500"/>
-                                        <p:tgtEl>
-                                          <p:spTgt spid="2"/>
-                                        </p:tgtEl>
-                                      </p:cBhvr>
-                                    </p:animEffect>
-                                  </p:childTnLst>
-                                </p:cTn>
-                              </p:par>
-                              <p:par>
-                                <p:cTn id="8" presetID="10" presetClass="entr" presetSubtype="0" fill="hold" grpId="0" nodeType="withEffect">
-                                  <p:stCondLst>
-                                    <p:cond delay="0"/>
-                                  </p:stCondLst>
-                                  <p:childTnLst>
-                                    <p:set>
-                                      <p:cBhvr>
-                                        <p:cTn id="9" dur="1" fill="hold">
-                                          <p:stCondLst>
-                                            <p:cond delay="0"/>
-                                          </p:stCondLst>
-                                        </p:cTn>
-                                        <p:tgtEl>
-                                          <p:spTgt spid="40"/>
-                                        </p:tgtEl>
-                                        <p:attrNameLst>
-                                          <p:attrName>style.visibility</p:attrName>
-                                        </p:attrNameLst>
-                                      </p:cBhvr>
-                                      <p:to>
-                                        <p:strVal val="visible"/>
-                                      </p:to>
-                                    </p:set>
-                                    <p:animEffect transition="in" filter="fade">
-                                      <p:cBhvr>
-                                        <p:cTn id="10" dur="500"/>
-                                        <p:tgtEl>
-                                          <p:spTgt spid="40"/>
-                                        </p:tgtEl>
-                                      </p:cBhvr>
-                                    </p:animEffect>
-                                  </p:childTnLst>
-                                </p:cTn>
-                              </p:par>
-                              <p:par>
-                                <p:cTn id="11" presetID="10" presetClass="entr" presetSubtype="0" fill="hold" grpId="0" nodeType="withEffect">
-                                  <p:stCondLst>
-                                    <p:cond delay="0"/>
-                                  </p:stCondLst>
-                                  <p:childTnLst>
-                                    <p:set>
-                                      <p:cBhvr>
-                                        <p:cTn id="12" dur="1" fill="hold">
-                                          <p:stCondLst>
-                                            <p:cond delay="0"/>
-                                          </p:stCondLst>
-                                        </p:cTn>
-                                        <p:tgtEl>
-                                          <p:spTgt spid="41"/>
-                                        </p:tgtEl>
-                                        <p:attrNameLst>
-                                          <p:attrName>style.visibility</p:attrName>
-                                        </p:attrNameLst>
-                                      </p:cBhvr>
-                                      <p:to>
-                                        <p:strVal val="visible"/>
-                                      </p:to>
-                                    </p:set>
-                                    <p:animEffect transition="in" filter="fade">
-                                      <p:cBhvr>
-                                        <p:cTn id="13" dur="500"/>
-                                        <p:tgtEl>
-                                          <p:spTgt spid="41"/>
-                                        </p:tgtEl>
-                                      </p:cBhvr>
-                                    </p:animEffect>
-                                  </p:childTnLst>
-                                </p:cTn>
-                              </p:par>
-                            </p:childTnLst>
-                          </p:cTn>
-                        </p:par>
-                      </p:childTnLst>
-                    </p:cTn>
-                  </p:par>
-                </p:childTnLst>
-              </p:cTn>
-              <p:prevCondLst>
-                <p:cond evt="onPrev" delay="0">
-                  <p:tgtEl>
-                    <p:sldTgt/>
-                  </p:tgtEl>
-                </p:cond>
-              </p:prevCondLst>
-              <p:nextCondLst>
-                <p:cond evt="onNext" delay="0">
-                  <p:tgtEl>
-                    <p:sldTgt/>
-                  </p:tgtEl>
-                </p:cond>
-              </p:nextCondLst>
-            </p:seq>
-          </p:childTnLst>
-        </p:cTn>
-      </p:par>
-    </p:tnLst>
-    <p:bldLst>
-      <p:bldP spid="2" grpId="0" animBg="1"/>
-      <p:bldP spid="40" grpId="0" animBg="1"/>
-      <p:bldP spid="41" grpId="0" animBg="1"/>
-    </p:bldLst>
-  </p:timing>
-</p:sld>
-</file>
-
-<file path=ppt/slides/slide12.xml><?xml version="1.0" encoding="utf-8"?>
-<p:sld xmlns:a="http://schemas.openxmlformats.org/drawingml/2006/main" xmlns:r="http://schemas.openxmlformats.org/officeDocument/2006/relationships" xmlns:p="http://schemas.openxmlformats.org/presentationml/2006/main">
-  <p:cSld>
-    <p:spTree>
-      <p:nvGrpSpPr>
-        <p:cNvPr id="1" name=""/>
-        <p:cNvGrpSpPr/>
-        <p:nvPr/>
-      </p:nvGrpSpPr>
-      <p:grpSpPr>
-        <a:xfrm>
-          <a:off x="0" y="0"/>
-          <a:ext cx="0" cy="0"/>
-          <a:chOff x="0" y="0"/>
-          <a:chExt cx="0" cy="0"/>
-        </a:xfrm>
-      </p:grpSpPr>
-      <p:sp>
-        <p:nvSpPr>
-          <p:cNvPr id="7" name="Titel 6"/>
-          <p:cNvSpPr>
-            <a:spLocks noGrp="1"/>
-          </p:cNvSpPr>
-          <p:nvPr>
-            <p:ph type="title"/>
-          </p:nvPr>
-        </p:nvSpPr>
-        <p:spPr/>
-        <p:txBody>
-          <a:bodyPr/>
-          <a:lstStyle/>
-          <a:p>
-            <a:r>
-              <a:rPr lang="de-DE" dirty="0"/>
-              <a:t>Soll-Konzept</a:t>
-            </a:r>
-          </a:p>
-        </p:txBody>
-      </p:sp>
-      <p:sp>
-        <p:nvSpPr>
-          <p:cNvPr id="9" name="Inhaltsplatzhalter 8"/>
-          <p:cNvSpPr>
-            <a:spLocks noGrp="1"/>
-          </p:cNvSpPr>
-          <p:nvPr>
-            <p:ph sz="quarter" idx="12"/>
-          </p:nvPr>
-        </p:nvSpPr>
-        <p:spPr/>
-        <p:txBody>
-          <a:bodyPr/>
-          <a:lstStyle/>
-          <a:p>
-            <a:r>
-              <a:rPr lang="de-DE" dirty="0"/>
-              <a:t>Ist-Analyse</a:t>
-            </a:r>
-          </a:p>
-        </p:txBody>
-      </p:sp>
-      <p:sp>
-        <p:nvSpPr>
-          <p:cNvPr id="10" name="Inhaltsplatzhalter 9"/>
-          <p:cNvSpPr>
-            <a:spLocks noGrp="1"/>
-          </p:cNvSpPr>
-          <p:nvPr>
-            <p:ph sz="quarter" idx="13"/>
-          </p:nvPr>
-        </p:nvSpPr>
-        <p:spPr/>
-        <p:txBody>
-          <a:bodyPr>
-            <a:normAutofit/>
-          </a:bodyPr>
-          <a:lstStyle/>
-          <a:p>
-            <a:r>
-              <a:rPr lang="de-DE" dirty="0"/>
-              <a:t>Soll-Konzept</a:t>
-            </a:r>
-          </a:p>
-        </p:txBody>
-      </p:sp>
-      <p:sp>
-        <p:nvSpPr>
-          <p:cNvPr id="11" name="Inhaltsplatzhalter 10"/>
-          <p:cNvSpPr>
-            <a:spLocks noGrp="1"/>
-          </p:cNvSpPr>
-          <p:nvPr>
-            <p:ph sz="quarter" idx="14"/>
-          </p:nvPr>
-        </p:nvSpPr>
-        <p:spPr/>
-        <p:txBody>
-          <a:bodyPr>
-            <a:normAutofit/>
-          </a:bodyPr>
-          <a:lstStyle/>
-          <a:p>
-            <a:r>
-              <a:rPr lang="de-DE" dirty="0"/>
-              <a:t>Durchführung</a:t>
-            </a:r>
-          </a:p>
-        </p:txBody>
-      </p:sp>
-      <p:sp>
-        <p:nvSpPr>
-          <p:cNvPr id="12" name="Textplatzhalter 11"/>
-          <p:cNvSpPr>
-            <a:spLocks noGrp="1"/>
-          </p:cNvSpPr>
-          <p:nvPr>
-            <p:ph type="body" sz="quarter" idx="15"/>
-          </p:nvPr>
-        </p:nvSpPr>
-        <p:spPr/>
-        <p:txBody>
-          <a:bodyPr/>
-          <a:lstStyle/>
-          <a:p>
-            <a:r>
-              <a:rPr lang="de-DE" dirty="0"/>
-              <a:t>Datenmodell</a:t>
-            </a:r>
-          </a:p>
-        </p:txBody>
-      </p:sp>
-      <p:sp>
-        <p:nvSpPr>
-          <p:cNvPr id="13" name="Textplatzhalter 12"/>
-          <p:cNvSpPr>
-            <a:spLocks noGrp="1"/>
-          </p:cNvSpPr>
-          <p:nvPr>
-            <p:ph type="body" sz="quarter" idx="16"/>
-          </p:nvPr>
-        </p:nvSpPr>
-        <p:spPr/>
-        <p:txBody>
-          <a:bodyPr/>
-          <a:lstStyle/>
-          <a:p>
-            <a:r>
-              <a:rPr lang="de-DE" dirty="0"/>
-              <a:t>2 / 2</a:t>
-            </a:r>
-          </a:p>
-        </p:txBody>
-      </p:sp>
       <p:grpSp>
         <p:nvGrpSpPr>
-          <p:cNvPr id="2" name="Gruppieren 1"/>
+          <p:cNvPr id="6" name="Gruppieren 5"/>
           <p:cNvGrpSpPr/>
           <p:nvPr/>
         </p:nvGrpSpPr>
         <p:grpSpPr>
           <a:xfrm>
-            <a:off x="3473387" y="1552333"/>
+            <a:off x="6090049" y="1552333"/>
             <a:ext cx="5245227" cy="4157749"/>
             <a:chOff x="6090049" y="1552333"/>
             <a:chExt cx="5245227" cy="4157749"/>
           </a:xfrm>
         </p:grpSpPr>
+        <p:cxnSp>
+          <p:nvCxnSpPr>
+            <p:cNvPr id="54" name="Gerader Verbinder 53"/>
+            <p:cNvCxnSpPr>
+              <a:stCxn id="19" idx="2"/>
+              <a:endCxn id="20" idx="0"/>
+            </p:cNvCxnSpPr>
+            <p:nvPr/>
+          </p:nvCxnSpPr>
+          <p:spPr>
+            <a:xfrm>
+              <a:off x="6950453" y="4119073"/>
+              <a:ext cx="3271" cy="386870"/>
+            </a:xfrm>
+            <a:prstGeom prst="line">
+              <a:avLst/>
+            </a:prstGeom>
+            <a:ln w="38100">
+              <a:solidFill>
+                <a:schemeClr val="tx1"/>
+              </a:solidFill>
+            </a:ln>
+          </p:spPr>
+          <p:style>
+            <a:lnRef idx="1">
+              <a:schemeClr val="accent1"/>
+            </a:lnRef>
+            <a:fillRef idx="0">
+              <a:schemeClr val="accent1"/>
+            </a:fillRef>
+            <a:effectRef idx="0">
+              <a:schemeClr val="accent1"/>
+            </a:effectRef>
+            <a:fontRef idx="minor">
+              <a:schemeClr val="tx1"/>
+            </a:fontRef>
+          </p:style>
+        </p:cxnSp>
+        <p:cxnSp>
+          <p:nvCxnSpPr>
+            <p:cNvPr id="116" name="Gerade Verbindung mit Pfeil 76"/>
+            <p:cNvCxnSpPr/>
+            <p:nvPr/>
+          </p:nvCxnSpPr>
+          <p:spPr>
+            <a:xfrm>
+              <a:off x="7817399" y="1746479"/>
+              <a:ext cx="456366" cy="1539381"/>
+            </a:xfrm>
+            <a:prstGeom prst="bentConnector3">
+              <a:avLst>
+                <a:gd name="adj1" fmla="val 50000"/>
+              </a:avLst>
+            </a:prstGeom>
+            <a:ln w="38100">
+              <a:solidFill>
+                <a:schemeClr val="tx1"/>
+              </a:solidFill>
+              <a:headEnd type="none" w="med" len="med"/>
+              <a:tailEnd type="triangle" w="med" len="med"/>
+            </a:ln>
+          </p:spPr>
+          <p:style>
+            <a:lnRef idx="1">
+              <a:schemeClr val="accent1"/>
+            </a:lnRef>
+            <a:fillRef idx="0">
+              <a:schemeClr val="accent1"/>
+            </a:fillRef>
+            <a:effectRef idx="0">
+              <a:schemeClr val="accent1"/>
+            </a:effectRef>
+            <a:fontRef idx="minor">
+              <a:schemeClr val="tx1"/>
+            </a:fontRef>
+          </p:style>
+        </p:cxnSp>
         <p:sp>
           <p:nvSpPr>
             <p:cNvPr id="18" name="Rechteck 17"/>
@@ -13434,44 +12227,6 @@
             <a:xfrm flipH="1">
               <a:off x="6950453" y="2656217"/>
               <a:ext cx="3271" cy="360448"/>
-            </a:xfrm>
-            <a:prstGeom prst="line">
-              <a:avLst/>
-            </a:prstGeom>
-            <a:ln w="38100">
-              <a:solidFill>
-                <a:schemeClr val="tx1"/>
-              </a:solidFill>
-            </a:ln>
-          </p:spPr>
-          <p:style>
-            <a:lnRef idx="1">
-              <a:schemeClr val="accent1"/>
-            </a:lnRef>
-            <a:fillRef idx="0">
-              <a:schemeClr val="accent1"/>
-            </a:fillRef>
-            <a:effectRef idx="0">
-              <a:schemeClr val="accent1"/>
-            </a:effectRef>
-            <a:fontRef idx="minor">
-              <a:schemeClr val="tx1"/>
-            </a:fontRef>
-          </p:style>
-        </p:cxnSp>
-        <p:cxnSp>
-          <p:nvCxnSpPr>
-            <p:cNvPr id="54" name="Gerader Verbinder 53"/>
-            <p:cNvCxnSpPr>
-              <a:stCxn id="19" idx="2"/>
-              <a:endCxn id="20" idx="0"/>
-            </p:cNvCxnSpPr>
-            <p:nvPr/>
-          </p:nvCxnSpPr>
-          <p:spPr>
-            <a:xfrm>
-              <a:off x="6950453" y="4119073"/>
-              <a:ext cx="3271" cy="386870"/>
             </a:xfrm>
             <a:prstGeom prst="line">
               <a:avLst/>
@@ -13975,45 +12730,6 @@
             </a:fontRef>
           </p:style>
         </p:cxnSp>
-        <p:cxnSp>
-          <p:nvCxnSpPr>
-            <p:cNvPr id="116" name="Gerade Verbindung mit Pfeil 76"/>
-            <p:cNvCxnSpPr/>
-            <p:nvPr/>
-          </p:nvCxnSpPr>
-          <p:spPr>
-            <a:xfrm>
-              <a:off x="7817399" y="1746479"/>
-              <a:ext cx="456366" cy="1539381"/>
-            </a:xfrm>
-            <a:prstGeom prst="bentConnector3">
-              <a:avLst>
-                <a:gd name="adj1" fmla="val 50000"/>
-              </a:avLst>
-            </a:prstGeom>
-            <a:ln w="38100">
-              <a:solidFill>
-                <a:schemeClr val="tx1"/>
-              </a:solidFill>
-              <a:headEnd type="none" w="med" len="med"/>
-              <a:tailEnd type="triangle" w="med" len="med"/>
-            </a:ln>
-          </p:spPr>
-          <p:style>
-            <a:lnRef idx="1">
-              <a:schemeClr val="accent1"/>
-            </a:lnRef>
-            <a:fillRef idx="0">
-              <a:schemeClr val="accent1"/>
-            </a:fillRef>
-            <a:effectRef idx="0">
-              <a:schemeClr val="accent1"/>
-            </a:effectRef>
-            <a:fontRef idx="minor">
-              <a:schemeClr val="tx1"/>
-            </a:fontRef>
-          </p:style>
-        </p:cxnSp>
         <p:sp>
           <p:nvSpPr>
             <p:cNvPr id="117" name="Rechteck 116"/>
@@ -14157,17 +12873,170 @@
     </p:spTree>
     <p:extLst>
       <p:ext uri="{BB962C8B-B14F-4D97-AF65-F5344CB8AC3E}">
-        <p14:creationId xmlns:p14="http://schemas.microsoft.com/office/powerpoint/2010/main" val="1248741640"/>
+        <p14:creationId xmlns:p14="http://schemas.microsoft.com/office/powerpoint/2010/main" val="1803963652"/>
       </p:ext>
     </p:extLst>
   </p:cSld>
   <p:clrMapOvr>
     <a:masterClrMapping/>
   </p:clrMapOvr>
+  <p:timing>
+    <p:tnLst>
+      <p:par>
+        <p:cTn id="1" dur="indefinite" restart="never" nodeType="tmRoot">
+          <p:childTnLst>
+            <p:seq concurrent="1" nextAc="seek">
+              <p:cTn id="2" dur="indefinite" nodeType="mainSeq">
+                <p:childTnLst>
+                  <p:par>
+                    <p:cTn id="3" fill="hold">
+                      <p:stCondLst>
+                        <p:cond delay="indefinite"/>
+                      </p:stCondLst>
+                      <p:childTnLst>
+                        <p:par>
+                          <p:cTn id="4" fill="hold">
+                            <p:stCondLst>
+                              <p:cond delay="0"/>
+                            </p:stCondLst>
+                            <p:childTnLst>
+                              <p:par>
+                                <p:cTn id="5" presetID="10" presetClass="entr" presetSubtype="0" fill="hold" grpId="0" nodeType="clickEffect">
+                                  <p:stCondLst>
+                                    <p:cond delay="0"/>
+                                  </p:stCondLst>
+                                  <p:childTnLst>
+                                    <p:set>
+                                      <p:cBhvr>
+                                        <p:cTn id="6" dur="1" fill="hold">
+                                          <p:stCondLst>
+                                            <p:cond delay="0"/>
+                                          </p:stCondLst>
+                                        </p:cTn>
+                                        <p:tgtEl>
+                                          <p:spTgt spid="2"/>
+                                        </p:tgtEl>
+                                        <p:attrNameLst>
+                                          <p:attrName>style.visibility</p:attrName>
+                                        </p:attrNameLst>
+                                      </p:cBhvr>
+                                      <p:to>
+                                        <p:strVal val="visible"/>
+                                      </p:to>
+                                    </p:set>
+                                    <p:animEffect transition="in" filter="fade">
+                                      <p:cBhvr>
+                                        <p:cTn id="7" dur="500"/>
+                                        <p:tgtEl>
+                                          <p:spTgt spid="2"/>
+                                        </p:tgtEl>
+                                      </p:cBhvr>
+                                    </p:animEffect>
+                                  </p:childTnLst>
+                                </p:cTn>
+                              </p:par>
+                            </p:childTnLst>
+                          </p:cTn>
+                        </p:par>
+                        <p:par>
+                          <p:cTn id="8" fill="hold">
+                            <p:stCondLst>
+                              <p:cond delay="500"/>
+                            </p:stCondLst>
+                            <p:childTnLst>
+                              <p:par>
+                                <p:cTn id="9" presetID="10" presetClass="entr" presetSubtype="0" fill="hold" grpId="0" nodeType="afterEffect">
+                                  <p:stCondLst>
+                                    <p:cond delay="0"/>
+                                  </p:stCondLst>
+                                  <p:childTnLst>
+                                    <p:set>
+                                      <p:cBhvr>
+                                        <p:cTn id="10" dur="1" fill="hold">
+                                          <p:stCondLst>
+                                            <p:cond delay="0"/>
+                                          </p:stCondLst>
+                                        </p:cTn>
+                                        <p:tgtEl>
+                                          <p:spTgt spid="43"/>
+                                        </p:tgtEl>
+                                        <p:attrNameLst>
+                                          <p:attrName>style.visibility</p:attrName>
+                                        </p:attrNameLst>
+                                      </p:cBhvr>
+                                      <p:to>
+                                        <p:strVal val="visible"/>
+                                      </p:to>
+                                    </p:set>
+                                    <p:animEffect transition="in" filter="fade">
+                                      <p:cBhvr>
+                                        <p:cTn id="11" dur="500"/>
+                                        <p:tgtEl>
+                                          <p:spTgt spid="43"/>
+                                        </p:tgtEl>
+                                      </p:cBhvr>
+                                    </p:animEffect>
+                                  </p:childTnLst>
+                                </p:cTn>
+                              </p:par>
+                              <p:par>
+                                <p:cTn id="12" presetID="35" presetClass="path" presetSubtype="0" accel="25000" decel="25000" fill="hold" nodeType="withEffect">
+                                  <p:stCondLst>
+                                    <p:cond delay="0"/>
+                                  </p:stCondLst>
+                                  <p:childTnLst>
+                                    <p:animMotion origin="layout" path="M -3.33333E-6 1.85185E-6 L -0.21458 1.85185E-6 " pathEditMode="relative" rAng="0" ptsTypes="AA">
+                                      <p:cBhvr>
+                                        <p:cTn id="13" dur="1000" fill="hold"/>
+                                        <p:tgtEl>
+                                          <p:spTgt spid="6"/>
+                                        </p:tgtEl>
+                                        <p:attrNameLst>
+                                          <p:attrName>ppt_x</p:attrName>
+                                          <p:attrName>ppt_y</p:attrName>
+                                        </p:attrNameLst>
+                                      </p:cBhvr>
+                                      <p:rCtr x="-10729" y="0"/>
+                                    </p:animMotion>
+                                  </p:childTnLst>
+                                </p:cTn>
+                              </p:par>
+                            </p:childTnLst>
+                          </p:cTn>
+                        </p:par>
+                      </p:childTnLst>
+                    </p:cTn>
+                  </p:par>
+                </p:childTnLst>
+              </p:cTn>
+              <p:prevCondLst>
+                <p:cond evt="onPrev" delay="0">
+                  <p:tgtEl>
+                    <p:sldTgt/>
+                  </p:tgtEl>
+                </p:cond>
+              </p:prevCondLst>
+              <p:nextCondLst>
+                <p:cond evt="onNext" delay="0">
+                  <p:tgtEl>
+                    <p:sldTgt/>
+                  </p:tgtEl>
+                </p:cond>
+              </p:nextCondLst>
+            </p:seq>
+          </p:childTnLst>
+        </p:cTn>
+      </p:par>
+    </p:tnLst>
+    <p:bldLst>
+      <p:bldP spid="2" grpId="0" animBg="1"/>
+      <p:bldP spid="43" grpId="0" animBg="1"/>
+    </p:bldLst>
+  </p:timing>
 </p:sld>
 </file>
 
-<file path=ppt/slides/slide13.xml><?xml version="1.0" encoding="utf-8"?>
+<file path=ppt/slides/slide12.xml><?xml version="1.0" encoding="utf-8"?>
 <p:sld xmlns:a="http://schemas.openxmlformats.org/drawingml/2006/main" xmlns:r="http://schemas.openxmlformats.org/officeDocument/2006/relationships" xmlns:p="http://schemas.openxmlformats.org/presentationml/2006/main">
   <p:cSld>
     <p:spTree>
@@ -14533,7 +13402,7 @@
 </p:sld>
 </file>
 
-<file path=ppt/slides/slide14.xml><?xml version="1.0" encoding="utf-8"?>
+<file path=ppt/slides/slide13.xml><?xml version="1.0" encoding="utf-8"?>
 <p:sld xmlns:a="http://schemas.openxmlformats.org/drawingml/2006/main" xmlns:r="http://schemas.openxmlformats.org/officeDocument/2006/relationships" xmlns:p="http://schemas.openxmlformats.org/presentationml/2006/main">
   <p:cSld>
     <p:spTree>
@@ -14688,201 +13557,363 @@
           </a:p>
         </p:txBody>
       </p:sp>
+      <p:graphicFrame>
+        <p:nvGraphicFramePr>
+          <p:cNvPr id="8" name="Diagramm 7"/>
+          <p:cNvGraphicFramePr/>
+          <p:nvPr>
+            <p:extLst>
+              <p:ext uri="{D42A27DB-BD31-4B8C-83A1-F6EECF244321}">
+                <p14:modId xmlns:p14="http://schemas.microsoft.com/office/powerpoint/2010/main" val="1579732923"/>
+              </p:ext>
+            </p:extLst>
+          </p:nvPr>
+        </p:nvGraphicFramePr>
+        <p:xfrm>
+          <a:off x="899886" y="3429000"/>
+          <a:ext cx="5129439" cy="2250095"/>
+        </p:xfrm>
+        <a:graphic>
+          <a:graphicData uri="http://schemas.openxmlformats.org/drawingml/2006/diagram">
+            <dgm:relIds xmlns:dgm="http://schemas.openxmlformats.org/drawingml/2006/diagram" xmlns:r="http://schemas.openxmlformats.org/officeDocument/2006/relationships" r:dm="rId2" r:lo="rId3" r:qs="rId4" r:cs="rId5"/>
+          </a:graphicData>
+        </a:graphic>
+      </p:graphicFrame>
+      <p:graphicFrame>
+        <p:nvGraphicFramePr>
+          <p:cNvPr id="15" name="Diagramm 14"/>
+          <p:cNvGraphicFramePr/>
+          <p:nvPr>
+            <p:extLst>
+              <p:ext uri="{D42A27DB-BD31-4B8C-83A1-F6EECF244321}">
+                <p14:modId xmlns:p14="http://schemas.microsoft.com/office/powerpoint/2010/main" val="1878576510"/>
+              </p:ext>
+            </p:extLst>
+          </p:nvPr>
+        </p:nvGraphicFramePr>
+        <p:xfrm>
+          <a:off x="6165396" y="3429000"/>
+          <a:ext cx="5170260" cy="2250095"/>
+        </p:xfrm>
+        <a:graphic>
+          <a:graphicData uri="http://schemas.openxmlformats.org/drawingml/2006/diagram">
+            <dgm:relIds xmlns:dgm="http://schemas.openxmlformats.org/drawingml/2006/diagram" xmlns:r="http://schemas.openxmlformats.org/officeDocument/2006/relationships" r:dm="rId7" r:lo="rId8" r:qs="rId9" r:cs="rId10"/>
+          </a:graphicData>
+        </a:graphic>
+      </p:graphicFrame>
       <p:grpSp>
         <p:nvGrpSpPr>
-          <p:cNvPr id="6" name="Gruppieren 5"/>
+          <p:cNvPr id="22" name="Gruppieren 21"/>
           <p:cNvGrpSpPr/>
           <p:nvPr/>
         </p:nvGrpSpPr>
         <p:grpSpPr>
           <a:xfrm>
-            <a:off x="4469362" y="1962450"/>
-            <a:ext cx="3253277" cy="952498"/>
-            <a:chOff x="4276771" y="1962450"/>
-            <a:chExt cx="3253277" cy="952498"/>
+            <a:off x="2712995" y="1962450"/>
+            <a:ext cx="6766010" cy="954265"/>
+            <a:chOff x="4474741" y="1962450"/>
+            <a:chExt cx="6766010" cy="954265"/>
           </a:xfrm>
         </p:grpSpPr>
-        <p:sp>
-          <p:nvSpPr>
-            <p:cNvPr id="3" name="Rechteck 2"/>
-            <p:cNvSpPr/>
+        <p:grpSp>
+          <p:nvGrpSpPr>
+            <p:cNvPr id="6" name="Gruppieren 5"/>
+            <p:cNvGrpSpPr/>
             <p:nvPr/>
-          </p:nvSpPr>
-          <p:spPr>
+          </p:nvGrpSpPr>
+          <p:grpSpPr>
             <a:xfrm>
-              <a:off x="5136649" y="2133899"/>
-              <a:ext cx="2393399" cy="609599"/>
+              <a:off x="4474741" y="1962450"/>
+              <a:ext cx="3247898" cy="952498"/>
+              <a:chOff x="4282150" y="1962450"/>
+              <a:chExt cx="3247898" cy="952498"/>
             </a:xfrm>
-            <a:prstGeom prst="rect">
-              <a:avLst/>
-            </a:prstGeom>
-            <a:solidFill>
-              <a:srgbClr val="7030A0"/>
-            </a:solidFill>
-            <a:ln>
+          </p:grpSpPr>
+          <p:sp>
+            <p:nvSpPr>
+              <p:cNvPr id="3" name="Rechteck 2"/>
+              <p:cNvSpPr/>
+              <p:nvPr/>
+            </p:nvSpPr>
+            <p:spPr>
+              <a:xfrm>
+                <a:off x="5136649" y="2133899"/>
+                <a:ext cx="2393399" cy="609599"/>
+              </a:xfrm>
+              <a:prstGeom prst="rect">
+                <a:avLst/>
+              </a:prstGeom>
               <a:solidFill>
-                <a:schemeClr val="tx1"/>
+                <a:srgbClr val="7030A0"/>
               </a:solidFill>
-            </a:ln>
-          </p:spPr>
-          <p:style>
-            <a:lnRef idx="2">
-              <a:schemeClr val="accent1">
-                <a:shade val="50000"/>
-              </a:schemeClr>
-            </a:lnRef>
-            <a:fillRef idx="1">
-              <a:schemeClr val="accent1"/>
-            </a:fillRef>
-            <a:effectRef idx="0">
-              <a:schemeClr val="accent1"/>
-            </a:effectRef>
-            <a:fontRef idx="minor">
-              <a:schemeClr val="lt1"/>
-            </a:fontRef>
-          </p:style>
-          <p:txBody>
-            <a:bodyPr rtlCol="0" anchor="ctr"/>
-            <a:lstStyle/>
-            <a:p>
-              <a:pPr algn="ctr"/>
-              <a:r>
-                <a:rPr lang="de-DE" sz="3200" dirty="0" err="1"/>
-                <a:t>Scrumdesk</a:t>
-              </a:r>
-              <a:endParaRPr lang="de-DE" dirty="0"/>
-            </a:p>
-          </p:txBody>
-        </p:sp>
-        <p:sp>
-          <p:nvSpPr>
-            <p:cNvPr id="5" name="Ellipse 4"/>
-            <p:cNvSpPr/>
+              <a:ln>
+                <a:solidFill>
+                  <a:schemeClr val="tx1"/>
+                </a:solidFill>
+              </a:ln>
+            </p:spPr>
+            <p:style>
+              <a:lnRef idx="2">
+                <a:schemeClr val="accent1">
+                  <a:shade val="50000"/>
+                </a:schemeClr>
+              </a:lnRef>
+              <a:fillRef idx="1">
+                <a:schemeClr val="accent1"/>
+              </a:fillRef>
+              <a:effectRef idx="0">
+                <a:schemeClr val="accent1"/>
+              </a:effectRef>
+              <a:fontRef idx="minor">
+                <a:schemeClr val="lt1"/>
+              </a:fontRef>
+            </p:style>
+            <p:txBody>
+              <a:bodyPr rtlCol="0" anchor="ctr"/>
+              <a:lstStyle/>
+              <a:p>
+                <a:pPr algn="ctr"/>
+                <a:r>
+                  <a:rPr lang="de-DE" sz="3200" dirty="0" err="1"/>
+                  <a:t>Scrumdesk</a:t>
+                </a:r>
+                <a:endParaRPr lang="de-DE" dirty="0"/>
+              </a:p>
+            </p:txBody>
+          </p:sp>
+          <p:sp>
+            <p:nvSpPr>
+              <p:cNvPr id="5" name="Ellipse 4"/>
+              <p:cNvSpPr/>
+              <p:nvPr/>
+            </p:nvSpPr>
+            <p:spPr>
+              <a:xfrm>
+                <a:off x="4282150" y="1962450"/>
+                <a:ext cx="952498" cy="952498"/>
+              </a:xfrm>
+              <a:prstGeom prst="ellipse">
+                <a:avLst/>
+              </a:prstGeom>
+              <a:solidFill>
+                <a:srgbClr val="7030A0"/>
+              </a:solidFill>
+              <a:ln>
+                <a:solidFill>
+                  <a:schemeClr val="tx1"/>
+                </a:solidFill>
+              </a:ln>
+            </p:spPr>
+            <p:style>
+              <a:lnRef idx="2">
+                <a:schemeClr val="accent1">
+                  <a:shade val="50000"/>
+                </a:schemeClr>
+              </a:lnRef>
+              <a:fillRef idx="1">
+                <a:schemeClr val="accent1"/>
+              </a:fillRef>
+              <a:effectRef idx="0">
+                <a:schemeClr val="accent1"/>
+              </a:effectRef>
+              <a:fontRef idx="minor">
+                <a:schemeClr val="lt1"/>
+              </a:fontRef>
+            </p:style>
+            <p:txBody>
+              <a:bodyPr rtlCol="0" anchor="ctr"/>
+              <a:lstStyle/>
+              <a:p>
+                <a:pPr algn="ctr"/>
+                <a:endParaRPr lang="de-DE"/>
+              </a:p>
+            </p:txBody>
+          </p:sp>
+          <p:pic>
+            <p:nvPicPr>
+              <p:cNvPr id="2" name="Grafik 1"/>
+              <p:cNvPicPr>
+                <a:picLocks noChangeAspect="1"/>
+              </p:cNvPicPr>
+              <p:nvPr/>
+            </p:nvPicPr>
+            <p:blipFill>
+              <a:blip r:embed="rId12" cstate="print">
+                <a:extLst>
+                  <a:ext uri="{28A0092B-C50C-407E-A947-70E740481C1C}">
+                    <a14:useLocalDpi xmlns:a14="http://schemas.microsoft.com/office/drawing/2010/main" val="0"/>
+                  </a:ext>
+                </a:extLst>
+              </a:blip>
+              <a:stretch>
+                <a:fillRect/>
+              </a:stretch>
+            </p:blipFill>
+            <p:spPr>
+              <a:xfrm>
+                <a:off x="4380148" y="2060447"/>
+                <a:ext cx="756501" cy="756501"/>
+              </a:xfrm>
+              <a:prstGeom prst="rect">
+                <a:avLst/>
+              </a:prstGeom>
+            </p:spPr>
+          </p:pic>
+        </p:grpSp>
+        <p:grpSp>
+          <p:nvGrpSpPr>
+            <p:cNvPr id="21" name="Gruppieren 20"/>
+            <p:cNvGrpSpPr/>
             <p:nvPr/>
-          </p:nvSpPr>
-          <p:spPr>
+          </p:nvGrpSpPr>
+          <p:grpSpPr>
             <a:xfrm>
-              <a:off x="4276771" y="1962450"/>
-              <a:ext cx="952498" cy="952498"/>
+              <a:off x="7992852" y="1962450"/>
+              <a:ext cx="3247899" cy="954265"/>
+              <a:chOff x="6957255" y="1887453"/>
+              <a:chExt cx="3247899" cy="954265"/>
             </a:xfrm>
-            <a:prstGeom prst="ellipse">
-              <a:avLst/>
-            </a:prstGeom>
-            <a:solidFill>
-              <a:srgbClr val="7030A0"/>
-            </a:solidFill>
-            <a:ln>
+          </p:grpSpPr>
+          <p:sp>
+            <p:nvSpPr>
+              <p:cNvPr id="18" name="Rechteck 17"/>
+              <p:cNvSpPr/>
+              <p:nvPr/>
+            </p:nvSpPr>
+            <p:spPr>
+              <a:xfrm>
+                <a:off x="6957255" y="2060669"/>
+                <a:ext cx="2393399" cy="609599"/>
+              </a:xfrm>
+              <a:prstGeom prst="rect">
+                <a:avLst/>
+              </a:prstGeom>
               <a:solidFill>
-                <a:schemeClr val="tx1"/>
+                <a:srgbClr val="7030A0"/>
               </a:solidFill>
-            </a:ln>
-          </p:spPr>
-          <p:style>
-            <a:lnRef idx="2">
-              <a:schemeClr val="accent1">
-                <a:shade val="50000"/>
-              </a:schemeClr>
-            </a:lnRef>
-            <a:fillRef idx="1">
-              <a:schemeClr val="accent1"/>
-            </a:fillRef>
-            <a:effectRef idx="0">
-              <a:schemeClr val="accent1"/>
-            </a:effectRef>
-            <a:fontRef idx="minor">
-              <a:schemeClr val="lt1"/>
-            </a:fontRef>
-          </p:style>
-          <p:txBody>
-            <a:bodyPr rtlCol="0" anchor="ctr"/>
-            <a:lstStyle/>
-            <a:p>
-              <a:pPr algn="ctr"/>
-              <a:endParaRPr lang="de-DE"/>
-            </a:p>
-          </p:txBody>
-        </p:sp>
-        <p:pic>
-          <p:nvPicPr>
-            <p:cNvPr id="2" name="Grafik 1"/>
-            <p:cNvPicPr>
-              <a:picLocks noChangeAspect="1"/>
-            </p:cNvPicPr>
-            <p:nvPr/>
-          </p:nvPicPr>
-          <p:blipFill>
-            <a:blip r:embed="rId2" cstate="print">
-              <a:extLst>
-                <a:ext uri="{28A0092B-C50C-407E-A947-70E740481C1C}">
-                  <a14:useLocalDpi xmlns:a14="http://schemas.microsoft.com/office/drawing/2010/main" val="0"/>
-                </a:ext>
-              </a:extLst>
-            </a:blip>
-            <a:stretch>
-              <a:fillRect/>
-            </a:stretch>
-          </p:blipFill>
-          <p:spPr>
-            <a:xfrm>
-              <a:off x="4374769" y="2060447"/>
-              <a:ext cx="756501" cy="756501"/>
-            </a:xfrm>
-            <a:prstGeom prst="rect">
-              <a:avLst/>
-            </a:prstGeom>
-          </p:spPr>
-        </p:pic>
-      </p:grpSp>
-      <p:grpSp>
-        <p:nvGrpSpPr>
-          <p:cNvPr id="16" name="Gruppieren 15"/>
-          <p:cNvGrpSpPr/>
-          <p:nvPr/>
-        </p:nvGrpSpPr>
-        <p:grpSpPr>
-          <a:xfrm>
-            <a:off x="1254126" y="3356751"/>
-            <a:ext cx="9683749" cy="2023534"/>
-            <a:chOff x="2032001" y="3356751"/>
-            <a:chExt cx="9683749" cy="2023534"/>
-          </a:xfrm>
-        </p:grpSpPr>
-        <p:graphicFrame>
-          <p:nvGraphicFramePr>
-            <p:cNvPr id="8" name="Diagramm 7"/>
-            <p:cNvGraphicFramePr/>
-            <p:nvPr>
-              <p:extLst/>
-            </p:nvPr>
-          </p:nvGraphicFramePr>
-          <p:xfrm>
-            <a:off x="2032001" y="3356752"/>
-            <a:ext cx="4721224" cy="2023533"/>
-          </p:xfrm>
-          <a:graphic>
-            <a:graphicData uri="http://schemas.openxmlformats.org/drawingml/2006/diagram">
-              <dgm:relIds xmlns:dgm="http://schemas.openxmlformats.org/drawingml/2006/diagram" xmlns:r="http://schemas.openxmlformats.org/officeDocument/2006/relationships" r:dm="rId3" r:lo="rId4" r:qs="rId5" r:cs="rId6"/>
-            </a:graphicData>
-          </a:graphic>
-        </p:graphicFrame>
-        <p:graphicFrame>
-          <p:nvGraphicFramePr>
-            <p:cNvPr id="15" name="Diagramm 14"/>
-            <p:cNvGraphicFramePr/>
-            <p:nvPr>
-              <p:extLst/>
-            </p:nvPr>
-          </p:nvGraphicFramePr>
-          <p:xfrm>
-            <a:off x="6994526" y="3356751"/>
-            <a:ext cx="4721224" cy="2023533"/>
-          </p:xfrm>
-          <a:graphic>
-            <a:graphicData uri="http://schemas.openxmlformats.org/drawingml/2006/diagram">
-              <dgm:relIds xmlns:dgm="http://schemas.openxmlformats.org/drawingml/2006/diagram" xmlns:r="http://schemas.openxmlformats.org/officeDocument/2006/relationships" r:dm="rId8" r:lo="rId9" r:qs="rId10" r:cs="rId11"/>
-            </a:graphicData>
-          </a:graphic>
-        </p:graphicFrame>
+              <a:ln>
+                <a:solidFill>
+                  <a:schemeClr val="tx1"/>
+                </a:solidFill>
+              </a:ln>
+            </p:spPr>
+            <p:style>
+              <a:lnRef idx="2">
+                <a:schemeClr val="accent1">
+                  <a:shade val="50000"/>
+                </a:schemeClr>
+              </a:lnRef>
+              <a:fillRef idx="1">
+                <a:schemeClr val="accent1"/>
+              </a:fillRef>
+              <a:effectRef idx="0">
+                <a:schemeClr val="accent1"/>
+              </a:effectRef>
+              <a:fontRef idx="minor">
+                <a:schemeClr val="lt1"/>
+              </a:fontRef>
+            </p:style>
+            <p:txBody>
+              <a:bodyPr rtlCol="0" anchor="ctr"/>
+              <a:lstStyle/>
+              <a:p>
+                <a:pPr algn="ctr"/>
+                <a:r>
+                  <a:rPr lang="de-DE" sz="3200" dirty="0" err="1"/>
+                  <a:t>GitHub</a:t>
+                </a:r>
+                <a:endParaRPr lang="de-DE" dirty="0"/>
+              </a:p>
+            </p:txBody>
+          </p:sp>
+          <p:sp>
+            <p:nvSpPr>
+              <p:cNvPr id="19" name="Ellipse 18"/>
+              <p:cNvSpPr/>
+              <p:nvPr/>
+            </p:nvSpPr>
+            <p:spPr>
+              <a:xfrm>
+                <a:off x="9252656" y="1889220"/>
+                <a:ext cx="952498" cy="952498"/>
+              </a:xfrm>
+              <a:prstGeom prst="ellipse">
+                <a:avLst/>
+              </a:prstGeom>
+              <a:solidFill>
+                <a:srgbClr val="7030A0"/>
+              </a:solidFill>
+              <a:ln>
+                <a:solidFill>
+                  <a:schemeClr val="tx1"/>
+                </a:solidFill>
+              </a:ln>
+            </p:spPr>
+            <p:style>
+              <a:lnRef idx="2">
+                <a:schemeClr val="accent1">
+                  <a:shade val="50000"/>
+                </a:schemeClr>
+              </a:lnRef>
+              <a:fillRef idx="1">
+                <a:schemeClr val="accent1"/>
+              </a:fillRef>
+              <a:effectRef idx="0">
+                <a:schemeClr val="accent1"/>
+              </a:effectRef>
+              <a:fontRef idx="minor">
+                <a:schemeClr val="lt1"/>
+              </a:fontRef>
+            </p:style>
+            <p:txBody>
+              <a:bodyPr rtlCol="0" anchor="ctr"/>
+              <a:lstStyle/>
+              <a:p>
+                <a:pPr algn="ctr"/>
+                <a:endParaRPr lang="de-DE"/>
+              </a:p>
+            </p:txBody>
+          </p:sp>
+          <p:pic>
+            <p:nvPicPr>
+              <p:cNvPr id="4" name="Grafik 3"/>
+              <p:cNvPicPr>
+                <a:picLocks noChangeAspect="1"/>
+              </p:cNvPicPr>
+              <p:nvPr/>
+            </p:nvPicPr>
+            <p:blipFill>
+              <a:blip r:embed="rId13" cstate="print">
+                <a:extLst>
+                  <a:ext uri="{BEBA8EAE-BF5A-486C-A8C5-ECC9F3942E4B}">
+                    <a14:imgProps xmlns:a14="http://schemas.microsoft.com/office/drawing/2010/main">
+                      <a14:imgLayer r:embed="rId14">
+                        <a14:imgEffect>
+                          <a14:brightnessContrast bright="100000"/>
+                        </a14:imgEffect>
+                      </a14:imgLayer>
+                    </a14:imgProps>
+                  </a:ext>
+                  <a:ext uri="{28A0092B-C50C-407E-A947-70E740481C1C}">
+                    <a14:useLocalDpi xmlns:a14="http://schemas.microsoft.com/office/drawing/2010/main" val="0"/>
+                  </a:ext>
+                </a:extLst>
+              </a:blip>
+              <a:stretch>
+                <a:fillRect/>
+              </a:stretch>
+            </p:blipFill>
+            <p:spPr>
+              <a:xfrm>
+                <a:off x="9252655" y="1887453"/>
+                <a:ext cx="952498" cy="952498"/>
+              </a:xfrm>
+              <a:prstGeom prst="rect">
+                <a:avLst/>
+              </a:prstGeom>
+            </p:spPr>
+          </p:pic>
+        </p:grpSp>
       </p:grpSp>
     </p:spTree>
     <p:extLst>
@@ -14897,7 +13928,7 @@
 </p:sld>
 </file>
 
-<file path=ppt/slides/slide15.xml><?xml version="1.0" encoding="utf-8"?>
+<file path=ppt/slides/slide14.xml><?xml version="1.0" encoding="utf-8"?>
 <p:sld xmlns:a="http://schemas.openxmlformats.org/drawingml/2006/main" xmlns:r="http://schemas.openxmlformats.org/officeDocument/2006/relationships" xmlns:p="http://schemas.openxmlformats.org/presentationml/2006/main">
   <p:cSld>
     <p:spTree>
@@ -15285,7 +14316,7 @@
 </p:sld>
 </file>
 
-<file path=ppt/slides/slide16.xml><?xml version="1.0" encoding="utf-8"?>
+<file path=ppt/slides/slide15.xml><?xml version="1.0" encoding="utf-8"?>
 <p:sld xmlns:a="http://schemas.openxmlformats.org/drawingml/2006/main" xmlns:r="http://schemas.openxmlformats.org/officeDocument/2006/relationships" xmlns:p="http://schemas.openxmlformats.org/presentationml/2006/main">
   <p:cSld>
     <p:spTree>
@@ -15302,56 +14333,36 @@
           <a:chExt cx="0" cy="0"/>
         </a:xfrm>
       </p:grpSpPr>
-      <p:sp>
-        <p:nvSpPr>
-          <p:cNvPr id="10" name="Mond 9"/>
-          <p:cNvSpPr/>
+      <p:pic>
+        <p:nvPicPr>
+          <p:cNvPr id="17" name="Grafik 16"/>
+          <p:cNvPicPr>
+            <a:picLocks noChangeAspect="1"/>
+          </p:cNvPicPr>
           <p:nvPr/>
-        </p:nvSpPr>
+        </p:nvPicPr>
+        <p:blipFill>
+          <a:blip r:embed="rId2" cstate="print">
+            <a:extLst>
+              <a:ext uri="{28A0092B-C50C-407E-A947-70E740481C1C}">
+                <a14:useLocalDpi xmlns:a14="http://schemas.microsoft.com/office/drawing/2010/main" val="0"/>
+              </a:ext>
+            </a:extLst>
+          </a:blip>
+          <a:stretch>
+            <a:fillRect/>
+          </a:stretch>
+        </p:blipFill>
         <p:spPr>
-          <a:xfrm rot="16200000">
-            <a:off x="1656954" y="2176794"/>
-            <a:ext cx="1212950" cy="993727"/>
+          <a:xfrm rot="18900000">
+            <a:off x="1338265" y="2479172"/>
+            <a:ext cx="1260020" cy="2520040"/>
           </a:xfrm>
-          <a:prstGeom prst="moon">
-            <a:avLst>
-              <a:gd name="adj" fmla="val 26750"/>
-            </a:avLst>
+          <a:prstGeom prst="rect">
+            <a:avLst/>
           </a:prstGeom>
-          <a:solidFill>
-            <a:srgbClr val="FF0000"/>
-          </a:solidFill>
-          <a:ln>
-            <a:solidFill>
-              <a:schemeClr val="tx2"/>
-            </a:solidFill>
-          </a:ln>
         </p:spPr>
-        <p:style>
-          <a:lnRef idx="2">
-            <a:schemeClr val="accent1">
-              <a:shade val="50000"/>
-            </a:schemeClr>
-          </a:lnRef>
-          <a:fillRef idx="1">
-            <a:schemeClr val="accent1"/>
-          </a:fillRef>
-          <a:effectRef idx="0">
-            <a:schemeClr val="accent1"/>
-          </a:effectRef>
-          <a:fontRef idx="minor">
-            <a:schemeClr val="lt1"/>
-          </a:fontRef>
-        </p:style>
-        <p:txBody>
-          <a:bodyPr rtlCol="0" anchor="ctr"/>
-          <a:lstStyle/>
-          <a:p>
-            <a:pPr algn="ctr"/>
-            <a:endParaRPr lang="de-DE"/>
-          </a:p>
-        </p:txBody>
-      </p:sp>
+      </p:pic>
       <p:sp>
         <p:nvSpPr>
           <p:cNvPr id="2" name="Titel 1"/>
@@ -15374,34 +14385,6 @@
           </a:p>
         </p:txBody>
       </p:sp>
-      <p:pic>
-        <p:nvPicPr>
-          <p:cNvPr id="9" name="Inhaltsplatzhalter 8"/>
-          <p:cNvPicPr>
-            <a:picLocks noGrp="1" noChangeAspect="1"/>
-          </p:cNvPicPr>
-          <p:nvPr>
-            <p:ph idx="1"/>
-          </p:nvPr>
-        </p:nvPicPr>
-        <p:blipFill rotWithShape="1">
-          <a:blip r:embed="rId2">
-            <a:extLst>
-              <a:ext uri="{28A0092B-C50C-407E-A947-70E740481C1C}">
-                <a14:useLocalDpi xmlns:a14="http://schemas.microsoft.com/office/drawing/2010/main" val="0"/>
-              </a:ext>
-            </a:extLst>
-          </a:blip>
-          <a:srcRect t="5712"/>
-          <a:stretch/>
-        </p:blipFill>
-        <p:spPr>
-          <a:xfrm>
-            <a:off x="899885" y="2811566"/>
-            <a:ext cx="3108751" cy="2931208"/>
-          </a:xfrm>
-        </p:spPr>
-      </p:pic>
       <p:sp>
         <p:nvSpPr>
           <p:cNvPr id="4" name="Inhaltsplatzhalter 3"/>
@@ -15705,6 +14688,75 @@
           </a:p>
         </p:txBody>
       </p:sp>
+      <p:pic>
+        <p:nvPicPr>
+          <p:cNvPr id="14" name="Grafik 13"/>
+          <p:cNvPicPr>
+            <a:picLocks noChangeAspect="1"/>
+          </p:cNvPicPr>
+          <p:nvPr/>
+        </p:nvPicPr>
+        <p:blipFill>
+          <a:blip r:embed="rId3">
+            <a:extLst>
+              <a:ext uri="{28A0092B-C50C-407E-A947-70E740481C1C}">
+                <a14:useLocalDpi xmlns:a14="http://schemas.microsoft.com/office/drawing/2010/main" val="0"/>
+              </a:ext>
+            </a:extLst>
+          </a:blip>
+          <a:stretch>
+            <a:fillRect/>
+          </a:stretch>
+        </p:blipFill>
+        <p:spPr>
+          <a:xfrm>
+            <a:off x="1573093" y="2725803"/>
+            <a:ext cx="3076955" cy="3076955"/>
+          </a:xfrm>
+          <a:prstGeom prst="rect">
+            <a:avLst/>
+          </a:prstGeom>
+        </p:spPr>
+      </p:pic>
+      <p:pic>
+        <p:nvPicPr>
+          <p:cNvPr id="16" name="Grafik 15"/>
+          <p:cNvPicPr>
+            <a:picLocks noChangeAspect="1"/>
+          </p:cNvPicPr>
+          <p:nvPr/>
+        </p:nvPicPr>
+        <p:blipFill>
+          <a:blip r:embed="rId4" cstate="print">
+            <a:extLst>
+              <a:ext uri="{BEBA8EAE-BF5A-486C-A8C5-ECC9F3942E4B}">
+                <a14:imgProps xmlns:a14="http://schemas.microsoft.com/office/drawing/2010/main">
+                  <a14:imgLayer r:embed="rId5">
+                    <a14:imgEffect>
+                      <a14:backgroundRemoval t="43002" b="91062" l="0" r="100000"/>
+                    </a14:imgEffect>
+                  </a14:imgLayer>
+                </a14:imgProps>
+              </a:ext>
+              <a:ext uri="{28A0092B-C50C-407E-A947-70E740481C1C}">
+                <a14:useLocalDpi xmlns:a14="http://schemas.microsoft.com/office/drawing/2010/main" val="0"/>
+              </a:ext>
+            </a:extLst>
+          </a:blip>
+          <a:stretch>
+            <a:fillRect/>
+          </a:stretch>
+        </p:blipFill>
+        <p:spPr>
+          <a:xfrm>
+            <a:off x="1968275" y="1020172"/>
+            <a:ext cx="1896703" cy="2455775"/>
+          </a:xfrm>
+          <a:prstGeom prst="rect">
+            <a:avLst/>
+          </a:prstGeom>
+        </p:spPr>
+      </p:pic>
     </p:spTree>
     <p:extLst>
       <p:ext uri="{BB962C8B-B14F-4D97-AF65-F5344CB8AC3E}">
@@ -15718,7 +14770,7 @@
 </p:sld>
 </file>
 
-<file path=ppt/slides/slide17.xml><?xml version="1.0" encoding="utf-8"?>
+<file path=ppt/slides/slide16.xml><?xml version="1.0" encoding="utf-8"?>
 <p:sld xmlns:a="http://schemas.openxmlformats.org/drawingml/2006/main" xmlns:r="http://schemas.openxmlformats.org/officeDocument/2006/relationships" xmlns:p="http://schemas.openxmlformats.org/presentationml/2006/main">
   <p:cSld>
     <p:spTree>
@@ -15743,8 +14795,8 @@
         </p:nvSpPr>
         <p:spPr>
           <a:xfrm>
-            <a:off x="2774967" y="4555752"/>
-            <a:ext cx="1720121" cy="769534"/>
+            <a:off x="3257551" y="4105377"/>
+            <a:ext cx="752474" cy="769534"/>
           </a:xfrm>
           <a:prstGeom prst="rect">
             <a:avLst/>
@@ -15810,17 +14862,153 @@
       </p:pic>
       <p:sp>
         <p:nvSpPr>
-          <p:cNvPr id="17" name="Flussdiagramm: Manuelle Verarbeitung 16"/>
+          <p:cNvPr id="2" name="Titel 1"/>
+          <p:cNvSpPr>
+            <a:spLocks noGrp="1"/>
+          </p:cNvSpPr>
+          <p:nvPr>
+            <p:ph type="title"/>
+          </p:nvPr>
+        </p:nvSpPr>
+        <p:spPr/>
+        <p:txBody>
+          <a:bodyPr/>
+          <a:lstStyle/>
+          <a:p>
+            <a:r>
+              <a:rPr lang="de-DE" dirty="0"/>
+              <a:t>Durchführung</a:t>
+            </a:r>
+          </a:p>
+        </p:txBody>
+      </p:sp>
+      <p:sp>
+        <p:nvSpPr>
+          <p:cNvPr id="4" name="Inhaltsplatzhalter 3"/>
+          <p:cNvSpPr>
+            <a:spLocks noGrp="1"/>
+          </p:cNvSpPr>
+          <p:nvPr>
+            <p:ph sz="quarter" idx="12"/>
+          </p:nvPr>
+        </p:nvSpPr>
+        <p:spPr/>
+        <p:txBody>
+          <a:bodyPr/>
+          <a:lstStyle/>
+          <a:p>
+            <a:r>
+              <a:rPr lang="de-DE" dirty="0"/>
+              <a:t>Soll-Konzept</a:t>
+            </a:r>
+          </a:p>
+        </p:txBody>
+      </p:sp>
+      <p:sp>
+        <p:nvSpPr>
+          <p:cNvPr id="5" name="Inhaltsplatzhalter 4"/>
+          <p:cNvSpPr>
+            <a:spLocks noGrp="1"/>
+          </p:cNvSpPr>
+          <p:nvPr>
+            <p:ph sz="quarter" idx="13"/>
+          </p:nvPr>
+        </p:nvSpPr>
+        <p:spPr/>
+        <p:txBody>
+          <a:bodyPr>
+            <a:normAutofit/>
+          </a:bodyPr>
+          <a:lstStyle/>
+          <a:p>
+            <a:r>
+              <a:rPr lang="de-DE" dirty="0"/>
+              <a:t>Durchführung</a:t>
+            </a:r>
+          </a:p>
+        </p:txBody>
+      </p:sp>
+      <p:sp>
+        <p:nvSpPr>
+          <p:cNvPr id="6" name="Inhaltsplatzhalter 5"/>
+          <p:cNvSpPr>
+            <a:spLocks noGrp="1"/>
+          </p:cNvSpPr>
+          <p:nvPr>
+            <p:ph sz="quarter" idx="14"/>
+          </p:nvPr>
+        </p:nvSpPr>
+        <p:spPr/>
+        <p:txBody>
+          <a:bodyPr/>
+          <a:lstStyle/>
+          <a:p>
+            <a:r>
+              <a:rPr lang="de-DE" dirty="0"/>
+              <a:t>Fazit</a:t>
+            </a:r>
+          </a:p>
+        </p:txBody>
+      </p:sp>
+      <p:sp>
+        <p:nvSpPr>
+          <p:cNvPr id="7" name="Textplatzhalter 6"/>
+          <p:cNvSpPr>
+            <a:spLocks noGrp="1"/>
+          </p:cNvSpPr>
+          <p:nvPr>
+            <p:ph type="body" sz="quarter" idx="15"/>
+          </p:nvPr>
+        </p:nvSpPr>
+        <p:spPr/>
+        <p:txBody>
+          <a:bodyPr/>
+          <a:lstStyle/>
+          <a:p>
+            <a:r>
+              <a:rPr lang="de-DE" dirty="0"/>
+              <a:t>Architektur</a:t>
+            </a:r>
+          </a:p>
+        </p:txBody>
+      </p:sp>
+      <p:sp>
+        <p:nvSpPr>
+          <p:cNvPr id="8" name="Textplatzhalter 7"/>
+          <p:cNvSpPr>
+            <a:spLocks noGrp="1"/>
+          </p:cNvSpPr>
+          <p:nvPr>
+            <p:ph type="body" sz="quarter" idx="16"/>
+          </p:nvPr>
+        </p:nvSpPr>
+        <p:spPr/>
+        <p:txBody>
+          <a:bodyPr/>
+          <a:lstStyle/>
+          <a:p>
+            <a:r>
+              <a:rPr lang="de-DE" dirty="0"/>
+              <a:t>2 / 2</a:t>
+            </a:r>
+          </a:p>
+        </p:txBody>
+      </p:sp>
+      <p:sp>
+        <p:nvSpPr>
+          <p:cNvPr id="9" name="Trapezoid 8"/>
           <p:cNvSpPr/>
           <p:nvPr/>
         </p:nvSpPr>
         <p:spPr>
-          <a:xfrm>
-            <a:off x="2200541" y="2353281"/>
-            <a:ext cx="2854296" cy="2254019"/>
+          <a:xfrm flipV="1">
+            <a:off x="2380470" y="3028562"/>
+            <a:ext cx="2494437" cy="1165273"/>
           </a:xfrm>
-          <a:prstGeom prst="flowChartManualOperation">
-            <a:avLst/>
+          <a:prstGeom prst="trapezoid">
+            <a:avLst>
+              <a:gd name="adj" fmla="val 75278"/>
+            </a:avLst>
           </a:prstGeom>
           <a:ln>
             <a:noFill/>
@@ -15848,140 +15036,6 @@
           <a:p>
             <a:pPr algn="ctr"/>
             <a:endParaRPr lang="de-DE"/>
-          </a:p>
-        </p:txBody>
-      </p:sp>
-      <p:sp>
-        <p:nvSpPr>
-          <p:cNvPr id="2" name="Titel 1"/>
-          <p:cNvSpPr>
-            <a:spLocks noGrp="1"/>
-          </p:cNvSpPr>
-          <p:nvPr>
-            <p:ph type="title"/>
-          </p:nvPr>
-        </p:nvSpPr>
-        <p:spPr/>
-        <p:txBody>
-          <a:bodyPr/>
-          <a:lstStyle/>
-          <a:p>
-            <a:r>
-              <a:rPr lang="de-DE" dirty="0"/>
-              <a:t>Durchführung</a:t>
-            </a:r>
-          </a:p>
-        </p:txBody>
-      </p:sp>
-      <p:sp>
-        <p:nvSpPr>
-          <p:cNvPr id="4" name="Inhaltsplatzhalter 3"/>
-          <p:cNvSpPr>
-            <a:spLocks noGrp="1"/>
-          </p:cNvSpPr>
-          <p:nvPr>
-            <p:ph sz="quarter" idx="12"/>
-          </p:nvPr>
-        </p:nvSpPr>
-        <p:spPr/>
-        <p:txBody>
-          <a:bodyPr/>
-          <a:lstStyle/>
-          <a:p>
-            <a:r>
-              <a:rPr lang="de-DE" dirty="0"/>
-              <a:t>Soll-Konzept</a:t>
-            </a:r>
-          </a:p>
-        </p:txBody>
-      </p:sp>
-      <p:sp>
-        <p:nvSpPr>
-          <p:cNvPr id="5" name="Inhaltsplatzhalter 4"/>
-          <p:cNvSpPr>
-            <a:spLocks noGrp="1"/>
-          </p:cNvSpPr>
-          <p:nvPr>
-            <p:ph sz="quarter" idx="13"/>
-          </p:nvPr>
-        </p:nvSpPr>
-        <p:spPr/>
-        <p:txBody>
-          <a:bodyPr>
-            <a:normAutofit/>
-          </a:bodyPr>
-          <a:lstStyle/>
-          <a:p>
-            <a:r>
-              <a:rPr lang="de-DE" dirty="0"/>
-              <a:t>Durchführung</a:t>
-            </a:r>
-          </a:p>
-        </p:txBody>
-      </p:sp>
-      <p:sp>
-        <p:nvSpPr>
-          <p:cNvPr id="6" name="Inhaltsplatzhalter 5"/>
-          <p:cNvSpPr>
-            <a:spLocks noGrp="1"/>
-          </p:cNvSpPr>
-          <p:nvPr>
-            <p:ph sz="quarter" idx="14"/>
-          </p:nvPr>
-        </p:nvSpPr>
-        <p:spPr/>
-        <p:txBody>
-          <a:bodyPr/>
-          <a:lstStyle/>
-          <a:p>
-            <a:r>
-              <a:rPr lang="de-DE" dirty="0"/>
-              <a:t>Fazit</a:t>
-            </a:r>
-          </a:p>
-        </p:txBody>
-      </p:sp>
-      <p:sp>
-        <p:nvSpPr>
-          <p:cNvPr id="7" name="Textplatzhalter 6"/>
-          <p:cNvSpPr>
-            <a:spLocks noGrp="1"/>
-          </p:cNvSpPr>
-          <p:nvPr>
-            <p:ph type="body" sz="quarter" idx="15"/>
-          </p:nvPr>
-        </p:nvSpPr>
-        <p:spPr/>
-        <p:txBody>
-          <a:bodyPr/>
-          <a:lstStyle/>
-          <a:p>
-            <a:r>
-              <a:rPr lang="de-DE" dirty="0"/>
-              <a:t>Architektur</a:t>
-            </a:r>
-          </a:p>
-        </p:txBody>
-      </p:sp>
-      <p:sp>
-        <p:nvSpPr>
-          <p:cNvPr id="8" name="Textplatzhalter 7"/>
-          <p:cNvSpPr>
-            <a:spLocks noGrp="1"/>
-          </p:cNvSpPr>
-          <p:nvPr>
-            <p:ph type="body" sz="quarter" idx="16"/>
-          </p:nvPr>
-        </p:nvSpPr>
-        <p:spPr/>
-        <p:txBody>
-          <a:bodyPr/>
-          <a:lstStyle/>
-          <a:p>
-            <a:r>
-              <a:rPr lang="de-DE" dirty="0"/>
-              <a:t>2 / 2</a:t>
-            </a:r>
           </a:p>
         </p:txBody>
       </p:sp>
@@ -16094,7 +15148,7 @@
 </p:sld>
 </file>
 
-<file path=ppt/slides/slide18.xml><?xml version="1.0" encoding="utf-8"?>
+<file path=ppt/slides/slide17.xml><?xml version="1.0" encoding="utf-8"?>
 <p:sld xmlns:a="http://schemas.openxmlformats.org/drawingml/2006/main" xmlns:r="http://schemas.openxmlformats.org/officeDocument/2006/relationships" xmlns:p="http://schemas.openxmlformats.org/presentationml/2006/main">
   <p:cSld>
     <p:spTree>
@@ -16420,7 +15474,7 @@
 </p:sld>
 </file>
 
-<file path=ppt/slides/slide19.xml><?xml version="1.0" encoding="utf-8"?>
+<file path=ppt/slides/slide18.xml><?xml version="1.0" encoding="utf-8"?>
 <p:sld xmlns:a="http://schemas.openxmlformats.org/drawingml/2006/main" xmlns:r="http://schemas.openxmlformats.org/officeDocument/2006/relationships" xmlns:p="http://schemas.openxmlformats.org/presentationml/2006/main">
   <p:cSld>
     <p:spTree>
@@ -16915,197 +15969,7 @@
 </p:sld>
 </file>
 
-<file path=ppt/slides/slide2.xml><?xml version="1.0" encoding="utf-8"?>
-<p:sld xmlns:a="http://schemas.openxmlformats.org/drawingml/2006/main" xmlns:r="http://schemas.openxmlformats.org/officeDocument/2006/relationships" xmlns:p="http://schemas.openxmlformats.org/presentationml/2006/main">
-  <p:cSld>
-    <p:spTree>
-      <p:nvGrpSpPr>
-        <p:cNvPr id="1" name=""/>
-        <p:cNvGrpSpPr/>
-        <p:nvPr/>
-      </p:nvGrpSpPr>
-      <p:grpSpPr>
-        <a:xfrm>
-          <a:off x="0" y="0"/>
-          <a:ext cx="0" cy="0"/>
-          <a:chOff x="0" y="0"/>
-          <a:chExt cx="0" cy="0"/>
-        </a:xfrm>
-      </p:grpSpPr>
-      <p:sp>
-        <p:nvSpPr>
-          <p:cNvPr id="9" name="Titel 8"/>
-          <p:cNvSpPr>
-            <a:spLocks noGrp="1"/>
-          </p:cNvSpPr>
-          <p:nvPr>
-            <p:ph type="title"/>
-          </p:nvPr>
-        </p:nvSpPr>
-        <p:spPr/>
-        <p:txBody>
-          <a:bodyPr/>
-          <a:lstStyle/>
-          <a:p>
-            <a:r>
-              <a:rPr lang="de-DE" dirty="0"/>
-              <a:t>Gliederung</a:t>
-            </a:r>
-          </a:p>
-        </p:txBody>
-      </p:sp>
-      <p:sp>
-        <p:nvSpPr>
-          <p:cNvPr id="10" name="Inhaltsplatzhalter 9"/>
-          <p:cNvSpPr>
-            <a:spLocks noGrp="1"/>
-          </p:cNvSpPr>
-          <p:nvPr>
-            <p:ph idx="1"/>
-          </p:nvPr>
-        </p:nvSpPr>
-        <p:spPr/>
-        <p:txBody>
-          <a:bodyPr>
-            <a:normAutofit fontScale="92500" lnSpcReduction="20000"/>
-          </a:bodyPr>
-          <a:lstStyle/>
-          <a:p>
-            <a:r>
-              <a:rPr lang="de-DE" dirty="0"/>
-              <a:t>Projektauftrag</a:t>
-            </a:r>
-          </a:p>
-          <a:p>
-            <a:endParaRPr lang="de-DE" dirty="0"/>
-          </a:p>
-          <a:p>
-            <a:r>
-              <a:rPr lang="de-DE" dirty="0"/>
-              <a:t>Ist-Analyse</a:t>
-            </a:r>
-          </a:p>
-          <a:p>
-            <a:endParaRPr lang="de-DE" dirty="0"/>
-          </a:p>
-          <a:p>
-            <a:r>
-              <a:rPr lang="de-DE" dirty="0"/>
-              <a:t>Soll-Konzept</a:t>
-            </a:r>
-          </a:p>
-          <a:p>
-            <a:endParaRPr lang="de-DE" dirty="0"/>
-          </a:p>
-          <a:p>
-            <a:r>
-              <a:rPr lang="de-DE" dirty="0"/>
-              <a:t>Durchführung</a:t>
-            </a:r>
-          </a:p>
-          <a:p>
-            <a:endParaRPr lang="de-DE" dirty="0"/>
-          </a:p>
-          <a:p>
-            <a:r>
-              <a:rPr lang="de-DE" dirty="0"/>
-              <a:t>Fazit</a:t>
-            </a:r>
-          </a:p>
-          <a:p>
-            <a:endParaRPr lang="de-DE" dirty="0"/>
-          </a:p>
-          <a:p>
-            <a:r>
-              <a:rPr lang="de-DE" dirty="0"/>
-              <a:t>Produktvorstellung „Scrumiverse“</a:t>
-            </a:r>
-          </a:p>
-          <a:p>
-            <a:pPr marL="0" indent="0">
-              <a:buNone/>
-            </a:pPr>
-            <a:endParaRPr lang="de-DE" dirty="0"/>
-          </a:p>
-        </p:txBody>
-      </p:sp>
-      <p:sp>
-        <p:nvSpPr>
-          <p:cNvPr id="12" name="Inhaltsplatzhalter 11"/>
-          <p:cNvSpPr>
-            <a:spLocks noGrp="1"/>
-          </p:cNvSpPr>
-          <p:nvPr>
-            <p:ph sz="quarter" idx="12"/>
-          </p:nvPr>
-        </p:nvSpPr>
-        <p:spPr/>
-        <p:txBody>
-          <a:bodyPr/>
-          <a:lstStyle/>
-          <a:p>
-            <a:endParaRPr lang="de-DE" dirty="0"/>
-          </a:p>
-        </p:txBody>
-      </p:sp>
-      <p:sp>
-        <p:nvSpPr>
-          <p:cNvPr id="13" name="Inhaltsplatzhalter 12"/>
-          <p:cNvSpPr>
-            <a:spLocks noGrp="1"/>
-          </p:cNvSpPr>
-          <p:nvPr>
-            <p:ph sz="quarter" idx="13"/>
-          </p:nvPr>
-        </p:nvSpPr>
-        <p:spPr/>
-        <p:txBody>
-          <a:bodyPr/>
-          <a:lstStyle/>
-          <a:p>
-            <a:r>
-              <a:rPr lang="de-DE" dirty="0"/>
-              <a:t>Gliederung</a:t>
-            </a:r>
-          </a:p>
-        </p:txBody>
-      </p:sp>
-      <p:sp>
-        <p:nvSpPr>
-          <p:cNvPr id="2" name="Inhaltsplatzhalter 1"/>
-          <p:cNvSpPr>
-            <a:spLocks noGrp="1"/>
-          </p:cNvSpPr>
-          <p:nvPr>
-            <p:ph sz="quarter" idx="14"/>
-          </p:nvPr>
-        </p:nvSpPr>
-        <p:spPr/>
-        <p:txBody>
-          <a:bodyPr/>
-          <a:lstStyle/>
-          <a:p>
-            <a:r>
-              <a:rPr lang="de-DE" dirty="0"/>
-              <a:t>Projektauftrag</a:t>
-            </a:r>
-          </a:p>
-        </p:txBody>
-      </p:sp>
-    </p:spTree>
-    <p:extLst>
-      <p:ext uri="{BB962C8B-B14F-4D97-AF65-F5344CB8AC3E}">
-        <p14:creationId xmlns:p14="http://schemas.microsoft.com/office/powerpoint/2010/main" val="2376792185"/>
-      </p:ext>
-    </p:extLst>
-  </p:cSld>
-  <p:clrMapOvr>
-    <a:masterClrMapping/>
-  </p:clrMapOvr>
-</p:sld>
-</file>
-
-<file path=ppt/slides/slide20.xml><?xml version="1.0" encoding="utf-8"?>
+<file path=ppt/slides/slide19.xml><?xml version="1.0" encoding="utf-8"?>
 <p:sld xmlns:a="http://schemas.openxmlformats.org/drawingml/2006/main" xmlns:r="http://schemas.openxmlformats.org/officeDocument/2006/relationships" xmlns:p="http://schemas.openxmlformats.org/presentationml/2006/main">
   <p:cSld>
     <p:spTree>
@@ -17243,6 +16107,196 @@
     <p:extLst>
       <p:ext uri="{BB962C8B-B14F-4D97-AF65-F5344CB8AC3E}">
         <p14:creationId xmlns:p14="http://schemas.microsoft.com/office/powerpoint/2010/main" val="3779850031"/>
+      </p:ext>
+    </p:extLst>
+  </p:cSld>
+  <p:clrMapOvr>
+    <a:masterClrMapping/>
+  </p:clrMapOvr>
+</p:sld>
+</file>
+
+<file path=ppt/slides/slide2.xml><?xml version="1.0" encoding="utf-8"?>
+<p:sld xmlns:a="http://schemas.openxmlformats.org/drawingml/2006/main" xmlns:r="http://schemas.openxmlformats.org/officeDocument/2006/relationships" xmlns:p="http://schemas.openxmlformats.org/presentationml/2006/main">
+  <p:cSld>
+    <p:spTree>
+      <p:nvGrpSpPr>
+        <p:cNvPr id="1" name=""/>
+        <p:cNvGrpSpPr/>
+        <p:nvPr/>
+      </p:nvGrpSpPr>
+      <p:grpSpPr>
+        <a:xfrm>
+          <a:off x="0" y="0"/>
+          <a:ext cx="0" cy="0"/>
+          <a:chOff x="0" y="0"/>
+          <a:chExt cx="0" cy="0"/>
+        </a:xfrm>
+      </p:grpSpPr>
+      <p:sp>
+        <p:nvSpPr>
+          <p:cNvPr id="9" name="Titel 8"/>
+          <p:cNvSpPr>
+            <a:spLocks noGrp="1"/>
+          </p:cNvSpPr>
+          <p:nvPr>
+            <p:ph type="title"/>
+          </p:nvPr>
+        </p:nvSpPr>
+        <p:spPr/>
+        <p:txBody>
+          <a:bodyPr/>
+          <a:lstStyle/>
+          <a:p>
+            <a:r>
+              <a:rPr lang="de-DE" dirty="0"/>
+              <a:t>Gliederung</a:t>
+            </a:r>
+          </a:p>
+        </p:txBody>
+      </p:sp>
+      <p:sp>
+        <p:nvSpPr>
+          <p:cNvPr id="10" name="Inhaltsplatzhalter 9"/>
+          <p:cNvSpPr>
+            <a:spLocks noGrp="1"/>
+          </p:cNvSpPr>
+          <p:nvPr>
+            <p:ph idx="1"/>
+          </p:nvPr>
+        </p:nvSpPr>
+        <p:spPr/>
+        <p:txBody>
+          <a:bodyPr>
+            <a:normAutofit fontScale="92500" lnSpcReduction="20000"/>
+          </a:bodyPr>
+          <a:lstStyle/>
+          <a:p>
+            <a:r>
+              <a:rPr lang="de-DE" dirty="0"/>
+              <a:t>Projektauftrag</a:t>
+            </a:r>
+          </a:p>
+          <a:p>
+            <a:endParaRPr lang="de-DE" dirty="0"/>
+          </a:p>
+          <a:p>
+            <a:r>
+              <a:rPr lang="de-DE" dirty="0"/>
+              <a:t>Ist-Analyse</a:t>
+            </a:r>
+          </a:p>
+          <a:p>
+            <a:endParaRPr lang="de-DE" dirty="0"/>
+          </a:p>
+          <a:p>
+            <a:r>
+              <a:rPr lang="de-DE" dirty="0"/>
+              <a:t>Soll-Konzept</a:t>
+            </a:r>
+          </a:p>
+          <a:p>
+            <a:endParaRPr lang="de-DE" dirty="0"/>
+          </a:p>
+          <a:p>
+            <a:r>
+              <a:rPr lang="de-DE" dirty="0"/>
+              <a:t>Durchführung</a:t>
+            </a:r>
+          </a:p>
+          <a:p>
+            <a:endParaRPr lang="de-DE" dirty="0"/>
+          </a:p>
+          <a:p>
+            <a:r>
+              <a:rPr lang="de-DE" dirty="0"/>
+              <a:t>Fazit</a:t>
+            </a:r>
+          </a:p>
+          <a:p>
+            <a:endParaRPr lang="de-DE" dirty="0"/>
+          </a:p>
+          <a:p>
+            <a:r>
+              <a:rPr lang="de-DE" dirty="0"/>
+              <a:t>Produktvorstellung „Scrumiverse“</a:t>
+            </a:r>
+          </a:p>
+          <a:p>
+            <a:pPr marL="0" indent="0">
+              <a:buNone/>
+            </a:pPr>
+            <a:endParaRPr lang="de-DE" dirty="0"/>
+          </a:p>
+        </p:txBody>
+      </p:sp>
+      <p:sp>
+        <p:nvSpPr>
+          <p:cNvPr id="12" name="Inhaltsplatzhalter 11"/>
+          <p:cNvSpPr>
+            <a:spLocks noGrp="1"/>
+          </p:cNvSpPr>
+          <p:nvPr>
+            <p:ph sz="quarter" idx="12"/>
+          </p:nvPr>
+        </p:nvSpPr>
+        <p:spPr/>
+        <p:txBody>
+          <a:bodyPr/>
+          <a:lstStyle/>
+          <a:p>
+            <a:endParaRPr lang="de-DE" dirty="0"/>
+          </a:p>
+        </p:txBody>
+      </p:sp>
+      <p:sp>
+        <p:nvSpPr>
+          <p:cNvPr id="13" name="Inhaltsplatzhalter 12"/>
+          <p:cNvSpPr>
+            <a:spLocks noGrp="1"/>
+          </p:cNvSpPr>
+          <p:nvPr>
+            <p:ph sz="quarter" idx="13"/>
+          </p:nvPr>
+        </p:nvSpPr>
+        <p:spPr/>
+        <p:txBody>
+          <a:bodyPr/>
+          <a:lstStyle/>
+          <a:p>
+            <a:r>
+              <a:rPr lang="de-DE" dirty="0"/>
+              <a:t>Gliederung</a:t>
+            </a:r>
+          </a:p>
+        </p:txBody>
+      </p:sp>
+      <p:sp>
+        <p:nvSpPr>
+          <p:cNvPr id="2" name="Inhaltsplatzhalter 1"/>
+          <p:cNvSpPr>
+            <a:spLocks noGrp="1"/>
+          </p:cNvSpPr>
+          <p:nvPr>
+            <p:ph sz="quarter" idx="14"/>
+          </p:nvPr>
+        </p:nvSpPr>
+        <p:spPr/>
+        <p:txBody>
+          <a:bodyPr/>
+          <a:lstStyle/>
+          <a:p>
+            <a:r>
+              <a:rPr lang="de-DE" dirty="0"/>
+              <a:t>Projektauftrag</a:t>
+            </a:r>
+          </a:p>
+        </p:txBody>
+      </p:sp>
+    </p:spTree>
+    <p:extLst>
+      <p:ext uri="{BB962C8B-B14F-4D97-AF65-F5344CB8AC3E}">
+        <p14:creationId xmlns:p14="http://schemas.microsoft.com/office/powerpoint/2010/main" val="2376792185"/>
       </p:ext>
     </p:extLst>
   </p:cSld>
@@ -20491,7 +19545,7 @@
         </p:nvSpPr>
         <p:spPr>
           <a:xfrm>
-            <a:off x="9056399" y="4111862"/>
+            <a:off x="9056399" y="4542362"/>
             <a:ext cx="2008737" cy="1473494"/>
           </a:xfrm>
           <a:prstGeom prst="rect">
@@ -22347,7 +21401,7 @@
         </p:nvGrpSpPr>
         <p:grpSpPr>
           <a:xfrm>
-            <a:off x="6762710" y="1975487"/>
+            <a:off x="6762710" y="2405987"/>
             <a:ext cx="4302426" cy="2089852"/>
             <a:chOff x="6774110" y="2027028"/>
             <a:chExt cx="4302426" cy="2089852"/>
@@ -23595,7 +22649,7 @@
         </p:nvSpPr>
         <p:spPr>
           <a:xfrm>
-            <a:off x="6758219" y="4120387"/>
+            <a:off x="6758219" y="4550887"/>
             <a:ext cx="2233395" cy="1458484"/>
           </a:xfrm>
           <a:prstGeom prst="rect">
@@ -23643,7 +22697,7 @@
         </p:nvSpPr>
         <p:spPr>
           <a:xfrm>
-            <a:off x="6823004" y="4159030"/>
+            <a:off x="6823004" y="4589530"/>
             <a:ext cx="2110037" cy="1369852"/>
           </a:xfrm>
           <a:prstGeom prst="rect">
@@ -23688,13 +22742,13 @@
           <p:nvPr>
             <p:extLst>
               <p:ext uri="{D42A27DB-BD31-4B8C-83A1-F6EECF244321}">
-                <p14:modId xmlns:p14="http://schemas.microsoft.com/office/powerpoint/2010/main" val="46436930"/>
+                <p14:modId xmlns:p14="http://schemas.microsoft.com/office/powerpoint/2010/main" val="2964146171"/>
               </p:ext>
             </p:extLst>
           </p:nvPr>
         </p:nvGraphicFramePr>
         <p:xfrm>
-          <a:off x="6831381" y="4195669"/>
+          <a:off x="6831381" y="4626169"/>
           <a:ext cx="2110038" cy="1296573"/>
         </p:xfrm>
         <a:graphic>
@@ -23711,7 +22765,7 @@
         </p:nvGrpSpPr>
         <p:grpSpPr>
           <a:xfrm>
-            <a:off x="9164269" y="4282059"/>
+            <a:off x="9164269" y="4712559"/>
             <a:ext cx="1708583" cy="1126349"/>
             <a:chOff x="899886" y="4424812"/>
             <a:chExt cx="2447644" cy="1657333"/>
@@ -23974,6 +23028,36 @@
           </p:txBody>
         </p:sp>
       </p:grpSp>
+      <p:pic>
+        <p:nvPicPr>
+          <p:cNvPr id="4" name="Grafik 3"/>
+          <p:cNvPicPr>
+            <a:picLocks noChangeAspect="1"/>
+          </p:cNvPicPr>
+          <p:nvPr/>
+        </p:nvPicPr>
+        <p:blipFill>
+          <a:blip r:embed="rId3">
+            <a:extLst>
+              <a:ext uri="{28A0092B-C50C-407E-A947-70E740481C1C}">
+                <a14:useLocalDpi xmlns:a14="http://schemas.microsoft.com/office/drawing/2010/main" val="0"/>
+              </a:ext>
+            </a:extLst>
+          </a:blip>
+          <a:stretch>
+            <a:fillRect/>
+          </a:stretch>
+        </p:blipFill>
+        <p:spPr>
+          <a:xfrm>
+            <a:off x="6492191" y="1957440"/>
+            <a:ext cx="4843465" cy="363409"/>
+          </a:xfrm>
+          <a:prstGeom prst="rect">
+            <a:avLst/>
+          </a:prstGeom>
+        </p:spPr>
+      </p:pic>
     </p:spTree>
     <p:extLst>
       <p:ext uri="{BB962C8B-B14F-4D97-AF65-F5344CB8AC3E}">
@@ -27495,7 +26579,7 @@
                                           </p:stCondLst>
                                         </p:cTn>
                                         <p:tgtEl>
-                                          <p:spTgt spid="41"/>
+                                          <p:spTgt spid="50"/>
                                         </p:tgtEl>
                                         <p:attrNameLst>
                                           <p:attrName>style.visibility</p:attrName>
@@ -27509,7 +26593,7 @@
                                       <p:cBhvr>
                                         <p:cTn id="7" dur="500"/>
                                         <p:tgtEl>
-                                          <p:spTgt spid="41"/>
+                                          <p:spTgt spid="50"/>
                                         </p:tgtEl>
                                       </p:cBhvr>
                                     </p:animEffect>
@@ -27530,7 +26614,7 @@
                                           </p:stCondLst>
                                         </p:cTn>
                                         <p:tgtEl>
-                                          <p:spTgt spid="42"/>
+                                          <p:spTgt spid="51"/>
                                         </p:tgtEl>
                                         <p:attrNameLst>
                                           <p:attrName>style.visibility</p:attrName>
@@ -27544,7 +26628,7 @@
                                       <p:cBhvr>
                                         <p:cTn id="10" dur="500"/>
                                         <p:tgtEl>
-                                          <p:spTgt spid="42"/>
+                                          <p:spTgt spid="51"/>
                                         </p:tgtEl>
                                       </p:cBhvr>
                                     </p:animEffect>
@@ -27552,7 +26636,7 @@
                                 </p:cTn>
                               </p:par>
                               <p:par>
-                                <p:cTn id="11" presetID="10" presetClass="entr" presetSubtype="0" fill="hold" grpId="0" nodeType="withEffect">
+                                <p:cTn id="11" presetID="10" presetClass="entr" presetSubtype="0" fill="hold" nodeType="withEffect">
                                   <p:stCondLst>
                                     <p:cond delay="0"/>
                                   </p:stCondLst>
@@ -27565,7 +26649,7 @@
                                           </p:stCondLst>
                                         </p:cTn>
                                         <p:tgtEl>
-                                          <p:spTgt spid="49"/>
+                                          <p:spTgt spid="62"/>
                                         </p:tgtEl>
                                         <p:attrNameLst>
                                           <p:attrName>style.visibility</p:attrName>
@@ -27579,42 +26663,7 @@
                                       <p:cBhvr>
                                         <p:cTn id="13" dur="500"/>
                                         <p:tgtEl>
-                                          <p:spTgt spid="49"/>
-                                        </p:tgtEl>
-                                      </p:cBhvr>
-                                    </p:animEffect>
-                                  </p:childTnLst>
-                                </p:cTn>
-                              </p:par>
-                              <p:par>
-                                <p:cTn id="14" presetID="10" presetClass="entr" presetSubtype="0" fill="hold" grpId="0" nodeType="withEffect">
-                                  <p:stCondLst>
-                                    <p:cond delay="0"/>
-                                  </p:stCondLst>
-                                  <p:childTnLst>
-                                    <p:set>
-                                      <p:cBhvr>
-                                        <p:cTn id="15" dur="1" fill="hold">
-                                          <p:stCondLst>
-                                            <p:cond delay="0"/>
-                                          </p:stCondLst>
-                                        </p:cTn>
-                                        <p:tgtEl>
-                                          <p:spTgt spid="40"/>
-                                        </p:tgtEl>
-                                        <p:attrNameLst>
-                                          <p:attrName>style.visibility</p:attrName>
-                                        </p:attrNameLst>
-                                      </p:cBhvr>
-                                      <p:to>
-                                        <p:strVal val="visible"/>
-                                      </p:to>
-                                    </p:set>
-                                    <p:animEffect transition="in" filter="fade">
-                                      <p:cBhvr>
-                                        <p:cTn id="16" dur="500"/>
-                                        <p:tgtEl>
-                                          <p:spTgt spid="40"/>
+                                          <p:spTgt spid="62"/>
                                         </p:tgtEl>
                                       </p:cBhvr>
                                     </p:animEffect>
@@ -27628,19 +26677,54 @@
                     </p:cTn>
                   </p:par>
                   <p:par>
-                    <p:cTn id="17" fill="hold">
+                    <p:cTn id="14" fill="hold">
                       <p:stCondLst>
                         <p:cond delay="indefinite"/>
                       </p:stCondLst>
                       <p:childTnLst>
                         <p:par>
-                          <p:cTn id="18" fill="hold">
+                          <p:cTn id="15" fill="hold">
                             <p:stCondLst>
                               <p:cond delay="0"/>
                             </p:stCondLst>
                             <p:childTnLst>
                               <p:par>
-                                <p:cTn id="19" presetID="10" presetClass="entr" presetSubtype="0" fill="hold" grpId="0" nodeType="clickEffect">
+                                <p:cTn id="16" presetID="10" presetClass="entr" presetSubtype="0" fill="hold" grpId="0" nodeType="clickEffect">
+                                  <p:stCondLst>
+                                    <p:cond delay="0"/>
+                                  </p:stCondLst>
+                                  <p:childTnLst>
+                                    <p:set>
+                                      <p:cBhvr>
+                                        <p:cTn id="17" dur="1" fill="hold">
+                                          <p:stCondLst>
+                                            <p:cond delay="0"/>
+                                          </p:stCondLst>
+                                        </p:cTn>
+                                        <p:tgtEl>
+                                          <p:spTgt spid="8"/>
+                                        </p:tgtEl>
+                                        <p:attrNameLst>
+                                          <p:attrName>style.visibility</p:attrName>
+                                        </p:attrNameLst>
+                                      </p:cBhvr>
+                                      <p:to>
+                                        <p:strVal val="visible"/>
+                                      </p:to>
+                                    </p:set>
+                                    <p:animEffect transition="in" filter="fade">
+                                      <p:cBhvr>
+                                        <p:cTn id="18" dur="500"/>
+                                        <p:tgtEl>
+                                          <p:spTgt spid="8"/>
+                                        </p:tgtEl>
+                                      </p:cBhvr>
+                                    </p:animEffect>
+                                  </p:childTnLst>
+                                </p:cTn>
+                              </p:par>
+                              <p:par>
+                                <p:cTn id="19" presetID="10" presetClass="entr" presetSubtype="0" fill="hold" grpId="0" nodeType="withEffect">
                                   <p:stCondLst>
                                     <p:cond delay="0"/>
                                   </p:stCondLst>
@@ -27653,7 +26737,7 @@
                                           </p:stCondLst>
                                         </p:cTn>
                                         <p:tgtEl>
-                                          <p:spTgt spid="50"/>
+                                          <p:spTgt spid="44"/>
                                         </p:tgtEl>
                                         <p:attrNameLst>
                                           <p:attrName>style.visibility</p:attrName>
@@ -27667,7 +26751,7 @@
                                       <p:cBhvr>
                                         <p:cTn id="21" dur="500"/>
                                         <p:tgtEl>
-                                          <p:spTgt spid="50"/>
+                                          <p:spTgt spid="44"/>
                                         </p:tgtEl>
                                       </p:cBhvr>
                                     </p:animEffect>
@@ -27688,7 +26772,7 @@
                                           </p:stCondLst>
                                         </p:cTn>
                                         <p:tgtEl>
-                                          <p:spTgt spid="51"/>
+                                          <p:spTgt spid="48"/>
                                         </p:tgtEl>
                                         <p:attrNameLst>
                                           <p:attrName>style.visibility</p:attrName>
@@ -27702,7 +26786,7 @@
                                       <p:cBhvr>
                                         <p:cTn id="24" dur="500"/>
                                         <p:tgtEl>
-                                          <p:spTgt spid="51"/>
+                                          <p:spTgt spid="48"/>
                                         </p:tgtEl>
                                       </p:cBhvr>
                                     </p:animEffect>
@@ -27723,7 +26807,7 @@
                                           </p:stCondLst>
                                         </p:cTn>
                                         <p:tgtEl>
-                                          <p:spTgt spid="8"/>
+                                          <p:spTgt spid="43"/>
                                         </p:tgtEl>
                                         <p:attrNameLst>
                                           <p:attrName>style.visibility</p:attrName>
@@ -27737,7 +26821,7 @@
                                       <p:cBhvr>
                                         <p:cTn id="27" dur="500"/>
                                         <p:tgtEl>
-                                          <p:spTgt spid="8"/>
+                                          <p:spTgt spid="43"/>
                                         </p:tgtEl>
                                       </p:cBhvr>
                                     </p:animEffect>
@@ -27758,7 +26842,7 @@
                                           </p:stCondLst>
                                         </p:cTn>
                                         <p:tgtEl>
-                                          <p:spTgt spid="44"/>
+                                          <p:spTgt spid="47"/>
                                         </p:tgtEl>
                                         <p:attrNameLst>
                                           <p:attrName>style.visibility</p:attrName>
@@ -27771,111 +26855,6 @@
                                     <p:animEffect transition="in" filter="fade">
                                       <p:cBhvr>
                                         <p:cTn id="30" dur="500"/>
-                                        <p:tgtEl>
-                                          <p:spTgt spid="44"/>
-                                        </p:tgtEl>
-                                      </p:cBhvr>
-                                    </p:animEffect>
-                                  </p:childTnLst>
-                                </p:cTn>
-                              </p:par>
-                              <p:par>
-                                <p:cTn id="31" presetID="10" presetClass="entr" presetSubtype="0" fill="hold" grpId="0" nodeType="withEffect">
-                                  <p:stCondLst>
-                                    <p:cond delay="0"/>
-                                  </p:stCondLst>
-                                  <p:childTnLst>
-                                    <p:set>
-                                      <p:cBhvr>
-                                        <p:cTn id="32" dur="1" fill="hold">
-                                          <p:stCondLst>
-                                            <p:cond delay="0"/>
-                                          </p:stCondLst>
-                                        </p:cTn>
-                                        <p:tgtEl>
-                                          <p:spTgt spid="43"/>
-                                        </p:tgtEl>
-                                        <p:attrNameLst>
-                                          <p:attrName>style.visibility</p:attrName>
-                                        </p:attrNameLst>
-                                      </p:cBhvr>
-                                      <p:to>
-                                        <p:strVal val="visible"/>
-                                      </p:to>
-                                    </p:set>
-                                    <p:animEffect transition="in" filter="fade">
-                                      <p:cBhvr>
-                                        <p:cTn id="33" dur="500"/>
-                                        <p:tgtEl>
-                                          <p:spTgt spid="43"/>
-                                        </p:tgtEl>
-                                      </p:cBhvr>
-                                    </p:animEffect>
-                                  </p:childTnLst>
-                                </p:cTn>
-                              </p:par>
-                              <p:par>
-                                <p:cTn id="34" presetID="10" presetClass="entr" presetSubtype="0" fill="hold" grpId="0" nodeType="withEffect">
-                                  <p:stCondLst>
-                                    <p:cond delay="0"/>
-                                  </p:stCondLst>
-                                  <p:childTnLst>
-                                    <p:set>
-                                      <p:cBhvr>
-                                        <p:cTn id="35" dur="1" fill="hold">
-                                          <p:stCondLst>
-                                            <p:cond delay="0"/>
-                                          </p:stCondLst>
-                                        </p:cTn>
-                                        <p:tgtEl>
-                                          <p:spTgt spid="48"/>
-                                        </p:tgtEl>
-                                        <p:attrNameLst>
-                                          <p:attrName>style.visibility</p:attrName>
-                                        </p:attrNameLst>
-                                      </p:cBhvr>
-                                      <p:to>
-                                        <p:strVal val="visible"/>
-                                      </p:to>
-                                    </p:set>
-                                    <p:animEffect transition="in" filter="fade">
-                                      <p:cBhvr>
-                                        <p:cTn id="36" dur="500"/>
-                                        <p:tgtEl>
-                                          <p:spTgt spid="48"/>
-                                        </p:tgtEl>
-                                      </p:cBhvr>
-                                    </p:animEffect>
-                                  </p:childTnLst>
-                                </p:cTn>
-                              </p:par>
-                              <p:par>
-                                <p:cTn id="37" presetID="10" presetClass="entr" presetSubtype="0" fill="hold" grpId="0" nodeType="withEffect">
-                                  <p:stCondLst>
-                                    <p:cond delay="0"/>
-                                  </p:stCondLst>
-                                  <p:childTnLst>
-                                    <p:set>
-                                      <p:cBhvr>
-                                        <p:cTn id="38" dur="1" fill="hold">
-                                          <p:stCondLst>
-                                            <p:cond delay="0"/>
-                                          </p:stCondLst>
-                                        </p:cTn>
-                                        <p:tgtEl>
-                                          <p:spTgt spid="47"/>
-                                        </p:tgtEl>
-                                        <p:attrNameLst>
-                                          <p:attrName>style.visibility</p:attrName>
-                                        </p:attrNameLst>
-                                      </p:cBhvr>
-                                      <p:to>
-                                        <p:strVal val="visible"/>
-                                      </p:to>
-                                    </p:set>
-                                    <p:animEffect transition="in" filter="fade">
-                                      <p:cBhvr>
-                                        <p:cTn id="39" dur="500"/>
                                         <p:tgtEl>
                                           <p:spTgt spid="47"/>
                                         </p:tgtEl>
@@ -27891,79 +26870,26 @@
                     </p:cTn>
                   </p:par>
                   <p:par>
-                    <p:cTn id="40" fill="hold">
+                    <p:cTn id="31" fill="hold">
                       <p:stCondLst>
                         <p:cond delay="indefinite"/>
                       </p:stCondLst>
                       <p:childTnLst>
                         <p:par>
-                          <p:cTn id="41" fill="hold">
+                          <p:cTn id="32" fill="hold">
                             <p:stCondLst>
                               <p:cond delay="0"/>
                             </p:stCondLst>
                             <p:childTnLst>
                               <p:par>
-                                <p:cTn id="42" presetID="10" presetClass="entr" presetSubtype="0" fill="hold" nodeType="clickEffect">
+                                <p:cTn id="33" presetID="10" presetClass="entr" presetSubtype="0" fill="hold" grpId="0" nodeType="clickEffect">
                                   <p:stCondLst>
                                     <p:cond delay="0"/>
                                   </p:stCondLst>
                                   <p:childTnLst>
                                     <p:set>
                                       <p:cBhvr>
-                                        <p:cTn id="43" dur="1" fill="hold">
-                                          <p:stCondLst>
-                                            <p:cond delay="0"/>
-                                          </p:stCondLst>
-                                        </p:cTn>
-                                        <p:tgtEl>
-                                          <p:spTgt spid="62"/>
-                                        </p:tgtEl>
-                                        <p:attrNameLst>
-                                          <p:attrName>style.visibility</p:attrName>
-                                        </p:attrNameLst>
-                                      </p:cBhvr>
-                                      <p:to>
-                                        <p:strVal val="visible"/>
-                                      </p:to>
-                                    </p:set>
-                                    <p:animEffect transition="in" filter="fade">
-                                      <p:cBhvr>
-                                        <p:cTn id="44" dur="500"/>
-                                        <p:tgtEl>
-                                          <p:spTgt spid="62"/>
-                                        </p:tgtEl>
-                                      </p:cBhvr>
-                                    </p:animEffect>
-                                  </p:childTnLst>
-                                </p:cTn>
-                              </p:par>
-                            </p:childTnLst>
-                          </p:cTn>
-                        </p:par>
-                      </p:childTnLst>
-                    </p:cTn>
-                  </p:par>
-                  <p:par>
-                    <p:cTn id="45" fill="hold">
-                      <p:stCondLst>
-                        <p:cond delay="indefinite"/>
-                      </p:stCondLst>
-                      <p:childTnLst>
-                        <p:par>
-                          <p:cTn id="46" fill="hold">
-                            <p:stCondLst>
-                              <p:cond delay="0"/>
-                            </p:stCondLst>
-                            <p:childTnLst>
-                              <p:par>
-                                <p:cTn id="47" presetID="10" presetClass="entr" presetSubtype="0" fill="hold" grpId="0" nodeType="clickEffect">
-                                  <p:stCondLst>
-                                    <p:cond delay="0"/>
-                                  </p:stCondLst>
-                                  <p:childTnLst>
-                                    <p:set>
-                                      <p:cBhvr>
-                                        <p:cTn id="48" dur="1" fill="hold">
+                                        <p:cTn id="34" dur="1" fill="hold">
                                           <p:stCondLst>
                                             <p:cond delay="0"/>
                                           </p:stCondLst>
@@ -27981,7 +26907,7 @@
                                     </p:set>
                                     <p:animEffect transition="in" filter="fade">
                                       <p:cBhvr>
-                                        <p:cTn id="49" dur="500"/>
+                                        <p:cTn id="35" dur="500"/>
                                         <p:tgtEl>
                                           <p:spTgt spid="52"/>
                                         </p:tgtEl>
@@ -27991,14 +26917,14 @@
                                 </p:cTn>
                               </p:par>
                               <p:par>
-                                <p:cTn id="50" presetID="10" presetClass="entr" presetSubtype="0" fill="hold" grpId="0" nodeType="withEffect">
+                                <p:cTn id="36" presetID="10" presetClass="entr" presetSubtype="0" fill="hold" grpId="0" nodeType="withEffect">
                                   <p:stCondLst>
                                     <p:cond delay="0"/>
                                   </p:stCondLst>
                                   <p:childTnLst>
                                     <p:set>
                                       <p:cBhvr>
-                                        <p:cTn id="51" dur="1" fill="hold">
+                                        <p:cTn id="37" dur="1" fill="hold">
                                           <p:stCondLst>
                                             <p:cond delay="0"/>
                                           </p:stCondLst>
@@ -28016,7 +26942,7 @@
                                     </p:set>
                                     <p:animEffect transition="in" filter="fade">
                                       <p:cBhvr>
-                                        <p:cTn id="52" dur="500"/>
+                                        <p:cTn id="38" dur="500"/>
                                         <p:tgtEl>
                                           <p:spTgt spid="54"/>
                                         </p:tgtEl>
@@ -28025,33 +26951,15 @@
                                   </p:childTnLst>
                                 </p:cTn>
                               </p:par>
-                            </p:childTnLst>
-                          </p:cTn>
-                        </p:par>
-                      </p:childTnLst>
-                    </p:cTn>
-                  </p:par>
-                  <p:par>
-                    <p:cTn id="53" fill="hold">
-                      <p:stCondLst>
-                        <p:cond delay="indefinite"/>
-                      </p:stCondLst>
-                      <p:childTnLst>
-                        <p:par>
-                          <p:cTn id="54" fill="hold">
-                            <p:stCondLst>
-                              <p:cond delay="0"/>
-                            </p:stCondLst>
-                            <p:childTnLst>
                               <p:par>
-                                <p:cTn id="55" presetID="10" presetClass="entr" presetSubtype="0" fill="hold" grpId="0" nodeType="clickEffect">
+                                <p:cTn id="39" presetID="10" presetClass="entr" presetSubtype="0" fill="hold" grpId="0" nodeType="withEffect">
                                   <p:stCondLst>
                                     <p:cond delay="0"/>
                                   </p:stCondLst>
                                   <p:childTnLst>
                                     <p:set>
                                       <p:cBhvr>
-                                        <p:cTn id="56" dur="1" fill="hold">
+                                        <p:cTn id="40" dur="1" fill="hold">
                                           <p:stCondLst>
                                             <p:cond delay="0"/>
                                           </p:stCondLst>
@@ -28069,7 +26977,7 @@
                                     </p:set>
                                     <p:animEffect transition="in" filter="fade">
                                       <p:cBhvr>
-                                        <p:cTn id="57" dur="500"/>
+                                        <p:cTn id="41" dur="500"/>
                                         <p:tgtEl>
                                           <p:spTgt spid="56"/>
                                         </p:tgtEl>
@@ -28079,14 +26987,14 @@
                                 </p:cTn>
                               </p:par>
                               <p:par>
-                                <p:cTn id="58" presetID="10" presetClass="entr" presetSubtype="0" fill="hold" grpId="0" nodeType="withEffect">
+                                <p:cTn id="42" presetID="10" presetClass="entr" presetSubtype="0" fill="hold" grpId="0" nodeType="withEffect">
                                   <p:stCondLst>
                                     <p:cond delay="0"/>
                                   </p:stCondLst>
                                   <p:childTnLst>
                                     <p:set>
                                       <p:cBhvr>
-                                        <p:cTn id="59" dur="1" fill="hold">
+                                        <p:cTn id="43" dur="1" fill="hold">
                                           <p:stCondLst>
                                             <p:cond delay="0"/>
                                           </p:stCondLst>
@@ -28104,7 +27012,7 @@
                                     </p:set>
                                     <p:animEffect transition="in" filter="fade">
                                       <p:cBhvr>
-                                        <p:cTn id="60" dur="500"/>
+                                        <p:cTn id="44" dur="500"/>
                                         <p:tgtEl>
                                           <p:spTgt spid="55"/>
                                         </p:tgtEl>
@@ -28114,14 +27022,14 @@
                                 </p:cTn>
                               </p:par>
                               <p:par>
-                                <p:cTn id="61" presetID="10" presetClass="entr" presetSubtype="0" fill="hold" grpId="0" nodeType="withEffect">
+                                <p:cTn id="45" presetID="10" presetClass="entr" presetSubtype="0" fill="hold" grpId="0" nodeType="withEffect">
                                   <p:stCondLst>
                                     <p:cond delay="0"/>
                                   </p:stCondLst>
                                   <p:childTnLst>
                                     <p:set>
                                       <p:cBhvr>
-                                        <p:cTn id="62" dur="1" fill="hold">
+                                        <p:cTn id="46" dur="1" fill="hold">
                                           <p:stCondLst>
                                             <p:cond delay="0"/>
                                           </p:stCondLst>
@@ -28139,7 +27047,7 @@
                                     </p:set>
                                     <p:animEffect transition="in" filter="fade">
                                       <p:cBhvr>
-                                        <p:cTn id="63" dur="500"/>
+                                        <p:cTn id="47" dur="500"/>
                                         <p:tgtEl>
                                           <p:spTgt spid="57"/>
                                         </p:tgtEl>
@@ -28176,15 +27084,11 @@
       </p:par>
     </p:tnLst>
     <p:bldLst>
-      <p:bldP spid="40" grpId="0" animBg="1"/>
-      <p:bldP spid="41" grpId="0" animBg="1"/>
-      <p:bldP spid="42" grpId="0" animBg="1"/>
       <p:bldP spid="8" grpId="0" animBg="1"/>
       <p:bldP spid="43" grpId="0" animBg="1"/>
       <p:bldP spid="44" grpId="0" animBg="1"/>
       <p:bldP spid="47" grpId="0" animBg="1"/>
       <p:bldP spid="48" grpId="0" animBg="1"/>
-      <p:bldP spid="49" grpId="0" animBg="1"/>
       <p:bldP spid="50" grpId="0" animBg="1"/>
       <p:bldP spid="51" grpId="0" animBg="1"/>
       <p:bldP spid="52" grpId="0" animBg="1"/>
